--- a/Erzelemelemzes.pptx
+++ b/Erzelemelemzes.pptx
@@ -12,9 +12,12 @@
     <p:sldId id="265" r:id="rId6"/>
     <p:sldId id="260" r:id="rId7"/>
     <p:sldId id="266" r:id="rId8"/>
-    <p:sldId id="259" r:id="rId9"/>
-    <p:sldId id="261" r:id="rId10"/>
-    <p:sldId id="262" r:id="rId11"/>
+    <p:sldId id="267" r:id="rId9"/>
+    <p:sldId id="259" r:id="rId10"/>
+    <p:sldId id="268" r:id="rId11"/>
+    <p:sldId id="269" r:id="rId12"/>
+    <p:sldId id="261" r:id="rId13"/>
+    <p:sldId id="262" r:id="rId14"/>
   </p:sldIdLst>
   <p:sldSz cx="12192000" cy="6858000"/>
   <p:notesSz cx="6858000" cy="9144000"/>
@@ -279,7 +282,7 @@
           <a:p>
             <a:fld id="{653F7DB2-B3B3-4420-9BDA-51761B5F6382}" type="datetimeFigureOut">
               <a:rPr lang="hu-HU" smtClean="0"/>
-              <a:t>2025. 09. 15.</a:t>
+              <a:t>2025. 09. 16.</a:t>
             </a:fld>
             <a:endParaRPr lang="hu-HU"/>
           </a:p>
@@ -477,7 +480,7 @@
           <a:p>
             <a:fld id="{653F7DB2-B3B3-4420-9BDA-51761B5F6382}" type="datetimeFigureOut">
               <a:rPr lang="hu-HU" smtClean="0"/>
-              <a:t>2025. 09. 15.</a:t>
+              <a:t>2025. 09. 16.</a:t>
             </a:fld>
             <a:endParaRPr lang="hu-HU"/>
           </a:p>
@@ -685,7 +688,7 @@
           <a:p>
             <a:fld id="{653F7DB2-B3B3-4420-9BDA-51761B5F6382}" type="datetimeFigureOut">
               <a:rPr lang="hu-HU" smtClean="0"/>
-              <a:t>2025. 09. 15.</a:t>
+              <a:t>2025. 09. 16.</a:t>
             </a:fld>
             <a:endParaRPr lang="hu-HU"/>
           </a:p>
@@ -883,7 +886,7 @@
           <a:p>
             <a:fld id="{653F7DB2-B3B3-4420-9BDA-51761B5F6382}" type="datetimeFigureOut">
               <a:rPr lang="hu-HU" smtClean="0"/>
-              <a:t>2025. 09. 15.</a:t>
+              <a:t>2025. 09. 16.</a:t>
             </a:fld>
             <a:endParaRPr lang="hu-HU"/>
           </a:p>
@@ -1158,7 +1161,7 @@
           <a:p>
             <a:fld id="{653F7DB2-B3B3-4420-9BDA-51761B5F6382}" type="datetimeFigureOut">
               <a:rPr lang="hu-HU" smtClean="0"/>
-              <a:t>2025. 09. 15.</a:t>
+              <a:t>2025. 09. 16.</a:t>
             </a:fld>
             <a:endParaRPr lang="hu-HU"/>
           </a:p>
@@ -1423,7 +1426,7 @@
           <a:p>
             <a:fld id="{653F7DB2-B3B3-4420-9BDA-51761B5F6382}" type="datetimeFigureOut">
               <a:rPr lang="hu-HU" smtClean="0"/>
-              <a:t>2025. 09. 15.</a:t>
+              <a:t>2025. 09. 16.</a:t>
             </a:fld>
             <a:endParaRPr lang="hu-HU"/>
           </a:p>
@@ -1835,7 +1838,7 @@
           <a:p>
             <a:fld id="{653F7DB2-B3B3-4420-9BDA-51761B5F6382}" type="datetimeFigureOut">
               <a:rPr lang="hu-HU" smtClean="0"/>
-              <a:t>2025. 09. 15.</a:t>
+              <a:t>2025. 09. 16.</a:t>
             </a:fld>
             <a:endParaRPr lang="hu-HU"/>
           </a:p>
@@ -1976,7 +1979,7 @@
           <a:p>
             <a:fld id="{653F7DB2-B3B3-4420-9BDA-51761B5F6382}" type="datetimeFigureOut">
               <a:rPr lang="hu-HU" smtClean="0"/>
-              <a:t>2025. 09. 15.</a:t>
+              <a:t>2025. 09. 16.</a:t>
             </a:fld>
             <a:endParaRPr lang="hu-HU"/>
           </a:p>
@@ -2089,7 +2092,7 @@
           <a:p>
             <a:fld id="{653F7DB2-B3B3-4420-9BDA-51761B5F6382}" type="datetimeFigureOut">
               <a:rPr lang="hu-HU" smtClean="0"/>
-              <a:t>2025. 09. 15.</a:t>
+              <a:t>2025. 09. 16.</a:t>
             </a:fld>
             <a:endParaRPr lang="hu-HU"/>
           </a:p>
@@ -2400,7 +2403,7 @@
           <a:p>
             <a:fld id="{653F7DB2-B3B3-4420-9BDA-51761B5F6382}" type="datetimeFigureOut">
               <a:rPr lang="hu-HU" smtClean="0"/>
-              <a:t>2025. 09. 15.</a:t>
+              <a:t>2025. 09. 16.</a:t>
             </a:fld>
             <a:endParaRPr lang="hu-HU"/>
           </a:p>
@@ -2688,7 +2691,7 @@
           <a:p>
             <a:fld id="{653F7DB2-B3B3-4420-9BDA-51761B5F6382}" type="datetimeFigureOut">
               <a:rPr lang="hu-HU" smtClean="0"/>
-              <a:t>2025. 09. 15.</a:t>
+              <a:t>2025. 09. 16.</a:t>
             </a:fld>
             <a:endParaRPr lang="hu-HU"/>
           </a:p>
@@ -2929,7 +2932,7 @@
           <a:p>
             <a:fld id="{653F7DB2-B3B3-4420-9BDA-51761B5F6382}" type="datetimeFigureOut">
               <a:rPr lang="hu-HU" smtClean="0"/>
-              <a:t>2025. 09. 15.</a:t>
+              <a:t>2025. 09. 16.</a:t>
             </a:fld>
             <a:endParaRPr lang="hu-HU"/>
           </a:p>
@@ -3616,6 +3619,876 @@
       </p:grpSpPr>
       <p:sp>
         <p:nvSpPr>
+          <p:cNvPr id="4" name="Szövegdoboz 3">
+            <a:extLst>
+              <a:ext uri="{FF2B5EF4-FFF2-40B4-BE49-F238E27FC236}">
+                <a16:creationId xmlns:a16="http://schemas.microsoft.com/office/drawing/2014/main" id="{3A94EA3D-413E-B8B4-2CD3-55B984350850}"/>
+              </a:ext>
+            </a:extLst>
+          </p:cNvPr>
+          <p:cNvSpPr txBox="1"/>
+          <p:nvPr/>
+        </p:nvSpPr>
+        <p:spPr>
+          <a:xfrm>
+            <a:off x="324051" y="258901"/>
+            <a:ext cx="11543898" cy="6617196"/>
+          </a:xfrm>
+          <a:prstGeom prst="rect">
+            <a:avLst/>
+          </a:prstGeom>
+          <a:noFill/>
+        </p:spPr>
+        <p:txBody>
+          <a:bodyPr wrap="square" rtlCol="0">
+            <a:spAutoFit/>
+          </a:bodyPr>
+          <a:lstStyle/>
+          <a:p>
+            <a:r>
+              <a:rPr lang="hu-HU" sz="2800" b="1" dirty="0"/>
+              <a:t>Fordított vizsgálat</a:t>
+            </a:r>
+          </a:p>
+          <a:p>
+            <a:endParaRPr lang="hu-HU" b="1" dirty="0"/>
+          </a:p>
+          <a:p>
+            <a:r>
+              <a:rPr lang="hu-HU" b="1" dirty="0"/>
+              <a:t>Korábban: </a:t>
+            </a:r>
+            <a:r>
+              <a:rPr lang="hu-HU" dirty="0"/>
+              <a:t>A Modell készítéshez (Tanító és Validációs adatok) verseket: </a:t>
+            </a:r>
+            <a:r>
+              <a:rPr lang="hu-HU" b="1" dirty="0"/>
+              <a:t>vers_adatok.xlsx </a:t>
+            </a:r>
+            <a:r>
+              <a:rPr lang="hu-HU" dirty="0"/>
+              <a:t>fájlba lett mentve.</a:t>
+            </a:r>
+          </a:p>
+          <a:p>
+            <a:r>
+              <a:rPr lang="hu-HU" dirty="0"/>
+              <a:t>Ellenőrzéshez (Teszt) a </a:t>
+            </a:r>
+            <a:r>
+              <a:rPr lang="hu-HU" b="1" dirty="0"/>
+              <a:t>ellenorzo_vers_adatok.xlsx </a:t>
+            </a:r>
+            <a:r>
+              <a:rPr lang="hu-HU" dirty="0"/>
+              <a:t>fájlt használtam.</a:t>
+            </a:r>
+          </a:p>
+          <a:p>
+            <a:endParaRPr lang="hu-HU" dirty="0"/>
+          </a:p>
+          <a:p>
+            <a:r>
+              <a:rPr lang="hu-HU" dirty="0"/>
+              <a:t>Pontosság: 77.14%</a:t>
+            </a:r>
+          </a:p>
+          <a:p>
+            <a:r>
+              <a:rPr lang="hu-HU" dirty="0"/>
+              <a:t>AUC: 0.8431</a:t>
+            </a:r>
+          </a:p>
+          <a:p>
+            <a:r>
+              <a:rPr lang="hu-HU" dirty="0" err="1"/>
+              <a:t>Precision</a:t>
+            </a:r>
+            <a:r>
+              <a:rPr lang="hu-HU" dirty="0"/>
+              <a:t>: 0.8000</a:t>
+            </a:r>
+          </a:p>
+          <a:p>
+            <a:r>
+              <a:rPr lang="hu-HU" dirty="0" err="1"/>
+              <a:t>Recall</a:t>
+            </a:r>
+            <a:r>
+              <a:rPr lang="hu-HU" dirty="0"/>
+              <a:t>: 0.7059</a:t>
+            </a:r>
+          </a:p>
+          <a:p>
+            <a:r>
+              <a:rPr lang="hu-HU" dirty="0"/>
+              <a:t>F1: 0.7500</a:t>
+            </a:r>
+          </a:p>
+          <a:p>
+            <a:r>
+              <a:rPr lang="hu-HU" dirty="0"/>
+              <a:t>sz. Pontosság: </a:t>
+            </a:r>
+            <a:r>
+              <a:rPr lang="hu-HU" dirty="0">
+                <a:solidFill>
+                  <a:srgbClr val="FF0000"/>
+                </a:solidFill>
+              </a:rPr>
+              <a:t>77.63%</a:t>
+            </a:r>
+          </a:p>
+          <a:p>
+            <a:endParaRPr lang="hu-HU" dirty="0"/>
+          </a:p>
+          <a:p>
+            <a:r>
+              <a:rPr lang="hu-HU" b="1" dirty="0"/>
+              <a:t>Most: </a:t>
+            </a:r>
+            <a:r>
+              <a:rPr lang="hu-HU" dirty="0"/>
+              <a:t>A Modell készítéshez (Tanító és Validációs adatok) verseket: </a:t>
+            </a:r>
+            <a:r>
+              <a:rPr lang="hu-HU" b="1" dirty="0"/>
+              <a:t>ellenorzo_vers_adatok.xlsx </a:t>
+            </a:r>
+            <a:r>
+              <a:rPr lang="hu-HU" dirty="0"/>
+              <a:t>fájlba lett mentve.</a:t>
+            </a:r>
+          </a:p>
+          <a:p>
+            <a:r>
+              <a:rPr lang="hu-HU" dirty="0"/>
+              <a:t>Ellenőrzéshez (Teszt) a </a:t>
+            </a:r>
+            <a:r>
+              <a:rPr lang="hu-HU" b="1" dirty="0"/>
+              <a:t>vers_adatok.xlsx  </a:t>
+            </a:r>
+            <a:r>
+              <a:rPr lang="hu-HU" dirty="0"/>
+              <a:t>fájlt használtam.</a:t>
+            </a:r>
+          </a:p>
+          <a:p>
+            <a:r>
+              <a:rPr lang="hu-HU" dirty="0">
+                <a:solidFill>
+                  <a:srgbClr val="FF0000"/>
+                </a:solidFill>
+              </a:rPr>
+              <a:t>Az ellenorzo_vers_adatok.xlsx -t nem néztem át. Nem adattisztítás.</a:t>
+            </a:r>
+          </a:p>
+          <a:p>
+            <a:endParaRPr lang="hu-HU" dirty="0"/>
+          </a:p>
+          <a:p>
+            <a:r>
+              <a:rPr lang="hu-HU" dirty="0"/>
+              <a:t>Pontosság: 76.19%</a:t>
+            </a:r>
+          </a:p>
+          <a:p>
+            <a:r>
+              <a:rPr lang="hu-HU" dirty="0"/>
+              <a:t>AUC: 0.8980</a:t>
+            </a:r>
+          </a:p>
+          <a:p>
+            <a:r>
+              <a:rPr lang="hu-HU" dirty="0" err="1"/>
+              <a:t>Precision</a:t>
+            </a:r>
+            <a:r>
+              <a:rPr lang="hu-HU" dirty="0"/>
+              <a:t>: 0.8235</a:t>
+            </a:r>
+          </a:p>
+          <a:p>
+            <a:r>
+              <a:rPr lang="hu-HU" dirty="0" err="1"/>
+              <a:t>Recall</a:t>
+            </a:r>
+            <a:r>
+              <a:rPr lang="hu-HU" dirty="0"/>
+              <a:t>: 0.6667</a:t>
+            </a:r>
+          </a:p>
+          <a:p>
+            <a:r>
+              <a:rPr lang="hu-HU" dirty="0"/>
+              <a:t>F1: 0.7368</a:t>
+            </a:r>
+          </a:p>
+          <a:p>
+            <a:r>
+              <a:rPr lang="hu-HU" dirty="0"/>
+              <a:t>sz. Pontosság: </a:t>
+            </a:r>
+            <a:r>
+              <a:rPr lang="hu-HU" dirty="0">
+                <a:solidFill>
+                  <a:srgbClr val="FF0000"/>
+                </a:solidFill>
+              </a:rPr>
+              <a:t>73.33%</a:t>
+            </a:r>
+          </a:p>
+          <a:p>
+            <a:endParaRPr lang="hu-HU" dirty="0"/>
+          </a:p>
+        </p:txBody>
+      </p:sp>
+    </p:spTree>
+    <p:extLst>
+      <p:ext uri="{BB962C8B-B14F-4D97-AF65-F5344CB8AC3E}">
+        <p14:creationId xmlns:p14="http://schemas.microsoft.com/office/powerpoint/2010/main" val="1720403126"/>
+      </p:ext>
+    </p:extLst>
+  </p:cSld>
+  <p:clrMapOvr>
+    <a:masterClrMapping/>
+  </p:clrMapOvr>
+</p:sld>
+</file>
+
+<file path=ppt/slides/slide11.xml><?xml version="1.0" encoding="utf-8"?>
+<p:sld xmlns:a="http://schemas.openxmlformats.org/drawingml/2006/main" xmlns:r="http://schemas.openxmlformats.org/officeDocument/2006/relationships" xmlns:p="http://schemas.openxmlformats.org/presentationml/2006/main">
+  <p:cSld>
+    <p:spTree>
+      <p:nvGrpSpPr>
+        <p:cNvPr id="1" name=""/>
+        <p:cNvGrpSpPr/>
+        <p:nvPr/>
+      </p:nvGrpSpPr>
+      <p:grpSpPr>
+        <a:xfrm>
+          <a:off x="0" y="0"/>
+          <a:ext cx="0" cy="0"/>
+          <a:chOff x="0" y="0"/>
+          <a:chExt cx="0" cy="0"/>
+        </a:xfrm>
+      </p:grpSpPr>
+      <p:sp>
+        <p:nvSpPr>
+          <p:cNvPr id="4" name="Szövegdoboz 3">
+            <a:extLst>
+              <a:ext uri="{FF2B5EF4-FFF2-40B4-BE49-F238E27FC236}">
+                <a16:creationId xmlns:a16="http://schemas.microsoft.com/office/drawing/2014/main" id="{257A02D9-82E4-FF40-ADEC-78EB4BEAC68E}"/>
+              </a:ext>
+            </a:extLst>
+          </p:cNvPr>
+          <p:cNvSpPr txBox="1"/>
+          <p:nvPr/>
+        </p:nvSpPr>
+        <p:spPr>
+          <a:xfrm>
+            <a:off x="324051" y="258901"/>
+            <a:ext cx="11543898" cy="4124206"/>
+          </a:xfrm>
+          <a:prstGeom prst="rect">
+            <a:avLst/>
+          </a:prstGeom>
+          <a:noFill/>
+        </p:spPr>
+        <p:txBody>
+          <a:bodyPr wrap="square" rtlCol="0">
+            <a:spAutoFit/>
+          </a:bodyPr>
+          <a:lstStyle/>
+          <a:p>
+            <a:r>
+              <a:rPr lang="hu-HU" sz="2800" b="1" dirty="0"/>
+              <a:t>Saját verseken teszt</a:t>
+            </a:r>
+          </a:p>
+          <a:p>
+            <a:endParaRPr lang="hu-HU" b="1" dirty="0"/>
+          </a:p>
+          <a:p>
+            <a:r>
+              <a:rPr lang="hu-HU" dirty="0"/>
+              <a:t>Vers: </a:t>
+            </a:r>
+            <a:r>
+              <a:rPr lang="hu-HU" dirty="0" err="1"/>
+              <a:t>Makesz</a:t>
+            </a:r>
+            <a:r>
+              <a:rPr lang="hu-HU" dirty="0"/>
+              <a:t> ma kezd. Kezében keksz. Mit </a:t>
+            </a:r>
+            <a:r>
+              <a:rPr lang="hu-HU" dirty="0" err="1"/>
+              <a:t>kapot</a:t>
+            </a:r>
+            <a:r>
+              <a:rPr lang="hu-HU" dirty="0"/>
+              <a:t>... </a:t>
+            </a:r>
+            <a:r>
+              <a:rPr lang="hu-HU" dirty="0" err="1"/>
+              <a:t>Predikció</a:t>
+            </a:r>
+            <a:r>
+              <a:rPr lang="hu-HU" dirty="0"/>
+              <a:t>: </a:t>
+            </a:r>
+            <a:r>
+              <a:rPr lang="hu-HU" dirty="0" err="1"/>
+              <a:t>poz</a:t>
+            </a:r>
+            <a:r>
+              <a:rPr lang="hu-HU" dirty="0"/>
+              <a:t> (pozitív) | Valódi: </a:t>
+            </a:r>
+            <a:r>
+              <a:rPr lang="hu-HU" dirty="0" err="1"/>
+              <a:t>poz</a:t>
+            </a:r>
+            <a:r>
+              <a:rPr lang="hu-HU" dirty="0"/>
+              <a:t> (pozitív)</a:t>
+            </a:r>
+          </a:p>
+          <a:p>
+            <a:r>
+              <a:rPr lang="hu-HU" dirty="0"/>
+              <a:t>Vers: Tudsz, strucc, a szobában ülni? Tudsz, s... </a:t>
+            </a:r>
+            <a:r>
+              <a:rPr lang="hu-HU" dirty="0" err="1"/>
+              <a:t>Predikció</a:t>
+            </a:r>
+            <a:r>
+              <a:rPr lang="hu-HU" dirty="0"/>
+              <a:t>: </a:t>
+            </a:r>
+            <a:r>
+              <a:rPr lang="hu-HU" dirty="0" err="1"/>
+              <a:t>poz</a:t>
+            </a:r>
+            <a:r>
+              <a:rPr lang="hu-HU" dirty="0"/>
+              <a:t> (pozitív) | Valódi: </a:t>
+            </a:r>
+            <a:r>
+              <a:rPr lang="hu-HU" dirty="0" err="1"/>
+              <a:t>poz</a:t>
+            </a:r>
+            <a:r>
+              <a:rPr lang="hu-HU" dirty="0"/>
+              <a:t> (pozitív)</a:t>
+            </a:r>
+            <a:endParaRPr lang="hu-HU" b="1" dirty="0"/>
+          </a:p>
+          <a:p>
+            <a:r>
+              <a:rPr lang="hu-HU" dirty="0"/>
+              <a:t>Vers: Szeretem, ha süt rám a Nap. A tóból </a:t>
+            </a:r>
+            <a:r>
+              <a:rPr lang="hu-HU" dirty="0" err="1"/>
+              <a:t>kifo</a:t>
+            </a:r>
+            <a:r>
+              <a:rPr lang="hu-HU" dirty="0"/>
+              <a:t>... </a:t>
+            </a:r>
+            <a:r>
+              <a:rPr lang="hu-HU" dirty="0" err="1"/>
+              <a:t>Predikció</a:t>
+            </a:r>
+            <a:r>
+              <a:rPr lang="hu-HU" dirty="0"/>
+              <a:t>: </a:t>
+            </a:r>
+            <a:r>
+              <a:rPr lang="hu-HU" dirty="0" err="1"/>
+              <a:t>poz</a:t>
+            </a:r>
+            <a:r>
+              <a:rPr lang="hu-HU" dirty="0"/>
+              <a:t> (pozitív) | Valódi: </a:t>
+            </a:r>
+            <a:r>
+              <a:rPr lang="hu-HU" dirty="0" err="1"/>
+              <a:t>poz</a:t>
+            </a:r>
+            <a:r>
+              <a:rPr lang="hu-HU" dirty="0"/>
+              <a:t> (pozitív)</a:t>
+            </a:r>
+            <a:endParaRPr lang="hu-HU" b="1" dirty="0"/>
+          </a:p>
+          <a:p>
+            <a:r>
+              <a:rPr lang="hu-HU" dirty="0"/>
+              <a:t>Vers: Kiflit enni volna jó! De nem volt nálam ... </a:t>
+            </a:r>
+            <a:r>
+              <a:rPr lang="hu-HU" dirty="0" err="1"/>
+              <a:t>Predikció</a:t>
+            </a:r>
+            <a:r>
+              <a:rPr lang="hu-HU" dirty="0"/>
+              <a:t>: </a:t>
+            </a:r>
+            <a:r>
+              <a:rPr lang="hu-HU" dirty="0" err="1"/>
+              <a:t>poz</a:t>
+            </a:r>
+            <a:r>
+              <a:rPr lang="hu-HU" dirty="0"/>
+              <a:t> (pozitív) | Valódi: </a:t>
+            </a:r>
+            <a:r>
+              <a:rPr lang="hu-HU" dirty="0" err="1"/>
+              <a:t>poz</a:t>
+            </a:r>
+            <a:r>
+              <a:rPr lang="hu-HU" dirty="0"/>
+              <a:t> (pozitív)</a:t>
+            </a:r>
+          </a:p>
+          <a:p>
+            <a:r>
+              <a:rPr lang="hu-HU" dirty="0"/>
+              <a:t>Vers: az ég nagyon kék a fű zöld és teli van p... </a:t>
+            </a:r>
+            <a:r>
+              <a:rPr lang="hu-HU" dirty="0" err="1"/>
+              <a:t>Predikció</a:t>
+            </a:r>
+            <a:r>
+              <a:rPr lang="hu-HU" dirty="0"/>
+              <a:t>: </a:t>
+            </a:r>
+            <a:r>
+              <a:rPr lang="hu-HU" dirty="0" err="1"/>
+              <a:t>poz</a:t>
+            </a:r>
+            <a:r>
+              <a:rPr lang="hu-HU" dirty="0"/>
+              <a:t> (pozitív) | Valódi: </a:t>
+            </a:r>
+            <a:r>
+              <a:rPr lang="hu-HU" dirty="0" err="1"/>
+              <a:t>poz</a:t>
+            </a:r>
+            <a:r>
+              <a:rPr lang="hu-HU" dirty="0"/>
+              <a:t> (pozitív)</a:t>
+            </a:r>
+          </a:p>
+          <a:p>
+            <a:r>
+              <a:rPr lang="hu-HU" dirty="0">
+                <a:solidFill>
+                  <a:schemeClr val="tx2">
+                    <a:lumMod val="50000"/>
+                    <a:lumOff val="50000"/>
+                  </a:schemeClr>
+                </a:solidFill>
+              </a:rPr>
+              <a:t>Vers: Nem tudok focizni. Nem vesz be a csapat.... </a:t>
+            </a:r>
+            <a:r>
+              <a:rPr lang="hu-HU" dirty="0" err="1">
+                <a:solidFill>
+                  <a:schemeClr val="tx2">
+                    <a:lumMod val="50000"/>
+                    <a:lumOff val="50000"/>
+                  </a:schemeClr>
+                </a:solidFill>
+              </a:rPr>
+              <a:t>Predikció</a:t>
+            </a:r>
+            <a:r>
+              <a:rPr lang="hu-HU" dirty="0">
+                <a:solidFill>
+                  <a:schemeClr val="tx2">
+                    <a:lumMod val="50000"/>
+                    <a:lumOff val="50000"/>
+                  </a:schemeClr>
+                </a:solidFill>
+              </a:rPr>
+              <a:t>: </a:t>
+            </a:r>
+            <a:r>
+              <a:rPr lang="hu-HU" dirty="0" err="1">
+                <a:solidFill>
+                  <a:schemeClr val="tx2">
+                    <a:lumMod val="50000"/>
+                    <a:lumOff val="50000"/>
+                  </a:schemeClr>
+                </a:solidFill>
+              </a:rPr>
+              <a:t>poz</a:t>
+            </a:r>
+            <a:r>
+              <a:rPr lang="hu-HU" dirty="0">
+                <a:solidFill>
+                  <a:schemeClr val="tx2">
+                    <a:lumMod val="50000"/>
+                    <a:lumOff val="50000"/>
+                  </a:schemeClr>
+                </a:solidFill>
+              </a:rPr>
+              <a:t> (pozitív) | Valódi: </a:t>
+            </a:r>
+            <a:r>
+              <a:rPr lang="hu-HU" dirty="0" err="1">
+                <a:solidFill>
+                  <a:schemeClr val="tx2">
+                    <a:lumMod val="50000"/>
+                    <a:lumOff val="50000"/>
+                  </a:schemeClr>
+                </a:solidFill>
+              </a:rPr>
+              <a:t>neg</a:t>
+            </a:r>
+            <a:r>
+              <a:rPr lang="hu-HU" dirty="0">
+                <a:solidFill>
+                  <a:schemeClr val="tx2">
+                    <a:lumMod val="50000"/>
+                    <a:lumOff val="50000"/>
+                  </a:schemeClr>
+                </a:solidFill>
+              </a:rPr>
+              <a:t> (negatív)</a:t>
+            </a:r>
+          </a:p>
+          <a:p>
+            <a:r>
+              <a:rPr lang="hu-HU" dirty="0">
+                <a:solidFill>
+                  <a:schemeClr val="tx2">
+                    <a:lumMod val="50000"/>
+                    <a:lumOff val="50000"/>
+                  </a:schemeClr>
+                </a:solidFill>
+              </a:rPr>
+              <a:t>Vers: Esik az eső a prolira. Megy a gyerek ovi... </a:t>
+            </a:r>
+            <a:r>
+              <a:rPr lang="hu-HU" dirty="0" err="1">
+                <a:solidFill>
+                  <a:schemeClr val="tx2">
+                    <a:lumMod val="50000"/>
+                    <a:lumOff val="50000"/>
+                  </a:schemeClr>
+                </a:solidFill>
+              </a:rPr>
+              <a:t>Predikció</a:t>
+            </a:r>
+            <a:r>
+              <a:rPr lang="hu-HU" dirty="0">
+                <a:solidFill>
+                  <a:schemeClr val="tx2">
+                    <a:lumMod val="50000"/>
+                    <a:lumOff val="50000"/>
+                  </a:schemeClr>
+                </a:solidFill>
+              </a:rPr>
+              <a:t>: </a:t>
+            </a:r>
+            <a:r>
+              <a:rPr lang="hu-HU" dirty="0" err="1">
+                <a:solidFill>
+                  <a:schemeClr val="tx2">
+                    <a:lumMod val="50000"/>
+                    <a:lumOff val="50000"/>
+                  </a:schemeClr>
+                </a:solidFill>
+              </a:rPr>
+              <a:t>poz</a:t>
+            </a:r>
+            <a:r>
+              <a:rPr lang="hu-HU" dirty="0">
+                <a:solidFill>
+                  <a:schemeClr val="tx2">
+                    <a:lumMod val="50000"/>
+                    <a:lumOff val="50000"/>
+                  </a:schemeClr>
+                </a:solidFill>
+              </a:rPr>
+              <a:t> (pozitív) | Valódi: </a:t>
+            </a:r>
+            <a:r>
+              <a:rPr lang="hu-HU" dirty="0" err="1">
+                <a:solidFill>
+                  <a:schemeClr val="tx2">
+                    <a:lumMod val="50000"/>
+                    <a:lumOff val="50000"/>
+                  </a:schemeClr>
+                </a:solidFill>
+              </a:rPr>
+              <a:t>neg</a:t>
+            </a:r>
+            <a:r>
+              <a:rPr lang="hu-HU" dirty="0">
+                <a:solidFill>
+                  <a:schemeClr val="tx2">
+                    <a:lumMod val="50000"/>
+                    <a:lumOff val="50000"/>
+                  </a:schemeClr>
+                </a:solidFill>
+              </a:rPr>
+              <a:t> (negatív)</a:t>
+            </a:r>
+          </a:p>
+          <a:p>
+            <a:r>
+              <a:rPr lang="hu-HU" dirty="0">
+                <a:solidFill>
+                  <a:schemeClr val="tx2">
+                    <a:lumMod val="50000"/>
+                    <a:lumOff val="50000"/>
+                  </a:schemeClr>
+                </a:solidFill>
+              </a:rPr>
+              <a:t>Vers: Útra keltem megkeresni az Arany-hegyet. ... </a:t>
+            </a:r>
+            <a:r>
+              <a:rPr lang="hu-HU" dirty="0" err="1">
+                <a:solidFill>
+                  <a:schemeClr val="tx2">
+                    <a:lumMod val="50000"/>
+                    <a:lumOff val="50000"/>
+                  </a:schemeClr>
+                </a:solidFill>
+              </a:rPr>
+              <a:t>Predikció</a:t>
+            </a:r>
+            <a:r>
+              <a:rPr lang="hu-HU" dirty="0">
+                <a:solidFill>
+                  <a:schemeClr val="tx2">
+                    <a:lumMod val="50000"/>
+                    <a:lumOff val="50000"/>
+                  </a:schemeClr>
+                </a:solidFill>
+              </a:rPr>
+              <a:t>: </a:t>
+            </a:r>
+            <a:r>
+              <a:rPr lang="hu-HU" dirty="0" err="1">
+                <a:solidFill>
+                  <a:schemeClr val="tx2">
+                    <a:lumMod val="50000"/>
+                    <a:lumOff val="50000"/>
+                  </a:schemeClr>
+                </a:solidFill>
+              </a:rPr>
+              <a:t>poz</a:t>
+            </a:r>
+            <a:r>
+              <a:rPr lang="hu-HU" dirty="0">
+                <a:solidFill>
+                  <a:schemeClr val="tx2">
+                    <a:lumMod val="50000"/>
+                    <a:lumOff val="50000"/>
+                  </a:schemeClr>
+                </a:solidFill>
+              </a:rPr>
+              <a:t> (pozitív) | Valódi: </a:t>
+            </a:r>
+            <a:r>
+              <a:rPr lang="hu-HU" dirty="0" err="1">
+                <a:solidFill>
+                  <a:schemeClr val="tx2">
+                    <a:lumMod val="50000"/>
+                    <a:lumOff val="50000"/>
+                  </a:schemeClr>
+                </a:solidFill>
+              </a:rPr>
+              <a:t>neg</a:t>
+            </a:r>
+            <a:r>
+              <a:rPr lang="hu-HU" dirty="0">
+                <a:solidFill>
+                  <a:schemeClr val="tx2">
+                    <a:lumMod val="50000"/>
+                    <a:lumOff val="50000"/>
+                  </a:schemeClr>
+                </a:solidFill>
+              </a:rPr>
+              <a:t> (negatív)</a:t>
+            </a:r>
+          </a:p>
+          <a:p>
+            <a:endParaRPr lang="hu-HU" dirty="0">
+              <a:solidFill>
+                <a:schemeClr val="tx2">
+                  <a:lumMod val="50000"/>
+                  <a:lumOff val="50000"/>
+                </a:schemeClr>
+              </a:solidFill>
+            </a:endParaRPr>
+          </a:p>
+          <a:p>
+            <a:r>
+              <a:rPr lang="hu-HU" dirty="0"/>
+              <a:t>A vicces, vidám hangulatúakat jól </a:t>
+            </a:r>
+            <a:r>
+              <a:rPr lang="hu-HU" dirty="0" err="1"/>
+              <a:t>prediktálta</a:t>
+            </a:r>
+            <a:r>
+              <a:rPr lang="hu-HU" dirty="0"/>
+              <a:t>.</a:t>
+            </a:r>
+          </a:p>
+          <a:p>
+            <a:endParaRPr lang="hu-HU" dirty="0"/>
+          </a:p>
+          <a:p>
+            <a:r>
+              <a:rPr lang="hu-HU" dirty="0"/>
+              <a:t>Az elégikus, mélabús hangulatúakat is inkább a pozitív kategóriába sorolta.</a:t>
+            </a:r>
+          </a:p>
+        </p:txBody>
+      </p:sp>
+    </p:spTree>
+    <p:extLst>
+      <p:ext uri="{BB962C8B-B14F-4D97-AF65-F5344CB8AC3E}">
+        <p14:creationId xmlns:p14="http://schemas.microsoft.com/office/powerpoint/2010/main" val="1588405601"/>
+      </p:ext>
+    </p:extLst>
+  </p:cSld>
+  <p:clrMapOvr>
+    <a:masterClrMapping/>
+  </p:clrMapOvr>
+</p:sld>
+</file>
+
+<file path=ppt/slides/slide12.xml><?xml version="1.0" encoding="utf-8"?>
+<p:sld xmlns:a="http://schemas.openxmlformats.org/drawingml/2006/main" xmlns:r="http://schemas.openxmlformats.org/officeDocument/2006/relationships" xmlns:p="http://schemas.openxmlformats.org/presentationml/2006/main">
+  <p:cSld>
+    <p:spTree>
+      <p:nvGrpSpPr>
+        <p:cNvPr id="1" name=""/>
+        <p:cNvGrpSpPr/>
+        <p:nvPr/>
+      </p:nvGrpSpPr>
+      <p:grpSpPr>
+        <a:xfrm>
+          <a:off x="0" y="0"/>
+          <a:ext cx="0" cy="0"/>
+          <a:chOff x="0" y="0"/>
+          <a:chExt cx="0" cy="0"/>
+        </a:xfrm>
+      </p:grpSpPr>
+      <p:sp>
+        <p:nvSpPr>
+          <p:cNvPr id="4" name="Szövegdoboz 3">
+            <a:extLst>
+              <a:ext uri="{FF2B5EF4-FFF2-40B4-BE49-F238E27FC236}">
+                <a16:creationId xmlns:a16="http://schemas.microsoft.com/office/drawing/2014/main" id="{CE2641A4-3492-C6F3-95F0-4693693D4121}"/>
+              </a:ext>
+            </a:extLst>
+          </p:cNvPr>
+          <p:cNvSpPr txBox="1"/>
+          <p:nvPr/>
+        </p:nvSpPr>
+        <p:spPr>
+          <a:xfrm>
+            <a:off x="268448" y="343949"/>
+            <a:ext cx="9225282" cy="2031325"/>
+          </a:xfrm>
+          <a:prstGeom prst="rect">
+            <a:avLst/>
+          </a:prstGeom>
+          <a:noFill/>
+        </p:spPr>
+        <p:txBody>
+          <a:bodyPr wrap="none" rtlCol="0">
+            <a:spAutoFit/>
+          </a:bodyPr>
+          <a:lstStyle/>
+          <a:p>
+            <a:r>
+              <a:rPr lang="hu-HU" sz="3600" b="1" dirty="0"/>
+              <a:t>További ötletek:</a:t>
+            </a:r>
+          </a:p>
+          <a:p>
+            <a:endParaRPr lang="hu-HU" b="1" dirty="0"/>
+          </a:p>
+          <a:p>
+            <a:r>
+              <a:rPr lang="hu-HU" dirty="0"/>
+              <a:t>A magyar nyelv nehéz, árnyalt kifejezésekre képes nyelv.  </a:t>
+            </a:r>
+            <a:br>
+              <a:rPr lang="hu-HU" dirty="0"/>
+            </a:br>
+            <a:r>
+              <a:rPr lang="hu-HU" dirty="0"/>
+              <a:t>További tapasztalatszerzés más területeken.</a:t>
+            </a:r>
+          </a:p>
+          <a:p>
+            <a:r>
+              <a:rPr lang="hu-HU" dirty="0" err="1"/>
+              <a:t>Pl</a:t>
+            </a:r>
+            <a:r>
+              <a:rPr lang="hu-HU" dirty="0"/>
+              <a:t>: Cikkek kategorizálása, Kommentek elemzése, Bulling, Indirekt sértő kifejezések szűrése, </a:t>
+            </a:r>
+            <a:br>
+              <a:rPr lang="hu-HU" dirty="0"/>
+            </a:br>
+            <a:r>
+              <a:rPr lang="hu-HU" dirty="0"/>
+              <a:t>Fenyegető üzenetek szűrése …</a:t>
+            </a:r>
+          </a:p>
+        </p:txBody>
+      </p:sp>
+    </p:spTree>
+    <p:extLst>
+      <p:ext uri="{BB962C8B-B14F-4D97-AF65-F5344CB8AC3E}">
+        <p14:creationId xmlns:p14="http://schemas.microsoft.com/office/powerpoint/2010/main" val="750261325"/>
+      </p:ext>
+    </p:extLst>
+  </p:cSld>
+  <p:clrMapOvr>
+    <a:masterClrMapping/>
+  </p:clrMapOvr>
+</p:sld>
+</file>
+
+<file path=ppt/slides/slide13.xml><?xml version="1.0" encoding="utf-8"?>
+<p:sld xmlns:a="http://schemas.openxmlformats.org/drawingml/2006/main" xmlns:r="http://schemas.openxmlformats.org/officeDocument/2006/relationships" xmlns:p="http://schemas.openxmlformats.org/presentationml/2006/main">
+  <p:cSld>
+    <p:spTree>
+      <p:nvGrpSpPr>
+        <p:cNvPr id="1" name=""/>
+        <p:cNvGrpSpPr/>
+        <p:nvPr/>
+      </p:nvGrpSpPr>
+      <p:grpSpPr>
+        <a:xfrm>
+          <a:off x="0" y="0"/>
+          <a:ext cx="0" cy="0"/>
+          <a:chOff x="0" y="0"/>
+          <a:chExt cx="0" cy="0"/>
+        </a:xfrm>
+      </p:grpSpPr>
+      <p:sp>
+        <p:nvSpPr>
           <p:cNvPr id="2" name="Cím 1">
             <a:extLst>
               <a:ext uri="{FF2B5EF4-FFF2-40B4-BE49-F238E27FC236}">
@@ -3811,7 +4684,7 @@
           <a:p>
             <a:r>
               <a:rPr lang="hu-HU" sz="2400" b="1" dirty="0"/>
-              <a:t>Az AI  program el tudja dönteni, hogy egy vers Pozitív vagy Negatív hangulatú, kategóriájú?</a:t>
+              <a:t>Az AI -program el tudja-e dönteni, hogy egy vers Pozitív vagy Negatív hangulatú, kategóriájú?</a:t>
             </a:r>
           </a:p>
           <a:p>
@@ -3937,7 +4810,7 @@
         <p:spPr>
           <a:xfrm>
             <a:off x="327804" y="224286"/>
-            <a:ext cx="11434669" cy="5909310"/>
+            <a:ext cx="11434669" cy="7017306"/>
           </a:xfrm>
           <a:prstGeom prst="rect">
             <a:avLst/>
@@ -3974,6 +4847,8 @@
               <a:rPr lang="hu-HU" dirty="0"/>
               <a:t>/) a </a:t>
             </a:r>
+          </a:p>
+          <a:p>
             <a:br>
               <a:rPr lang="hu-HU" dirty="0"/>
             </a:br>
@@ -3987,6 +4862,9 @@
             </a:r>
           </a:p>
           <a:p>
+            <a:endParaRPr lang="hu-HU" b="1" dirty="0"/>
+          </a:p>
+          <a:p>
             <a:r>
               <a:rPr lang="hu-HU" dirty="0"/>
               <a:t>Negatív versek: </a:t>
@@ -3998,6 +4876,15 @@
             <a:r>
               <a:rPr lang="hu-HU" dirty="0"/>
               <a:t>kategóriában találhatók.</a:t>
+            </a:r>
+          </a:p>
+          <a:p>
+            <a:endParaRPr lang="hu-HU" dirty="0"/>
+          </a:p>
+          <a:p>
+            <a:r>
+              <a:rPr lang="hu-HU" dirty="0"/>
+              <a:t>(Éles szétválasztás, az elégikus, melankolikus hangulatúakat, kategóriába tartozókat nem vettem bele.)</a:t>
             </a:r>
           </a:p>
           <a:p>
@@ -4332,7 +5219,15 @@
             </a:br>
             <a:r>
               <a:rPr lang="hu-HU" dirty="0"/>
-              <a:t>míg BERT egyszerre veszi figyelembe a szavak bal és jobb kontextusát.</a:t>
+              <a:t>míg BERT </a:t>
+            </a:r>
+            <a:r>
+              <a:rPr lang="hu-HU" b="1" dirty="0"/>
+              <a:t>egyszerre veszi figyelembe a szavak bal és jobb kontextusát</a:t>
+            </a:r>
+            <a:r>
+              <a:rPr lang="hu-HU" dirty="0"/>
+              <a:t>.</a:t>
             </a:r>
           </a:p>
           <a:p>
@@ -4549,7 +5444,7 @@
             </a:r>
             <a:r>
               <a:rPr lang="hu-HU" dirty="0"/>
-              <a:t> (Kísérleteztem: 5,10, 7 beállításokkal)</a:t>
+              <a:t> (Kísérleteztem: 5,6,7,8,9 beállításokkal)</a:t>
             </a:r>
           </a:p>
           <a:p>
@@ -5163,10 +6058,10 @@
       </p:grpSpPr>
       <p:sp>
         <p:nvSpPr>
-          <p:cNvPr id="4" name="Szövegdoboz 3">
-            <a:extLst>
-              <a:ext uri="{FF2B5EF4-FFF2-40B4-BE49-F238E27FC236}">
-                <a16:creationId xmlns:a16="http://schemas.microsoft.com/office/drawing/2014/main" id="{E318142A-CE78-0B58-6C72-7F34C36EC9C8}"/>
+          <p:cNvPr id="8" name="Szövegdoboz 7">
+            <a:extLst>
+              <a:ext uri="{FF2B5EF4-FFF2-40B4-BE49-F238E27FC236}">
+                <a16:creationId xmlns:a16="http://schemas.microsoft.com/office/drawing/2014/main" id="{215457E2-EC25-AA11-D409-EEEF1B88DF10}"/>
               </a:ext>
             </a:extLst>
           </p:cNvPr>
@@ -5176,7 +6071,7 @@
         <p:spPr>
           <a:xfrm>
             <a:off x="227799" y="206943"/>
-            <a:ext cx="11543898" cy="6186309"/>
+            <a:ext cx="11543898" cy="5632311"/>
           </a:xfrm>
           <a:prstGeom prst="rect">
             <a:avLst/>
@@ -5190,229 +6085,186 @@
           <a:lstStyle/>
           <a:p>
             <a:r>
-              <a:rPr lang="hu-HU" b="1" dirty="0"/>
-              <a:t>Plusz Ellenőrzés, hogyan teljesít a modell</a:t>
-            </a:r>
-          </a:p>
-          <a:p>
-            <a:r>
-              <a:rPr lang="hu-HU" dirty="0"/>
-              <a:t>Az ellenorzo_vers_adatok.csv segítségével, 221 db verssel folyt a tesztelés</a:t>
-            </a:r>
-          </a:p>
-          <a:p>
-            <a:r>
-              <a:rPr lang="hu-HU" dirty="0"/>
-              <a:t>Biztonsági ellenőrzés a Tanító-Valid versek és az Ellenőrző (Teszt) versek halmazán nem lehet azonos vers.</a:t>
+              <a:rPr lang="hu-HU" dirty="0"/>
+              <a:t>A finomhangolt (</a:t>
+            </a:r>
+            <a:r>
+              <a:rPr lang="hu-HU" b="1" dirty="0" err="1"/>
+              <a:t>Fine-tuning</a:t>
+            </a:r>
+            <a:r>
+              <a:rPr lang="hu-HU" b="1" dirty="0"/>
+              <a:t> ) </a:t>
+            </a:r>
+            <a:r>
+              <a:rPr lang="hu-HU" dirty="0"/>
+              <a:t>BERT modell, tanítás</a:t>
+            </a:r>
+            <a:r>
+              <a:rPr lang="hu-HU" b="1" dirty="0"/>
+              <a:t> értékelése</a:t>
+            </a:r>
+          </a:p>
+          <a:p>
+            <a:endParaRPr lang="hu-HU" b="1" dirty="0"/>
+          </a:p>
+          <a:p>
+            <a:r>
+              <a:rPr lang="hu-HU" b="1" dirty="0" err="1"/>
+              <a:t>Accuracy</a:t>
+            </a:r>
+            <a:r>
+              <a:rPr lang="hu-HU" dirty="0"/>
+              <a:t> (Pontosság): 77.14%</a:t>
+            </a:r>
+          </a:p>
+          <a:p>
+            <a:r>
+              <a:rPr lang="hu-HU" dirty="0"/>
+              <a:t>(Hányat talált el a modell a tanítás során)</a:t>
+            </a:r>
+          </a:p>
+          <a:p>
+            <a:r>
+              <a:rPr lang="hu-HU" b="1" dirty="0"/>
+              <a:t>AUC</a:t>
+            </a:r>
+            <a:r>
+              <a:rPr lang="hu-HU" dirty="0"/>
+              <a:t>: 0.84 </a:t>
+            </a:r>
+          </a:p>
+          <a:p>
+            <a:r>
+              <a:rPr lang="hu-HU" dirty="0"/>
+              <a:t>(Modell mennyire tudja megkülönböztetni a pozitív és negatív osztályokat. 84% esély )</a:t>
+            </a:r>
+          </a:p>
+          <a:p>
+            <a:endParaRPr lang="hu-HU" b="1" dirty="0"/>
+          </a:p>
+          <a:p>
+            <a:endParaRPr lang="hu-HU" b="1" dirty="0"/>
+          </a:p>
+          <a:p>
+            <a:r>
+              <a:rPr lang="hu-HU" b="1" dirty="0" err="1"/>
+              <a:t>Precision</a:t>
+            </a:r>
+            <a:r>
+              <a:rPr lang="hu-HU" dirty="0"/>
+              <a:t>: 0.80</a:t>
+            </a:r>
+          </a:p>
+          <a:p>
+            <a:r>
+              <a:rPr lang="hu-HU" dirty="0"/>
+              <a:t>(Modell által pozitívnak jelzett példák 80%-a valóban pozitív volt.)</a:t>
+            </a:r>
+          </a:p>
+          <a:p>
+            <a:r>
+              <a:rPr lang="hu-HU" b="1" dirty="0" err="1"/>
+              <a:t>Recall</a:t>
+            </a:r>
+            <a:r>
+              <a:rPr lang="hu-HU" b="1" dirty="0"/>
+              <a:t>: </a:t>
+            </a:r>
+            <a:r>
+              <a:rPr lang="hu-HU" dirty="0"/>
+              <a:t>0.7059</a:t>
+            </a:r>
+          </a:p>
+          <a:p>
+            <a:r>
+              <a:rPr lang="hu-HU" dirty="0"/>
+              <a:t>(Modell a valódi pozitív esetek 70,59% -t megtalálta.</a:t>
+            </a:r>
+          </a:p>
+          <a:p>
+            <a:r>
+              <a:rPr lang="hu-HU" b="1" dirty="0"/>
+              <a:t>F1</a:t>
+            </a:r>
+            <a:r>
+              <a:rPr lang="hu-HU" dirty="0"/>
+              <a:t>: 0.7500</a:t>
+            </a:r>
+          </a:p>
+          <a:p>
+            <a:r>
+              <a:rPr lang="hu-HU" dirty="0"/>
+              <a:t>(</a:t>
+            </a:r>
+            <a:r>
+              <a:rPr lang="hu-HU" dirty="0" err="1"/>
+              <a:t>Precision</a:t>
+            </a:r>
+            <a:r>
+              <a:rPr lang="hu-HU" dirty="0"/>
+              <a:t> és a </a:t>
+            </a:r>
+            <a:r>
+              <a:rPr lang="hu-HU" dirty="0" err="1"/>
+              <a:t>Recall</a:t>
+            </a:r>
+            <a:r>
+              <a:rPr lang="hu-HU" dirty="0"/>
+              <a:t> harmonikus átlaga. Kiegyensúlyozatlan osztályoknál jobb összegző mutató, mint az </a:t>
+            </a:r>
+            <a:r>
+              <a:rPr lang="hu-HU" dirty="0" err="1"/>
+              <a:t>Accuracy</a:t>
+            </a:r>
+            <a:r>
+              <a:rPr lang="hu-HU" dirty="0"/>
+              <a:t>.)</a:t>
             </a:r>
           </a:p>
           <a:p>
             <a:endParaRPr lang="hu-HU" dirty="0"/>
           </a:p>
           <a:p>
-            <a:r>
-              <a:rPr lang="hu-HU" b="1" dirty="0" err="1"/>
-              <a:t>Predikció</a:t>
-            </a:r>
-            <a:r>
-              <a:rPr lang="hu-HU" b="1" dirty="0"/>
-              <a:t>: </a:t>
-            </a:r>
-          </a:p>
-          <a:p>
-            <a:r>
-              <a:rPr lang="hu-HU" dirty="0"/>
-              <a:t>Tároltam az eredeti Pozitív/Negatív típust.  A tanított </a:t>
+            <a:endParaRPr lang="hu-HU" dirty="0"/>
+          </a:p>
+          <a:p>
+            <a:endParaRPr lang="hu-HU" dirty="0"/>
+          </a:p>
+          <a:p>
+            <a:endParaRPr lang="hu-HU" dirty="0"/>
+          </a:p>
+          <a:p>
+            <a:endParaRPr lang="hu-HU" dirty="0"/>
+          </a:p>
+          <a:p>
+            <a:r>
+              <a:rPr lang="hu-HU" dirty="0"/>
+              <a:t>(</a:t>
             </a:r>
             <a:r>
               <a:rPr lang="hu-HU" dirty="0" err="1"/>
-              <a:t>Bert</a:t>
-            </a:r>
-            <a:r>
-              <a:rPr lang="hu-HU" dirty="0"/>
-              <a:t> modellt lefuttattam versenként az Ellenőrző versek halmazán, rögzítettem a </a:t>
+              <a:t>Jupyter</a:t>
+            </a:r>
+            <a:r>
+              <a:rPr lang="hu-HU" dirty="0"/>
+              <a:t> notebook oldal HTML-ként, feltölt Google </a:t>
             </a:r>
             <a:r>
               <a:rPr lang="hu-HU" dirty="0" err="1"/>
-              <a:t>Predikció</a:t>
-            </a:r>
-            <a:r>
-              <a:rPr lang="hu-HU" dirty="0"/>
-              <a:t> (Pozitív/Negatív ) értékét. Az eredményt a </a:t>
-            </a:r>
-            <a:r>
-              <a:rPr lang="hu-HU" b="1" dirty="0"/>
-              <a:t>Kimenet versek </a:t>
-            </a:r>
-            <a:r>
-              <a:rPr lang="hu-HU" dirty="0"/>
-              <a:t>(kimenet_versek.xlsx) Excelben tároltam.</a:t>
-            </a:r>
-          </a:p>
-          <a:p>
-            <a:r>
-              <a:rPr lang="hu-HU" dirty="0">
-                <a:hlinkClick r:id="rId2"/>
-              </a:rPr>
-              <a:t>https://github.com/minorharpman/erzelemelemzes/tree/main</a:t>
-            </a:r>
-            <a:endParaRPr lang="hu-HU" dirty="0"/>
-          </a:p>
-          <a:p>
-            <a:endParaRPr lang="hu-HU" dirty="0"/>
-          </a:p>
-          <a:p>
-            <a:r>
-              <a:rPr lang="hu-HU" dirty="0"/>
-              <a:t>A Kimenet </a:t>
-            </a:r>
-            <a:r>
-              <a:rPr lang="hu-HU" dirty="0" err="1"/>
-              <a:t>excel</a:t>
-            </a:r>
-            <a:r>
-              <a:rPr lang="hu-HU" dirty="0"/>
-              <a:t> (Kimenet </a:t>
-            </a:r>
-            <a:r>
-              <a:rPr lang="hu-HU" dirty="0" err="1"/>
-              <a:t>DataFrame</a:t>
-            </a:r>
-            <a:r>
-              <a:rPr lang="hu-HU" dirty="0"/>
-              <a:t>) szerint: </a:t>
-            </a:r>
-            <a:r>
-              <a:rPr lang="hu-HU" b="1" dirty="0"/>
-              <a:t>76,47% a pontosság </a:t>
-            </a:r>
-            <a:r>
-              <a:rPr lang="hu-HU" dirty="0"/>
-              <a:t>az éles adatokon.</a:t>
-            </a:r>
-          </a:p>
-          <a:p>
-            <a:r>
-              <a:rPr lang="hu-HU" dirty="0"/>
-              <a:t>A tanított </a:t>
-            </a:r>
-            <a:r>
-              <a:rPr lang="hu-HU" dirty="0" err="1"/>
-              <a:t>Bert</a:t>
-            </a:r>
-            <a:r>
-              <a:rPr lang="hu-HU" dirty="0"/>
-              <a:t> modell </a:t>
-            </a:r>
-            <a:r>
-              <a:rPr lang="hu-HU" dirty="0" err="1"/>
-              <a:t>trainer.evalute</a:t>
-            </a:r>
-            <a:r>
-              <a:rPr lang="hu-HU" dirty="0"/>
-              <a:t>() </a:t>
-            </a:r>
-            <a:r>
-              <a:rPr lang="hu-HU" dirty="0" err="1"/>
-              <a:t>eval_accuracy</a:t>
-            </a:r>
-            <a:r>
-              <a:rPr lang="hu-HU" dirty="0"/>
-              <a:t>: </a:t>
-            </a:r>
-            <a:r>
-              <a:rPr lang="hu-HU" b="1" dirty="0"/>
-              <a:t>83.33% </a:t>
-            </a:r>
-            <a:r>
-              <a:rPr lang="hu-HU" dirty="0"/>
-              <a:t>volt  pontosság.</a:t>
-            </a:r>
-          </a:p>
-          <a:p>
-            <a:endParaRPr lang="hu-HU" dirty="0"/>
-          </a:p>
-          <a:p>
-            <a:r>
-              <a:rPr lang="hu-HU" b="1" dirty="0"/>
-              <a:t>Tapasztalat, ötletek: </a:t>
-            </a:r>
-          </a:p>
-          <a:p>
-            <a:r>
-              <a:rPr lang="hu-HU" dirty="0"/>
-              <a:t>Fontos, hogy a </a:t>
-            </a:r>
-            <a:r>
-              <a:rPr lang="hu-HU" dirty="0" err="1"/>
-              <a:t>Train</a:t>
-            </a:r>
-            <a:r>
-              <a:rPr lang="hu-HU" dirty="0"/>
-              <a:t> halmazba megfelelően kategorizált adatok kerüljenek.</a:t>
-            </a:r>
-          </a:p>
-          <a:p>
-            <a:r>
-              <a:rPr lang="hu-HU" dirty="0"/>
-              <a:t>Ki legyenek egyensúlyozva a kategóriák.</a:t>
-            </a:r>
-          </a:p>
-          <a:p>
-            <a:r>
-              <a:rPr lang="hu-HU" dirty="0"/>
-              <a:t>Web </a:t>
-            </a:r>
-            <a:r>
-              <a:rPr lang="hu-HU" dirty="0" err="1"/>
-              <a:t>scraping</a:t>
-            </a:r>
-            <a:r>
-              <a:rPr lang="hu-HU" dirty="0"/>
-              <a:t>-nél a blokkolás kivédése</a:t>
-            </a:r>
-          </a:p>
-          <a:p>
-            <a:r>
-              <a:rPr lang="hu-HU" dirty="0"/>
-              <a:t>Más modellt is kipróbálni.</a:t>
-            </a:r>
-          </a:p>
-          <a:p>
-            <a:r>
-              <a:rPr lang="hu-HU" b="1" dirty="0"/>
-              <a:t>Verseknél soha nem lesz tökéletes a </a:t>
-            </a:r>
-            <a:r>
-              <a:rPr lang="hu-HU" b="1" dirty="0" err="1"/>
-              <a:t>Predikció</a:t>
-            </a:r>
-            <a:r>
-              <a:rPr lang="hu-HU" b="1" dirty="0"/>
-              <a:t>, a „költői boldogságban” írt verset nehéz a gépnek kategorizálni. </a:t>
-            </a:r>
-            <a:r>
-              <a:rPr lang="hu-HU" dirty="0"/>
-              <a:t>(lásd a Kimenet versek azon verseit, ahol a Valódi  oszlop értéke nem egyezik a </a:t>
-            </a:r>
-            <a:r>
-              <a:rPr lang="hu-HU" dirty="0" err="1"/>
-              <a:t>Predikció</a:t>
-            </a:r>
-            <a:r>
-              <a:rPr lang="hu-HU" dirty="0"/>
-              <a:t> oszlop értékével.</a:t>
-            </a:r>
-          </a:p>
-          <a:p>
-            <a:endParaRPr lang="hu-HU" dirty="0"/>
+              <a:t>colab</a:t>
+            </a:r>
+            <a:r>
+              <a:rPr lang="hu-HU" dirty="0"/>
+              <a:t>, majd ment HTML)</a:t>
+            </a:r>
           </a:p>
         </p:txBody>
       </p:sp>
     </p:spTree>
     <p:extLst>
       <p:ext uri="{BB962C8B-B14F-4D97-AF65-F5344CB8AC3E}">
-        <p14:creationId xmlns:p14="http://schemas.microsoft.com/office/powerpoint/2010/main" val="2794632771"/>
+        <p14:creationId xmlns:p14="http://schemas.microsoft.com/office/powerpoint/2010/main" val="1352707079"/>
       </p:ext>
     </p:extLst>
   </p:cSld>
@@ -5444,7 +6296,7 @@
           <p:cNvPr id="4" name="Szövegdoboz 3">
             <a:extLst>
               <a:ext uri="{FF2B5EF4-FFF2-40B4-BE49-F238E27FC236}">
-                <a16:creationId xmlns:a16="http://schemas.microsoft.com/office/drawing/2014/main" id="{CE2641A4-3492-C6F3-95F0-4693693D4121}"/>
+                <a16:creationId xmlns:a16="http://schemas.microsoft.com/office/drawing/2014/main" id="{E318142A-CE78-0B58-6C72-7F34C36EC9C8}"/>
               </a:ext>
             </a:extLst>
           </p:cNvPr>
@@ -5453,8 +6305,8 @@
         </p:nvSpPr>
         <p:spPr>
           <a:xfrm>
-            <a:off x="268448" y="343949"/>
-            <a:ext cx="9225282" cy="1477328"/>
+            <a:off x="227799" y="206943"/>
+            <a:ext cx="11543898" cy="4124206"/>
           </a:xfrm>
           <a:prstGeom prst="rect">
             <a:avLst/>
@@ -5462,52 +6314,160 @@
           <a:noFill/>
         </p:spPr>
         <p:txBody>
-          <a:bodyPr wrap="none" rtlCol="0">
+          <a:bodyPr wrap="square" rtlCol="0">
             <a:spAutoFit/>
           </a:bodyPr>
           <a:lstStyle/>
           <a:p>
             <a:r>
-              <a:rPr lang="hu-HU" b="1" dirty="0"/>
-              <a:t>További ötletek:</a:t>
-            </a:r>
-          </a:p>
-          <a:p>
-            <a:r>
-              <a:rPr lang="hu-HU" dirty="0"/>
-              <a:t>A magyar nyelv nehéz, árnyalt kifejezésekre képes nyelv.  </a:t>
-            </a:r>
-            <a:br>
-              <a:rPr lang="hu-HU" dirty="0"/>
-            </a:br>
-            <a:r>
-              <a:rPr lang="hu-HU" dirty="0"/>
-              <a:t>További tapasztalat szerzés más területeken.</a:t>
-            </a:r>
-          </a:p>
-          <a:p>
+              <a:rPr lang="hu-HU" sz="2800" b="1" dirty="0"/>
+              <a:t>Tesztelés, hogyan teljesít a modell</a:t>
+            </a:r>
+          </a:p>
+          <a:p>
+            <a:endParaRPr lang="hu-HU" b="1" dirty="0"/>
+          </a:p>
+          <a:p>
+            <a:r>
+              <a:rPr lang="hu-HU" dirty="0"/>
+              <a:t>Az </a:t>
+            </a:r>
+            <a:r>
+              <a:rPr lang="hu-HU" b="1" dirty="0"/>
+              <a:t>ellenorzo_vers_adatok.csv </a:t>
+            </a:r>
+            <a:r>
+              <a:rPr lang="hu-HU" dirty="0"/>
+              <a:t>segítségével, 180 db verssel folyt a tesztelés</a:t>
+            </a:r>
+          </a:p>
+          <a:p>
+            <a:endParaRPr lang="hu-HU" dirty="0"/>
+          </a:p>
+          <a:p>
+            <a:r>
+              <a:rPr lang="hu-HU" dirty="0"/>
+              <a:t>Adattisztítás: Biztonsági ellenőrzés a </a:t>
+            </a:r>
+            <a:r>
+              <a:rPr lang="hu-HU" b="1" dirty="0"/>
+              <a:t>Tanító</a:t>
+            </a:r>
+            <a:r>
+              <a:rPr lang="hu-HU" dirty="0"/>
+              <a:t> versek és az </a:t>
+            </a:r>
+            <a:r>
+              <a:rPr lang="hu-HU" b="1" dirty="0"/>
+              <a:t>Teszt</a:t>
+            </a:r>
+            <a:r>
+              <a:rPr lang="hu-HU" dirty="0"/>
+              <a:t> versek halmazán nem lehet azonos vers.</a:t>
+            </a:r>
+          </a:p>
+          <a:p>
+            <a:endParaRPr lang="hu-HU" dirty="0"/>
+          </a:p>
+          <a:p>
+            <a:r>
+              <a:rPr lang="hu-HU" b="1" dirty="0"/>
+              <a:t>Teszt: </a:t>
+            </a:r>
+          </a:p>
+          <a:p>
+            <a:r>
+              <a:rPr lang="hu-HU" dirty="0"/>
+              <a:t>Itt is volt </a:t>
+            </a:r>
+            <a:r>
+              <a:rPr lang="hu-HU" b="1" dirty="0"/>
+              <a:t>Típus oszlop (pozitív/negatív). </a:t>
+            </a:r>
+            <a:r>
+              <a:rPr lang="hu-HU" dirty="0"/>
+              <a:t>A tanított </a:t>
+            </a:r>
             <a:r>
               <a:rPr lang="hu-HU" dirty="0" err="1"/>
-              <a:t>Pl</a:t>
-            </a:r>
-            <a:r>
-              <a:rPr lang="hu-HU" dirty="0"/>
-              <a:t>: Cikkek kategorizálása, Kommentek elemzése, Bulling, Indirekt sértő kifejezések szűrése, </a:t>
-            </a:r>
-            <a:br>
-              <a:rPr lang="hu-HU" dirty="0"/>
-            </a:br>
-            <a:r>
-              <a:rPr lang="hu-HU" dirty="0"/>
-              <a:t>Fenyegető üzenetek szűrése …</a:t>
-            </a:r>
+              <a:t>Bert</a:t>
+            </a:r>
+            <a:r>
+              <a:rPr lang="hu-HU" dirty="0"/>
+              <a:t> modellt lefuttattam versenként az Ellenőrző versek halmazán, rögzítettem a </a:t>
+            </a:r>
+            <a:r>
+              <a:rPr lang="hu-HU" dirty="0" err="1"/>
+              <a:t>Predikció</a:t>
+            </a:r>
+            <a:r>
+              <a:rPr lang="hu-HU" dirty="0"/>
+              <a:t> (Pozitív/Negatív ) értékét. </a:t>
+            </a:r>
+          </a:p>
+          <a:p>
+            <a:endParaRPr lang="hu-HU" dirty="0"/>
+          </a:p>
+          <a:p>
+            <a:r>
+              <a:rPr lang="hu-HU" b="1" dirty="0"/>
+              <a:t>77,63% a pontosság </a:t>
+            </a:r>
+            <a:r>
+              <a:rPr lang="hu-HU" dirty="0"/>
+              <a:t>az éles adatokon.</a:t>
+            </a:r>
+          </a:p>
+          <a:p>
+            <a:r>
+              <a:rPr lang="hu-HU" dirty="0"/>
+              <a:t>(Előző </a:t>
+            </a:r>
+            <a:r>
+              <a:rPr lang="hu-HU" dirty="0" err="1"/>
+              <a:t>slide</a:t>
+            </a:r>
+            <a:r>
+              <a:rPr lang="hu-HU" dirty="0"/>
+              <a:t>: A tanításnál </a:t>
+            </a:r>
+            <a:r>
+              <a:rPr lang="hu-HU" dirty="0" err="1"/>
+              <a:t>Bert</a:t>
+            </a:r>
+            <a:r>
+              <a:rPr lang="hu-HU" dirty="0"/>
+              <a:t> modell </a:t>
+            </a:r>
+            <a:r>
+              <a:rPr lang="hu-HU" b="1" dirty="0" err="1"/>
+              <a:t>Accuracy</a:t>
+            </a:r>
+            <a:r>
+              <a:rPr lang="hu-HU" dirty="0"/>
+              <a:t>: </a:t>
+            </a:r>
+            <a:r>
+              <a:rPr lang="hu-HU" b="1" dirty="0"/>
+              <a:t>77.14% </a:t>
+            </a:r>
+            <a:r>
+              <a:rPr lang="hu-HU" dirty="0"/>
+              <a:t>volt).</a:t>
+            </a:r>
+          </a:p>
+          <a:p>
+            <a:endParaRPr lang="hu-HU" dirty="0"/>
+          </a:p>
+          <a:p>
+            <a:endParaRPr lang="hu-HU" dirty="0"/>
           </a:p>
         </p:txBody>
       </p:sp>
     </p:spTree>
     <p:extLst>
       <p:ext uri="{BB962C8B-B14F-4D97-AF65-F5344CB8AC3E}">
-        <p14:creationId xmlns:p14="http://schemas.microsoft.com/office/powerpoint/2010/main" val="750261325"/>
+        <p14:creationId xmlns:p14="http://schemas.microsoft.com/office/powerpoint/2010/main" val="2794632771"/>
       </p:ext>
     </p:extLst>
   </p:cSld>

--- a/Erzelemelemzes.pptx
+++ b/Erzelemelemzes.pptx
@@ -16,8 +16,9 @@
     <p:sldId id="259" r:id="rId10"/>
     <p:sldId id="268" r:id="rId11"/>
     <p:sldId id="269" r:id="rId12"/>
-    <p:sldId id="261" r:id="rId13"/>
-    <p:sldId id="262" r:id="rId14"/>
+    <p:sldId id="270" r:id="rId13"/>
+    <p:sldId id="261" r:id="rId14"/>
+    <p:sldId id="262" r:id="rId15"/>
   </p:sldIdLst>
   <p:sldSz cx="12192000" cy="6858000"/>
   <p:notesSz cx="6858000" cy="9144000"/>
@@ -4391,6 +4392,156 @@
       </p:grpSpPr>
       <p:sp>
         <p:nvSpPr>
+          <p:cNvPr id="5" name="Szövegdoboz 4">
+            <a:extLst>
+              <a:ext uri="{FF2B5EF4-FFF2-40B4-BE49-F238E27FC236}">
+                <a16:creationId xmlns:a16="http://schemas.microsoft.com/office/drawing/2014/main" id="{C879A27E-04E1-4F79-F94C-80EC538FA185}"/>
+              </a:ext>
+            </a:extLst>
+          </p:cNvPr>
+          <p:cNvSpPr txBox="1"/>
+          <p:nvPr/>
+        </p:nvSpPr>
+        <p:spPr>
+          <a:xfrm>
+            <a:off x="268448" y="343949"/>
+            <a:ext cx="6315896" cy="2585323"/>
+          </a:xfrm>
+          <a:prstGeom prst="rect">
+            <a:avLst/>
+          </a:prstGeom>
+          <a:noFill/>
+        </p:spPr>
+        <p:txBody>
+          <a:bodyPr wrap="none" rtlCol="0">
+            <a:spAutoFit/>
+          </a:bodyPr>
+          <a:lstStyle/>
+          <a:p>
+            <a:r>
+              <a:rPr lang="hu-HU" sz="3600" b="1"/>
+              <a:t>TODO:</a:t>
+            </a:r>
+            <a:endParaRPr lang="hu-HU" sz="3600" b="1" dirty="0"/>
+          </a:p>
+          <a:p>
+            <a:endParaRPr lang="hu-HU" b="1" dirty="0"/>
+          </a:p>
+          <a:p>
+            <a:r>
+              <a:rPr lang="hu-HU" dirty="0"/>
+              <a:t>Magyar versek érzelem elemzésére melyik a legjobb modell: </a:t>
+            </a:r>
+          </a:p>
+          <a:p>
+            <a:r>
+              <a:rPr lang="hu-HU" dirty="0"/>
+              <a:t>SZTAKI-HLT/</a:t>
+            </a:r>
+            <a:r>
+              <a:rPr lang="hu-HU" dirty="0" err="1"/>
+              <a:t>hubert</a:t>
+            </a:r>
+            <a:r>
+              <a:rPr lang="hu-HU" dirty="0"/>
+              <a:t>-</a:t>
+            </a:r>
+            <a:r>
+              <a:rPr lang="hu-HU" dirty="0" err="1"/>
+              <a:t>base</a:t>
+            </a:r>
+            <a:r>
+              <a:rPr lang="hu-HU" dirty="0"/>
+              <a:t>-cc </a:t>
+            </a:r>
+          </a:p>
+          <a:p>
+            <a:r>
+              <a:rPr lang="hu-HU" dirty="0"/>
+              <a:t>SZTAKI-HLT/</a:t>
+            </a:r>
+            <a:r>
+              <a:rPr lang="hu-HU" dirty="0" err="1"/>
+              <a:t>hubert</a:t>
+            </a:r>
+            <a:r>
+              <a:rPr lang="hu-HU" dirty="0"/>
+              <a:t>-</a:t>
+            </a:r>
+            <a:r>
+              <a:rPr lang="hu-HU" dirty="0" err="1"/>
+              <a:t>base</a:t>
+            </a:r>
+            <a:r>
+              <a:rPr lang="hu-HU" dirty="0"/>
+              <a:t>-cc-</a:t>
+            </a:r>
+            <a:r>
+              <a:rPr lang="hu-HU" dirty="0" err="1"/>
+              <a:t>sentence</a:t>
+            </a:r>
+            <a:r>
+              <a:rPr lang="hu-HU" dirty="0"/>
+              <a:t> </a:t>
+            </a:r>
+          </a:p>
+          <a:p>
+            <a:r>
+              <a:rPr lang="hu-HU" dirty="0"/>
+              <a:t>NYTK/</a:t>
+            </a:r>
+            <a:r>
+              <a:rPr lang="hu-HU" dirty="0" err="1"/>
+              <a:t>sentence-transformers-experimental-hubert-hungarian</a:t>
+            </a:r>
+            <a:r>
+              <a:rPr lang="hu-HU" dirty="0"/>
+              <a:t> </a:t>
+            </a:r>
+          </a:p>
+          <a:p>
+            <a:endParaRPr lang="hu-HU" dirty="0"/>
+          </a:p>
+          <a:p>
+            <a:r>
+              <a:rPr lang="hu-HU" dirty="0"/>
+              <a:t>Finom hangolás után</a:t>
+            </a:r>
+          </a:p>
+        </p:txBody>
+      </p:sp>
+    </p:spTree>
+    <p:extLst>
+      <p:ext uri="{BB962C8B-B14F-4D97-AF65-F5344CB8AC3E}">
+        <p14:creationId xmlns:p14="http://schemas.microsoft.com/office/powerpoint/2010/main" val="3236190833"/>
+      </p:ext>
+    </p:extLst>
+  </p:cSld>
+  <p:clrMapOvr>
+    <a:masterClrMapping/>
+  </p:clrMapOvr>
+</p:sld>
+</file>
+
+<file path=ppt/slides/slide13.xml><?xml version="1.0" encoding="utf-8"?>
+<p:sld xmlns:a="http://schemas.openxmlformats.org/drawingml/2006/main" xmlns:r="http://schemas.openxmlformats.org/officeDocument/2006/relationships" xmlns:p="http://schemas.openxmlformats.org/presentationml/2006/main">
+  <p:cSld>
+    <p:spTree>
+      <p:nvGrpSpPr>
+        <p:cNvPr id="1" name=""/>
+        <p:cNvGrpSpPr/>
+        <p:nvPr/>
+      </p:nvGrpSpPr>
+      <p:grpSpPr>
+        <a:xfrm>
+          <a:off x="0" y="0"/>
+          <a:ext cx="0" cy="0"/>
+          <a:chOff x="0" y="0"/>
+          <a:chExt cx="0" cy="0"/>
+        </a:xfrm>
+      </p:grpSpPr>
+      <p:sp>
+        <p:nvSpPr>
           <p:cNvPr id="4" name="Szövegdoboz 3">
             <a:extLst>
               <a:ext uri="{FF2B5EF4-FFF2-40B4-BE49-F238E27FC236}">
@@ -4470,7 +4621,7 @@
 </p:sld>
 </file>
 
-<file path=ppt/slides/slide13.xml><?xml version="1.0" encoding="utf-8"?>
+<file path=ppt/slides/slide14.xml><?xml version="1.0" encoding="utf-8"?>
 <p:sld xmlns:a="http://schemas.openxmlformats.org/drawingml/2006/main" xmlns:r="http://schemas.openxmlformats.org/officeDocument/2006/relationships" xmlns:p="http://schemas.openxmlformats.org/presentationml/2006/main">
   <p:cSld>
     <p:spTree>

--- a/Erzelemelemzes.pptx
+++ b/Erzelemelemzes.pptx
@@ -4405,7 +4405,7 @@
         <p:spPr>
           <a:xfrm>
             <a:off x="268448" y="343949"/>
-            <a:ext cx="6315896" cy="2585323"/>
+            <a:ext cx="7331978" cy="2031325"/>
           </a:xfrm>
           <a:prstGeom prst="rect">
             <a:avLst/>
@@ -4413,16 +4413,15 @@
           <a:noFill/>
         </p:spPr>
         <p:txBody>
-          <a:bodyPr wrap="none" rtlCol="0">
+          <a:bodyPr wrap="square" rtlCol="0">
             <a:spAutoFit/>
           </a:bodyPr>
           <a:lstStyle/>
           <a:p>
             <a:r>
-              <a:rPr lang="hu-HU" sz="3600" b="1"/>
+              <a:rPr lang="hu-HU" sz="3600" b="1" dirty="0"/>
               <a:t>TODO:</a:t>
             </a:r>
-            <a:endParaRPr lang="hu-HU" sz="3600" b="1" dirty="0"/>
           </a:p>
           <a:p>
             <a:endParaRPr lang="hu-HU" b="1" dirty="0"/>
@@ -4431,58 +4430,6 @@
             <a:r>
               <a:rPr lang="hu-HU" dirty="0"/>
               <a:t>Magyar versek érzelem elemzésére melyik a legjobb modell: </a:t>
-            </a:r>
-          </a:p>
-          <a:p>
-            <a:r>
-              <a:rPr lang="hu-HU" dirty="0"/>
-              <a:t>SZTAKI-HLT/</a:t>
-            </a:r>
-            <a:r>
-              <a:rPr lang="hu-HU" dirty="0" err="1"/>
-              <a:t>hubert</a:t>
-            </a:r>
-            <a:r>
-              <a:rPr lang="hu-HU" dirty="0"/>
-              <a:t>-</a:t>
-            </a:r>
-            <a:r>
-              <a:rPr lang="hu-HU" dirty="0" err="1"/>
-              <a:t>base</a:t>
-            </a:r>
-            <a:r>
-              <a:rPr lang="hu-HU" dirty="0"/>
-              <a:t>-cc </a:t>
-            </a:r>
-          </a:p>
-          <a:p>
-            <a:r>
-              <a:rPr lang="hu-HU" dirty="0"/>
-              <a:t>SZTAKI-HLT/</a:t>
-            </a:r>
-            <a:r>
-              <a:rPr lang="hu-HU" dirty="0" err="1"/>
-              <a:t>hubert</a:t>
-            </a:r>
-            <a:r>
-              <a:rPr lang="hu-HU" dirty="0"/>
-              <a:t>-</a:t>
-            </a:r>
-            <a:r>
-              <a:rPr lang="hu-HU" dirty="0" err="1"/>
-              <a:t>base</a:t>
-            </a:r>
-            <a:r>
-              <a:rPr lang="hu-HU" dirty="0"/>
-              <a:t>-cc-</a:t>
-            </a:r>
-            <a:r>
-              <a:rPr lang="hu-HU" dirty="0" err="1"/>
-              <a:t>sentence</a:t>
-            </a:r>
-            <a:r>
-              <a:rPr lang="hu-HU" dirty="0"/>
-              <a:t> </a:t>
             </a:r>
           </a:p>
           <a:p>
@@ -4495,9 +4442,10 @@
               <a:t>sentence-transformers-experimental-hubert-hungarian</a:t>
             </a:r>
             <a:r>
-              <a:rPr lang="hu-HU" dirty="0"/>
-              <a:t> </a:t>
-            </a:r>
+              <a:rPr lang="hu-HU"/>
+              <a:t> kipróbál…</a:t>
+            </a:r>
+            <a:endParaRPr lang="hu-HU" dirty="0"/>
           </a:p>
           <a:p>
             <a:endParaRPr lang="hu-HU" dirty="0"/>

--- a/Erzelemelemzes.pptx
+++ b/Erzelemelemzes.pptx
@@ -283,7 +283,7 @@
           <a:p>
             <a:fld id="{653F7DB2-B3B3-4420-9BDA-51761B5F6382}" type="datetimeFigureOut">
               <a:rPr lang="hu-HU" smtClean="0"/>
-              <a:t>2025. 09. 16.</a:t>
+              <a:t>2025. 09. 23.</a:t>
             </a:fld>
             <a:endParaRPr lang="hu-HU"/>
           </a:p>
@@ -481,7 +481,7 @@
           <a:p>
             <a:fld id="{653F7DB2-B3B3-4420-9BDA-51761B5F6382}" type="datetimeFigureOut">
               <a:rPr lang="hu-HU" smtClean="0"/>
-              <a:t>2025. 09. 16.</a:t>
+              <a:t>2025. 09. 23.</a:t>
             </a:fld>
             <a:endParaRPr lang="hu-HU"/>
           </a:p>
@@ -689,7 +689,7 @@
           <a:p>
             <a:fld id="{653F7DB2-B3B3-4420-9BDA-51761B5F6382}" type="datetimeFigureOut">
               <a:rPr lang="hu-HU" smtClean="0"/>
-              <a:t>2025. 09. 16.</a:t>
+              <a:t>2025. 09. 23.</a:t>
             </a:fld>
             <a:endParaRPr lang="hu-HU"/>
           </a:p>
@@ -887,7 +887,7 @@
           <a:p>
             <a:fld id="{653F7DB2-B3B3-4420-9BDA-51761B5F6382}" type="datetimeFigureOut">
               <a:rPr lang="hu-HU" smtClean="0"/>
-              <a:t>2025. 09. 16.</a:t>
+              <a:t>2025. 09. 23.</a:t>
             </a:fld>
             <a:endParaRPr lang="hu-HU"/>
           </a:p>
@@ -1162,7 +1162,7 @@
           <a:p>
             <a:fld id="{653F7DB2-B3B3-4420-9BDA-51761B5F6382}" type="datetimeFigureOut">
               <a:rPr lang="hu-HU" smtClean="0"/>
-              <a:t>2025. 09. 16.</a:t>
+              <a:t>2025. 09. 23.</a:t>
             </a:fld>
             <a:endParaRPr lang="hu-HU"/>
           </a:p>
@@ -1427,7 +1427,7 @@
           <a:p>
             <a:fld id="{653F7DB2-B3B3-4420-9BDA-51761B5F6382}" type="datetimeFigureOut">
               <a:rPr lang="hu-HU" smtClean="0"/>
-              <a:t>2025. 09. 16.</a:t>
+              <a:t>2025. 09. 23.</a:t>
             </a:fld>
             <a:endParaRPr lang="hu-HU"/>
           </a:p>
@@ -1839,7 +1839,7 @@
           <a:p>
             <a:fld id="{653F7DB2-B3B3-4420-9BDA-51761B5F6382}" type="datetimeFigureOut">
               <a:rPr lang="hu-HU" smtClean="0"/>
-              <a:t>2025. 09. 16.</a:t>
+              <a:t>2025. 09. 23.</a:t>
             </a:fld>
             <a:endParaRPr lang="hu-HU"/>
           </a:p>
@@ -1980,7 +1980,7 @@
           <a:p>
             <a:fld id="{653F7DB2-B3B3-4420-9BDA-51761B5F6382}" type="datetimeFigureOut">
               <a:rPr lang="hu-HU" smtClean="0"/>
-              <a:t>2025. 09. 16.</a:t>
+              <a:t>2025. 09. 23.</a:t>
             </a:fld>
             <a:endParaRPr lang="hu-HU"/>
           </a:p>
@@ -2093,7 +2093,7 @@
           <a:p>
             <a:fld id="{653F7DB2-B3B3-4420-9BDA-51761B5F6382}" type="datetimeFigureOut">
               <a:rPr lang="hu-HU" smtClean="0"/>
-              <a:t>2025. 09. 16.</a:t>
+              <a:t>2025. 09. 23.</a:t>
             </a:fld>
             <a:endParaRPr lang="hu-HU"/>
           </a:p>
@@ -2404,7 +2404,7 @@
           <a:p>
             <a:fld id="{653F7DB2-B3B3-4420-9BDA-51761B5F6382}" type="datetimeFigureOut">
               <a:rPr lang="hu-HU" smtClean="0"/>
-              <a:t>2025. 09. 16.</a:t>
+              <a:t>2025. 09. 23.</a:t>
             </a:fld>
             <a:endParaRPr lang="hu-HU"/>
           </a:p>
@@ -2692,7 +2692,7 @@
           <a:p>
             <a:fld id="{653F7DB2-B3B3-4420-9BDA-51761B5F6382}" type="datetimeFigureOut">
               <a:rPr lang="hu-HU" smtClean="0"/>
-              <a:t>2025. 09. 16.</a:t>
+              <a:t>2025. 09. 23.</a:t>
             </a:fld>
             <a:endParaRPr lang="hu-HU"/>
           </a:p>
@@ -2933,7 +2933,7 @@
           <a:p>
             <a:fld id="{653F7DB2-B3B3-4420-9BDA-51761B5F6382}" type="datetimeFigureOut">
               <a:rPr lang="hu-HU" smtClean="0"/>
-              <a:t>2025. 09. 16.</a:t>
+              <a:t>2025. 09. 23.</a:t>
             </a:fld>
             <a:endParaRPr lang="hu-HU"/>
           </a:p>
@@ -5201,7 +5201,7 @@
         <p:spPr>
           <a:xfrm>
             <a:off x="327804" y="224286"/>
-            <a:ext cx="10628935" cy="6186309"/>
+            <a:ext cx="10628935" cy="6463308"/>
           </a:xfrm>
           <a:prstGeom prst="rect">
             <a:avLst/>
@@ -5258,6 +5258,13 @@
             </a:r>
           </a:p>
           <a:p>
+            <a:r>
+              <a:rPr lang="hu-HU" dirty="0"/>
+              <a:t>Google AI, 2018</a:t>
+            </a:r>
+            <a:br>
+              <a:rPr lang="hu-HU" dirty="0"/>
+            </a:br>
             <a:endParaRPr lang="hu-HU" dirty="0"/>
           </a:p>
           <a:p>
@@ -5935,7 +5942,7 @@
         <p:spPr>
           <a:xfrm>
             <a:off x="227799" y="206943"/>
-            <a:ext cx="11543898" cy="5632311"/>
+            <a:ext cx="11543898" cy="5355312"/>
           </a:xfrm>
           <a:prstGeom prst="rect">
             <a:avLst/>
@@ -6096,32 +6103,25 @@
             <a:endParaRPr lang="hu-HU" dirty="0"/>
           </a:p>
           <a:p>
+            <a:r>
+              <a:rPr lang="hu-HU" dirty="0"/>
+              <a:t>TODO: </a:t>
+            </a:r>
+            <a:r>
+              <a:rPr lang="hu-HU" dirty="0" err="1"/>
+              <a:t>jupyter</a:t>
+            </a:r>
+            <a:r>
+              <a:rPr lang="hu-HU"/>
+              <a:t> notebook </a:t>
+            </a:r>
+            <a:r>
+              <a:rPr lang="hu-HU" dirty="0"/>
+              <a:t>HTML?</a:t>
+            </a:r>
+          </a:p>
+          <a:p>
             <a:endParaRPr lang="hu-HU" dirty="0"/>
-          </a:p>
-          <a:p>
-            <a:endParaRPr lang="hu-HU" dirty="0"/>
-          </a:p>
-          <a:p>
-            <a:r>
-              <a:rPr lang="hu-HU" dirty="0"/>
-              <a:t>(</a:t>
-            </a:r>
-            <a:r>
-              <a:rPr lang="hu-HU" dirty="0" err="1"/>
-              <a:t>Jupyter</a:t>
-            </a:r>
-            <a:r>
-              <a:rPr lang="hu-HU" dirty="0"/>
-              <a:t> notebook oldal HTML-ként, feltölt Google </a:t>
-            </a:r>
-            <a:r>
-              <a:rPr lang="hu-HU" dirty="0" err="1"/>
-              <a:t>colab</a:t>
-            </a:r>
-            <a:r>
-              <a:rPr lang="hu-HU" dirty="0"/>
-              <a:t>, majd ment HTML)</a:t>
-            </a:r>
           </a:p>
         </p:txBody>
       </p:sp>

--- a/Erzelemelemzes.pptx
+++ b/Erzelemelemzes.pptx
@@ -13,12 +13,10 @@
     <p:sldId id="260" r:id="rId7"/>
     <p:sldId id="266" r:id="rId8"/>
     <p:sldId id="267" r:id="rId9"/>
-    <p:sldId id="259" r:id="rId10"/>
-    <p:sldId id="268" r:id="rId11"/>
-    <p:sldId id="269" r:id="rId12"/>
-    <p:sldId id="270" r:id="rId13"/>
-    <p:sldId id="261" r:id="rId14"/>
-    <p:sldId id="262" r:id="rId15"/>
+    <p:sldId id="268" r:id="rId10"/>
+    <p:sldId id="269" r:id="rId11"/>
+    <p:sldId id="261" r:id="rId12"/>
+    <p:sldId id="262" r:id="rId13"/>
   </p:sldIdLst>
   <p:sldSz cx="12192000" cy="6858000"/>
   <p:notesSz cx="6858000" cy="9144000"/>
@@ -283,7 +281,7 @@
           <a:p>
             <a:fld id="{653F7DB2-B3B3-4420-9BDA-51761B5F6382}" type="datetimeFigureOut">
               <a:rPr lang="hu-HU" smtClean="0"/>
-              <a:t>2025. 09. 23.</a:t>
+              <a:t>2025. 09. 28.</a:t>
             </a:fld>
             <a:endParaRPr lang="hu-HU"/>
           </a:p>
@@ -481,7 +479,7 @@
           <a:p>
             <a:fld id="{653F7DB2-B3B3-4420-9BDA-51761B5F6382}" type="datetimeFigureOut">
               <a:rPr lang="hu-HU" smtClean="0"/>
-              <a:t>2025. 09. 23.</a:t>
+              <a:t>2025. 09. 28.</a:t>
             </a:fld>
             <a:endParaRPr lang="hu-HU"/>
           </a:p>
@@ -689,7 +687,7 @@
           <a:p>
             <a:fld id="{653F7DB2-B3B3-4420-9BDA-51761B5F6382}" type="datetimeFigureOut">
               <a:rPr lang="hu-HU" smtClean="0"/>
-              <a:t>2025. 09. 23.</a:t>
+              <a:t>2025. 09. 28.</a:t>
             </a:fld>
             <a:endParaRPr lang="hu-HU"/>
           </a:p>
@@ -887,7 +885,7 @@
           <a:p>
             <a:fld id="{653F7DB2-B3B3-4420-9BDA-51761B5F6382}" type="datetimeFigureOut">
               <a:rPr lang="hu-HU" smtClean="0"/>
-              <a:t>2025. 09. 23.</a:t>
+              <a:t>2025. 09. 28.</a:t>
             </a:fld>
             <a:endParaRPr lang="hu-HU"/>
           </a:p>
@@ -1162,7 +1160,7 @@
           <a:p>
             <a:fld id="{653F7DB2-B3B3-4420-9BDA-51761B5F6382}" type="datetimeFigureOut">
               <a:rPr lang="hu-HU" smtClean="0"/>
-              <a:t>2025. 09. 23.</a:t>
+              <a:t>2025. 09. 28.</a:t>
             </a:fld>
             <a:endParaRPr lang="hu-HU"/>
           </a:p>
@@ -1427,7 +1425,7 @@
           <a:p>
             <a:fld id="{653F7DB2-B3B3-4420-9BDA-51761B5F6382}" type="datetimeFigureOut">
               <a:rPr lang="hu-HU" smtClean="0"/>
-              <a:t>2025. 09. 23.</a:t>
+              <a:t>2025. 09. 28.</a:t>
             </a:fld>
             <a:endParaRPr lang="hu-HU"/>
           </a:p>
@@ -1839,7 +1837,7 @@
           <a:p>
             <a:fld id="{653F7DB2-B3B3-4420-9BDA-51761B5F6382}" type="datetimeFigureOut">
               <a:rPr lang="hu-HU" smtClean="0"/>
-              <a:t>2025. 09. 23.</a:t>
+              <a:t>2025. 09. 28.</a:t>
             </a:fld>
             <a:endParaRPr lang="hu-HU"/>
           </a:p>
@@ -1980,7 +1978,7 @@
           <a:p>
             <a:fld id="{653F7DB2-B3B3-4420-9BDA-51761B5F6382}" type="datetimeFigureOut">
               <a:rPr lang="hu-HU" smtClean="0"/>
-              <a:t>2025. 09. 23.</a:t>
+              <a:t>2025. 09. 28.</a:t>
             </a:fld>
             <a:endParaRPr lang="hu-HU"/>
           </a:p>
@@ -2093,7 +2091,7 @@
           <a:p>
             <a:fld id="{653F7DB2-B3B3-4420-9BDA-51761B5F6382}" type="datetimeFigureOut">
               <a:rPr lang="hu-HU" smtClean="0"/>
-              <a:t>2025. 09. 23.</a:t>
+              <a:t>2025. 09. 28.</a:t>
             </a:fld>
             <a:endParaRPr lang="hu-HU"/>
           </a:p>
@@ -2404,7 +2402,7 @@
           <a:p>
             <a:fld id="{653F7DB2-B3B3-4420-9BDA-51761B5F6382}" type="datetimeFigureOut">
               <a:rPr lang="hu-HU" smtClean="0"/>
-              <a:t>2025. 09. 23.</a:t>
+              <a:t>2025. 09. 28.</a:t>
             </a:fld>
             <a:endParaRPr lang="hu-HU"/>
           </a:p>
@@ -2692,7 +2690,7 @@
           <a:p>
             <a:fld id="{653F7DB2-B3B3-4420-9BDA-51761B5F6382}" type="datetimeFigureOut">
               <a:rPr lang="hu-HU" smtClean="0"/>
-              <a:t>2025. 09. 23.</a:t>
+              <a:t>2025. 09. 28.</a:t>
             </a:fld>
             <a:endParaRPr lang="hu-HU"/>
           </a:p>
@@ -2933,7 +2931,7 @@
           <a:p>
             <a:fld id="{653F7DB2-B3B3-4420-9BDA-51761B5F6382}" type="datetimeFigureOut">
               <a:rPr lang="hu-HU" smtClean="0"/>
-              <a:t>2025. 09. 23.</a:t>
+              <a:t>2025. 09. 28.</a:t>
             </a:fld>
             <a:endParaRPr lang="hu-HU"/>
           </a:p>
@@ -3623,7 +3621,7 @@
           <p:cNvPr id="4" name="Szövegdoboz 3">
             <a:extLst>
               <a:ext uri="{FF2B5EF4-FFF2-40B4-BE49-F238E27FC236}">
-                <a16:creationId xmlns:a16="http://schemas.microsoft.com/office/drawing/2014/main" id="{3A94EA3D-413E-B8B4-2CD3-55B984350850}"/>
+                <a16:creationId xmlns:a16="http://schemas.microsoft.com/office/drawing/2014/main" id="{20088489-D3B3-FE67-2B7F-42453A8D2E8B}"/>
               </a:ext>
             </a:extLst>
           </p:cNvPr>
@@ -3632,8 +3630,8 @@
         </p:nvSpPr>
         <p:spPr>
           <a:xfrm>
-            <a:off x="324051" y="258901"/>
-            <a:ext cx="11543898" cy="6617196"/>
+            <a:off x="268448" y="343949"/>
+            <a:ext cx="11105669" cy="3970318"/>
           </a:xfrm>
           <a:prstGeom prst="rect">
             <a:avLst/>
@@ -3641,14 +3639,14 @@
           <a:noFill/>
         </p:spPr>
         <p:txBody>
-          <a:bodyPr wrap="square" rtlCol="0">
+          <a:bodyPr wrap="none" rtlCol="0">
             <a:spAutoFit/>
           </a:bodyPr>
           <a:lstStyle/>
           <a:p>
             <a:r>
-              <a:rPr lang="hu-HU" sz="2800" b="1" dirty="0"/>
-              <a:t>Fordított vizsgálat</a:t>
+              <a:rPr lang="hu-HU" sz="3600" b="1" dirty="0"/>
+              <a:t>Megállapítás, összefoglalás, :</a:t>
             </a:r>
           </a:p>
           <a:p>
@@ -3656,34 +3654,30 @@
           </a:p>
           <a:p>
             <a:r>
-              <a:rPr lang="hu-HU" b="1" dirty="0"/>
-              <a:t>Korábban: </a:t>
-            </a:r>
-            <a:r>
-              <a:rPr lang="hu-HU" dirty="0"/>
-              <a:t>A Modell készítéshez (Tanító és Validációs adatok) verseket: </a:t>
-            </a:r>
-            <a:r>
-              <a:rPr lang="hu-HU" b="1" dirty="0"/>
-              <a:t>vers_adatok.xlsx </a:t>
-            </a:r>
-            <a:r>
-              <a:rPr lang="hu-HU" dirty="0"/>
-              <a:t>fájlba lett mentve.</a:t>
-            </a:r>
-          </a:p>
-          <a:p>
-            <a:r>
-              <a:rPr lang="hu-HU" dirty="0"/>
-              <a:t>Ellenőrzéshez (Teszt) a </a:t>
-            </a:r>
-            <a:r>
-              <a:rPr lang="hu-HU" b="1" dirty="0"/>
-              <a:t>ellenorzo_vers_adatok.xlsx </a:t>
-            </a:r>
-            <a:r>
-              <a:rPr lang="hu-HU" dirty="0"/>
-              <a:t>fájlt használtam.</a:t>
+              <a:rPr lang="hu-HU" dirty="0"/>
+              <a:t>A BERT modellel (SZTAKI-HLT/</a:t>
+            </a:r>
+            <a:r>
+              <a:rPr lang="hu-HU" dirty="0" err="1"/>
+              <a:t>hubert</a:t>
+            </a:r>
+            <a:r>
+              <a:rPr lang="hu-HU" dirty="0"/>
+              <a:t>-</a:t>
+            </a:r>
+            <a:r>
+              <a:rPr lang="hu-HU" dirty="0" err="1"/>
+              <a:t>base</a:t>
+            </a:r>
+            <a:r>
+              <a:rPr lang="hu-HU" dirty="0"/>
+              <a:t>-cc) 78%  pontossággal sikerült az amatőr költők verseiről eldönteni, </a:t>
+            </a:r>
+          </a:p>
+          <a:p>
+            <a:r>
+              <a:rPr lang="hu-HU" dirty="0"/>
+              <a:t>hogy pozitív vagy negatív hangulatú.</a:t>
             </a:r>
           </a:p>
           <a:p>
@@ -3692,154 +3686,46 @@
           <a:p>
             <a:r>
               <a:rPr lang="hu-HU" dirty="0"/>
-              <a:t>Pontosság: 77.14%</a:t>
-            </a:r>
-          </a:p>
-          <a:p>
-            <a:r>
-              <a:rPr lang="hu-HU" dirty="0"/>
-              <a:t>AUC: 0.8431</a:t>
-            </a:r>
-          </a:p>
-          <a:p>
+              <a:t>A  Poet.hu oldalról a pozitív és a negatív kategóriájú verseket 3 db Excelbe mentettem.</a:t>
+            </a:r>
+          </a:p>
+          <a:p>
+            <a:r>
+              <a:rPr lang="hu-HU" dirty="0"/>
+              <a:t>Az adatokat megvizsgáltam, kizártam néhány verset,  töröltem a </a:t>
+            </a:r>
             <a:r>
               <a:rPr lang="hu-HU" dirty="0" err="1"/>
-              <a:t>Precision</a:t>
-            </a:r>
-            <a:r>
-              <a:rPr lang="hu-HU" dirty="0"/>
-              <a:t>: 0.8000</a:t>
-            </a:r>
-          </a:p>
-          <a:p>
-            <a:r>
-              <a:rPr lang="hu-HU" dirty="0" err="1"/>
-              <a:t>Recall</a:t>
-            </a:r>
-            <a:r>
-              <a:rPr lang="hu-HU" dirty="0"/>
-              <a:t>: 0.7059</a:t>
-            </a:r>
-          </a:p>
-          <a:p>
-            <a:r>
-              <a:rPr lang="hu-HU" dirty="0"/>
-              <a:t>F1: 0.7500</a:t>
-            </a:r>
-          </a:p>
-          <a:p>
-            <a:r>
-              <a:rPr lang="hu-HU" dirty="0"/>
-              <a:t>sz. Pontosság: </a:t>
-            </a:r>
-            <a:r>
-              <a:rPr lang="hu-HU" dirty="0">
-                <a:solidFill>
-                  <a:srgbClr val="FF0000"/>
-                </a:solidFill>
-              </a:rPr>
-              <a:t>77.63%</a:t>
+              <a:t>duplikációkat</a:t>
+            </a:r>
+            <a:r>
+              <a:rPr lang="hu-HU" dirty="0"/>
+              <a:t>.</a:t>
+            </a:r>
+          </a:p>
+          <a:p>
+            <a:r>
+              <a:rPr lang="hu-HU" dirty="0"/>
+              <a:t>2db Excel felhasználásával tanítottam a modellt. A 3. Excellel teszteltem </a:t>
+            </a:r>
+          </a:p>
+          <a:p>
+            <a:r>
+              <a:rPr lang="hu-HU" dirty="0"/>
+              <a:t>a működést. Minden variációt kipróbáltam (A+B, teszt: C, A+C, teszt: B, B+C, teszt: C), közel azonos </a:t>
+            </a:r>
+          </a:p>
+          <a:p>
+            <a:r>
+              <a:rPr lang="hu-HU" dirty="0"/>
+              <a:t>eredményekre jutottam.</a:t>
             </a:r>
           </a:p>
           <a:p>
             <a:endParaRPr lang="hu-HU" dirty="0"/>
           </a:p>
           <a:p>
-            <a:r>
-              <a:rPr lang="hu-HU" b="1" dirty="0"/>
-              <a:t>Most: </a:t>
-            </a:r>
-            <a:r>
-              <a:rPr lang="hu-HU" dirty="0"/>
-              <a:t>A Modell készítéshez (Tanító és Validációs adatok) verseket: </a:t>
-            </a:r>
-            <a:r>
-              <a:rPr lang="hu-HU" b="1" dirty="0"/>
-              <a:t>ellenorzo_vers_adatok.xlsx </a:t>
-            </a:r>
-            <a:r>
-              <a:rPr lang="hu-HU" dirty="0"/>
-              <a:t>fájlba lett mentve.</a:t>
-            </a:r>
-          </a:p>
-          <a:p>
-            <a:r>
-              <a:rPr lang="hu-HU" dirty="0"/>
-              <a:t>Ellenőrzéshez (Teszt) a </a:t>
-            </a:r>
-            <a:r>
-              <a:rPr lang="hu-HU" b="1" dirty="0"/>
-              <a:t>vers_adatok.xlsx  </a:t>
-            </a:r>
-            <a:r>
-              <a:rPr lang="hu-HU" dirty="0"/>
-              <a:t>fájlt használtam.</a:t>
-            </a:r>
-          </a:p>
-          <a:p>
-            <a:r>
-              <a:rPr lang="hu-HU" dirty="0">
-                <a:solidFill>
-                  <a:srgbClr val="FF0000"/>
-                </a:solidFill>
-              </a:rPr>
-              <a:t>Az ellenorzo_vers_adatok.xlsx -t nem néztem át. Nem adattisztítás.</a:t>
-            </a:r>
-          </a:p>
-          <a:p>
-            <a:endParaRPr lang="hu-HU" dirty="0"/>
-          </a:p>
-          <a:p>
-            <a:r>
-              <a:rPr lang="hu-HU" dirty="0"/>
-              <a:t>Pontosság: 76.19%</a:t>
-            </a:r>
-          </a:p>
-          <a:p>
-            <a:r>
-              <a:rPr lang="hu-HU" dirty="0"/>
-              <a:t>AUC: 0.8980</a:t>
-            </a:r>
-          </a:p>
-          <a:p>
-            <a:r>
-              <a:rPr lang="hu-HU" dirty="0" err="1"/>
-              <a:t>Precision</a:t>
-            </a:r>
-            <a:r>
-              <a:rPr lang="hu-HU" dirty="0"/>
-              <a:t>: 0.8235</a:t>
-            </a:r>
-          </a:p>
-          <a:p>
-            <a:r>
-              <a:rPr lang="hu-HU" dirty="0" err="1"/>
-              <a:t>Recall</a:t>
-            </a:r>
-            <a:r>
-              <a:rPr lang="hu-HU" dirty="0"/>
-              <a:t>: 0.6667</a:t>
-            </a:r>
-          </a:p>
-          <a:p>
-            <a:r>
-              <a:rPr lang="hu-HU" dirty="0"/>
-              <a:t>F1: 0.7368</a:t>
-            </a:r>
-          </a:p>
-          <a:p>
-            <a:r>
-              <a:rPr lang="hu-HU" dirty="0"/>
-              <a:t>sz. Pontosság: </a:t>
-            </a:r>
-            <a:r>
-              <a:rPr lang="hu-HU" dirty="0">
-                <a:solidFill>
-                  <a:srgbClr val="FF0000"/>
-                </a:solidFill>
-              </a:rPr>
-              <a:t>73.33%</a:t>
-            </a:r>
+            <a:endParaRPr lang="hu-HU" b="1" dirty="0"/>
           </a:p>
           <a:p>
             <a:endParaRPr lang="hu-HU" dirty="0"/>
@@ -3849,7 +3735,7 @@
     </p:spTree>
     <p:extLst>
       <p:ext uri="{BB962C8B-B14F-4D97-AF65-F5344CB8AC3E}">
-        <p14:creationId xmlns:p14="http://schemas.microsoft.com/office/powerpoint/2010/main" val="1720403126"/>
+        <p14:creationId xmlns:p14="http://schemas.microsoft.com/office/powerpoint/2010/main" val="2585393785"/>
       </p:ext>
     </p:extLst>
   </p:cSld>
@@ -3881,7 +3767,7 @@
           <p:cNvPr id="4" name="Szövegdoboz 3">
             <a:extLst>
               <a:ext uri="{FF2B5EF4-FFF2-40B4-BE49-F238E27FC236}">
-                <a16:creationId xmlns:a16="http://schemas.microsoft.com/office/drawing/2014/main" id="{257A02D9-82E4-FF40-ADEC-78EB4BEAC68E}"/>
+                <a16:creationId xmlns:a16="http://schemas.microsoft.com/office/drawing/2014/main" id="{CE2641A4-3492-C6F3-95F0-4693693D4121}"/>
               </a:ext>
             </a:extLst>
           </p:cNvPr>
@@ -3890,8 +3776,8 @@
         </p:nvSpPr>
         <p:spPr>
           <a:xfrm>
-            <a:off x="324051" y="258901"/>
-            <a:ext cx="11543898" cy="4124206"/>
+            <a:off x="268448" y="343949"/>
+            <a:ext cx="9225282" cy="1754326"/>
           </a:xfrm>
           <a:prstGeom prst="rect">
             <a:avLst/>
@@ -3899,618 +3785,6 @@
           <a:noFill/>
         </p:spPr>
         <p:txBody>
-          <a:bodyPr wrap="square" rtlCol="0">
-            <a:spAutoFit/>
-          </a:bodyPr>
-          <a:lstStyle/>
-          <a:p>
-            <a:r>
-              <a:rPr lang="hu-HU" sz="2800" b="1" dirty="0"/>
-              <a:t>Saját verseken teszt</a:t>
-            </a:r>
-          </a:p>
-          <a:p>
-            <a:endParaRPr lang="hu-HU" b="1" dirty="0"/>
-          </a:p>
-          <a:p>
-            <a:r>
-              <a:rPr lang="hu-HU" dirty="0"/>
-              <a:t>Vers: </a:t>
-            </a:r>
-            <a:r>
-              <a:rPr lang="hu-HU" dirty="0" err="1"/>
-              <a:t>Makesz</a:t>
-            </a:r>
-            <a:r>
-              <a:rPr lang="hu-HU" dirty="0"/>
-              <a:t> ma kezd. Kezében keksz. Mit </a:t>
-            </a:r>
-            <a:r>
-              <a:rPr lang="hu-HU" dirty="0" err="1"/>
-              <a:t>kapot</a:t>
-            </a:r>
-            <a:r>
-              <a:rPr lang="hu-HU" dirty="0"/>
-              <a:t>... </a:t>
-            </a:r>
-            <a:r>
-              <a:rPr lang="hu-HU" dirty="0" err="1"/>
-              <a:t>Predikció</a:t>
-            </a:r>
-            <a:r>
-              <a:rPr lang="hu-HU" dirty="0"/>
-              <a:t>: </a:t>
-            </a:r>
-            <a:r>
-              <a:rPr lang="hu-HU" dirty="0" err="1"/>
-              <a:t>poz</a:t>
-            </a:r>
-            <a:r>
-              <a:rPr lang="hu-HU" dirty="0"/>
-              <a:t> (pozitív) | Valódi: </a:t>
-            </a:r>
-            <a:r>
-              <a:rPr lang="hu-HU" dirty="0" err="1"/>
-              <a:t>poz</a:t>
-            </a:r>
-            <a:r>
-              <a:rPr lang="hu-HU" dirty="0"/>
-              <a:t> (pozitív)</a:t>
-            </a:r>
-          </a:p>
-          <a:p>
-            <a:r>
-              <a:rPr lang="hu-HU" dirty="0"/>
-              <a:t>Vers: Tudsz, strucc, a szobában ülni? Tudsz, s... </a:t>
-            </a:r>
-            <a:r>
-              <a:rPr lang="hu-HU" dirty="0" err="1"/>
-              <a:t>Predikció</a:t>
-            </a:r>
-            <a:r>
-              <a:rPr lang="hu-HU" dirty="0"/>
-              <a:t>: </a:t>
-            </a:r>
-            <a:r>
-              <a:rPr lang="hu-HU" dirty="0" err="1"/>
-              <a:t>poz</a:t>
-            </a:r>
-            <a:r>
-              <a:rPr lang="hu-HU" dirty="0"/>
-              <a:t> (pozitív) | Valódi: </a:t>
-            </a:r>
-            <a:r>
-              <a:rPr lang="hu-HU" dirty="0" err="1"/>
-              <a:t>poz</a:t>
-            </a:r>
-            <a:r>
-              <a:rPr lang="hu-HU" dirty="0"/>
-              <a:t> (pozitív)</a:t>
-            </a:r>
-            <a:endParaRPr lang="hu-HU" b="1" dirty="0"/>
-          </a:p>
-          <a:p>
-            <a:r>
-              <a:rPr lang="hu-HU" dirty="0"/>
-              <a:t>Vers: Szeretem, ha süt rám a Nap. A tóból </a:t>
-            </a:r>
-            <a:r>
-              <a:rPr lang="hu-HU" dirty="0" err="1"/>
-              <a:t>kifo</a:t>
-            </a:r>
-            <a:r>
-              <a:rPr lang="hu-HU" dirty="0"/>
-              <a:t>... </a:t>
-            </a:r>
-            <a:r>
-              <a:rPr lang="hu-HU" dirty="0" err="1"/>
-              <a:t>Predikció</a:t>
-            </a:r>
-            <a:r>
-              <a:rPr lang="hu-HU" dirty="0"/>
-              <a:t>: </a:t>
-            </a:r>
-            <a:r>
-              <a:rPr lang="hu-HU" dirty="0" err="1"/>
-              <a:t>poz</a:t>
-            </a:r>
-            <a:r>
-              <a:rPr lang="hu-HU" dirty="0"/>
-              <a:t> (pozitív) | Valódi: </a:t>
-            </a:r>
-            <a:r>
-              <a:rPr lang="hu-HU" dirty="0" err="1"/>
-              <a:t>poz</a:t>
-            </a:r>
-            <a:r>
-              <a:rPr lang="hu-HU" dirty="0"/>
-              <a:t> (pozitív)</a:t>
-            </a:r>
-            <a:endParaRPr lang="hu-HU" b="1" dirty="0"/>
-          </a:p>
-          <a:p>
-            <a:r>
-              <a:rPr lang="hu-HU" dirty="0"/>
-              <a:t>Vers: Kiflit enni volna jó! De nem volt nálam ... </a:t>
-            </a:r>
-            <a:r>
-              <a:rPr lang="hu-HU" dirty="0" err="1"/>
-              <a:t>Predikció</a:t>
-            </a:r>
-            <a:r>
-              <a:rPr lang="hu-HU" dirty="0"/>
-              <a:t>: </a:t>
-            </a:r>
-            <a:r>
-              <a:rPr lang="hu-HU" dirty="0" err="1"/>
-              <a:t>poz</a:t>
-            </a:r>
-            <a:r>
-              <a:rPr lang="hu-HU" dirty="0"/>
-              <a:t> (pozitív) | Valódi: </a:t>
-            </a:r>
-            <a:r>
-              <a:rPr lang="hu-HU" dirty="0" err="1"/>
-              <a:t>poz</a:t>
-            </a:r>
-            <a:r>
-              <a:rPr lang="hu-HU" dirty="0"/>
-              <a:t> (pozitív)</a:t>
-            </a:r>
-          </a:p>
-          <a:p>
-            <a:r>
-              <a:rPr lang="hu-HU" dirty="0"/>
-              <a:t>Vers: az ég nagyon kék a fű zöld és teli van p... </a:t>
-            </a:r>
-            <a:r>
-              <a:rPr lang="hu-HU" dirty="0" err="1"/>
-              <a:t>Predikció</a:t>
-            </a:r>
-            <a:r>
-              <a:rPr lang="hu-HU" dirty="0"/>
-              <a:t>: </a:t>
-            </a:r>
-            <a:r>
-              <a:rPr lang="hu-HU" dirty="0" err="1"/>
-              <a:t>poz</a:t>
-            </a:r>
-            <a:r>
-              <a:rPr lang="hu-HU" dirty="0"/>
-              <a:t> (pozitív) | Valódi: </a:t>
-            </a:r>
-            <a:r>
-              <a:rPr lang="hu-HU" dirty="0" err="1"/>
-              <a:t>poz</a:t>
-            </a:r>
-            <a:r>
-              <a:rPr lang="hu-HU" dirty="0"/>
-              <a:t> (pozitív)</a:t>
-            </a:r>
-          </a:p>
-          <a:p>
-            <a:r>
-              <a:rPr lang="hu-HU" dirty="0">
-                <a:solidFill>
-                  <a:schemeClr val="tx2">
-                    <a:lumMod val="50000"/>
-                    <a:lumOff val="50000"/>
-                  </a:schemeClr>
-                </a:solidFill>
-              </a:rPr>
-              <a:t>Vers: Nem tudok focizni. Nem vesz be a csapat.... </a:t>
-            </a:r>
-            <a:r>
-              <a:rPr lang="hu-HU" dirty="0" err="1">
-                <a:solidFill>
-                  <a:schemeClr val="tx2">
-                    <a:lumMod val="50000"/>
-                    <a:lumOff val="50000"/>
-                  </a:schemeClr>
-                </a:solidFill>
-              </a:rPr>
-              <a:t>Predikció</a:t>
-            </a:r>
-            <a:r>
-              <a:rPr lang="hu-HU" dirty="0">
-                <a:solidFill>
-                  <a:schemeClr val="tx2">
-                    <a:lumMod val="50000"/>
-                    <a:lumOff val="50000"/>
-                  </a:schemeClr>
-                </a:solidFill>
-              </a:rPr>
-              <a:t>: </a:t>
-            </a:r>
-            <a:r>
-              <a:rPr lang="hu-HU" dirty="0" err="1">
-                <a:solidFill>
-                  <a:schemeClr val="tx2">
-                    <a:lumMod val="50000"/>
-                    <a:lumOff val="50000"/>
-                  </a:schemeClr>
-                </a:solidFill>
-              </a:rPr>
-              <a:t>poz</a:t>
-            </a:r>
-            <a:r>
-              <a:rPr lang="hu-HU" dirty="0">
-                <a:solidFill>
-                  <a:schemeClr val="tx2">
-                    <a:lumMod val="50000"/>
-                    <a:lumOff val="50000"/>
-                  </a:schemeClr>
-                </a:solidFill>
-              </a:rPr>
-              <a:t> (pozitív) | Valódi: </a:t>
-            </a:r>
-            <a:r>
-              <a:rPr lang="hu-HU" dirty="0" err="1">
-                <a:solidFill>
-                  <a:schemeClr val="tx2">
-                    <a:lumMod val="50000"/>
-                    <a:lumOff val="50000"/>
-                  </a:schemeClr>
-                </a:solidFill>
-              </a:rPr>
-              <a:t>neg</a:t>
-            </a:r>
-            <a:r>
-              <a:rPr lang="hu-HU" dirty="0">
-                <a:solidFill>
-                  <a:schemeClr val="tx2">
-                    <a:lumMod val="50000"/>
-                    <a:lumOff val="50000"/>
-                  </a:schemeClr>
-                </a:solidFill>
-              </a:rPr>
-              <a:t> (negatív)</a:t>
-            </a:r>
-          </a:p>
-          <a:p>
-            <a:r>
-              <a:rPr lang="hu-HU" dirty="0">
-                <a:solidFill>
-                  <a:schemeClr val="tx2">
-                    <a:lumMod val="50000"/>
-                    <a:lumOff val="50000"/>
-                  </a:schemeClr>
-                </a:solidFill>
-              </a:rPr>
-              <a:t>Vers: Esik az eső a prolira. Megy a gyerek ovi... </a:t>
-            </a:r>
-            <a:r>
-              <a:rPr lang="hu-HU" dirty="0" err="1">
-                <a:solidFill>
-                  <a:schemeClr val="tx2">
-                    <a:lumMod val="50000"/>
-                    <a:lumOff val="50000"/>
-                  </a:schemeClr>
-                </a:solidFill>
-              </a:rPr>
-              <a:t>Predikció</a:t>
-            </a:r>
-            <a:r>
-              <a:rPr lang="hu-HU" dirty="0">
-                <a:solidFill>
-                  <a:schemeClr val="tx2">
-                    <a:lumMod val="50000"/>
-                    <a:lumOff val="50000"/>
-                  </a:schemeClr>
-                </a:solidFill>
-              </a:rPr>
-              <a:t>: </a:t>
-            </a:r>
-            <a:r>
-              <a:rPr lang="hu-HU" dirty="0" err="1">
-                <a:solidFill>
-                  <a:schemeClr val="tx2">
-                    <a:lumMod val="50000"/>
-                    <a:lumOff val="50000"/>
-                  </a:schemeClr>
-                </a:solidFill>
-              </a:rPr>
-              <a:t>poz</a:t>
-            </a:r>
-            <a:r>
-              <a:rPr lang="hu-HU" dirty="0">
-                <a:solidFill>
-                  <a:schemeClr val="tx2">
-                    <a:lumMod val="50000"/>
-                    <a:lumOff val="50000"/>
-                  </a:schemeClr>
-                </a:solidFill>
-              </a:rPr>
-              <a:t> (pozitív) | Valódi: </a:t>
-            </a:r>
-            <a:r>
-              <a:rPr lang="hu-HU" dirty="0" err="1">
-                <a:solidFill>
-                  <a:schemeClr val="tx2">
-                    <a:lumMod val="50000"/>
-                    <a:lumOff val="50000"/>
-                  </a:schemeClr>
-                </a:solidFill>
-              </a:rPr>
-              <a:t>neg</a:t>
-            </a:r>
-            <a:r>
-              <a:rPr lang="hu-HU" dirty="0">
-                <a:solidFill>
-                  <a:schemeClr val="tx2">
-                    <a:lumMod val="50000"/>
-                    <a:lumOff val="50000"/>
-                  </a:schemeClr>
-                </a:solidFill>
-              </a:rPr>
-              <a:t> (negatív)</a:t>
-            </a:r>
-          </a:p>
-          <a:p>
-            <a:r>
-              <a:rPr lang="hu-HU" dirty="0">
-                <a:solidFill>
-                  <a:schemeClr val="tx2">
-                    <a:lumMod val="50000"/>
-                    <a:lumOff val="50000"/>
-                  </a:schemeClr>
-                </a:solidFill>
-              </a:rPr>
-              <a:t>Vers: Útra keltem megkeresni az Arany-hegyet. ... </a:t>
-            </a:r>
-            <a:r>
-              <a:rPr lang="hu-HU" dirty="0" err="1">
-                <a:solidFill>
-                  <a:schemeClr val="tx2">
-                    <a:lumMod val="50000"/>
-                    <a:lumOff val="50000"/>
-                  </a:schemeClr>
-                </a:solidFill>
-              </a:rPr>
-              <a:t>Predikció</a:t>
-            </a:r>
-            <a:r>
-              <a:rPr lang="hu-HU" dirty="0">
-                <a:solidFill>
-                  <a:schemeClr val="tx2">
-                    <a:lumMod val="50000"/>
-                    <a:lumOff val="50000"/>
-                  </a:schemeClr>
-                </a:solidFill>
-              </a:rPr>
-              <a:t>: </a:t>
-            </a:r>
-            <a:r>
-              <a:rPr lang="hu-HU" dirty="0" err="1">
-                <a:solidFill>
-                  <a:schemeClr val="tx2">
-                    <a:lumMod val="50000"/>
-                    <a:lumOff val="50000"/>
-                  </a:schemeClr>
-                </a:solidFill>
-              </a:rPr>
-              <a:t>poz</a:t>
-            </a:r>
-            <a:r>
-              <a:rPr lang="hu-HU" dirty="0">
-                <a:solidFill>
-                  <a:schemeClr val="tx2">
-                    <a:lumMod val="50000"/>
-                    <a:lumOff val="50000"/>
-                  </a:schemeClr>
-                </a:solidFill>
-              </a:rPr>
-              <a:t> (pozitív) | Valódi: </a:t>
-            </a:r>
-            <a:r>
-              <a:rPr lang="hu-HU" dirty="0" err="1">
-                <a:solidFill>
-                  <a:schemeClr val="tx2">
-                    <a:lumMod val="50000"/>
-                    <a:lumOff val="50000"/>
-                  </a:schemeClr>
-                </a:solidFill>
-              </a:rPr>
-              <a:t>neg</a:t>
-            </a:r>
-            <a:r>
-              <a:rPr lang="hu-HU" dirty="0">
-                <a:solidFill>
-                  <a:schemeClr val="tx2">
-                    <a:lumMod val="50000"/>
-                    <a:lumOff val="50000"/>
-                  </a:schemeClr>
-                </a:solidFill>
-              </a:rPr>
-              <a:t> (negatív)</a:t>
-            </a:r>
-          </a:p>
-          <a:p>
-            <a:endParaRPr lang="hu-HU" dirty="0">
-              <a:solidFill>
-                <a:schemeClr val="tx2">
-                  <a:lumMod val="50000"/>
-                  <a:lumOff val="50000"/>
-                </a:schemeClr>
-              </a:solidFill>
-            </a:endParaRPr>
-          </a:p>
-          <a:p>
-            <a:r>
-              <a:rPr lang="hu-HU" dirty="0"/>
-              <a:t>A vicces, vidám hangulatúakat jól </a:t>
-            </a:r>
-            <a:r>
-              <a:rPr lang="hu-HU" dirty="0" err="1"/>
-              <a:t>prediktálta</a:t>
-            </a:r>
-            <a:r>
-              <a:rPr lang="hu-HU" dirty="0"/>
-              <a:t>.</a:t>
-            </a:r>
-          </a:p>
-          <a:p>
-            <a:endParaRPr lang="hu-HU" dirty="0"/>
-          </a:p>
-          <a:p>
-            <a:r>
-              <a:rPr lang="hu-HU" dirty="0"/>
-              <a:t>Az elégikus, mélabús hangulatúakat is inkább a pozitív kategóriába sorolta.</a:t>
-            </a:r>
-          </a:p>
-        </p:txBody>
-      </p:sp>
-    </p:spTree>
-    <p:extLst>
-      <p:ext uri="{BB962C8B-B14F-4D97-AF65-F5344CB8AC3E}">
-        <p14:creationId xmlns:p14="http://schemas.microsoft.com/office/powerpoint/2010/main" val="1588405601"/>
-      </p:ext>
-    </p:extLst>
-  </p:cSld>
-  <p:clrMapOvr>
-    <a:masterClrMapping/>
-  </p:clrMapOvr>
-</p:sld>
-</file>
-
-<file path=ppt/slides/slide12.xml><?xml version="1.0" encoding="utf-8"?>
-<p:sld xmlns:a="http://schemas.openxmlformats.org/drawingml/2006/main" xmlns:r="http://schemas.openxmlformats.org/officeDocument/2006/relationships" xmlns:p="http://schemas.openxmlformats.org/presentationml/2006/main">
-  <p:cSld>
-    <p:spTree>
-      <p:nvGrpSpPr>
-        <p:cNvPr id="1" name=""/>
-        <p:cNvGrpSpPr/>
-        <p:nvPr/>
-      </p:nvGrpSpPr>
-      <p:grpSpPr>
-        <a:xfrm>
-          <a:off x="0" y="0"/>
-          <a:ext cx="0" cy="0"/>
-          <a:chOff x="0" y="0"/>
-          <a:chExt cx="0" cy="0"/>
-        </a:xfrm>
-      </p:grpSpPr>
-      <p:sp>
-        <p:nvSpPr>
-          <p:cNvPr id="5" name="Szövegdoboz 4">
-            <a:extLst>
-              <a:ext uri="{FF2B5EF4-FFF2-40B4-BE49-F238E27FC236}">
-                <a16:creationId xmlns:a16="http://schemas.microsoft.com/office/drawing/2014/main" id="{C879A27E-04E1-4F79-F94C-80EC538FA185}"/>
-              </a:ext>
-            </a:extLst>
-          </p:cNvPr>
-          <p:cNvSpPr txBox="1"/>
-          <p:nvPr/>
-        </p:nvSpPr>
-        <p:spPr>
-          <a:xfrm>
-            <a:off x="268448" y="343949"/>
-            <a:ext cx="7331978" cy="2031325"/>
-          </a:xfrm>
-          <a:prstGeom prst="rect">
-            <a:avLst/>
-          </a:prstGeom>
-          <a:noFill/>
-        </p:spPr>
-        <p:txBody>
-          <a:bodyPr wrap="square" rtlCol="0">
-            <a:spAutoFit/>
-          </a:bodyPr>
-          <a:lstStyle/>
-          <a:p>
-            <a:r>
-              <a:rPr lang="hu-HU" sz="3600" b="1" dirty="0"/>
-              <a:t>TODO:</a:t>
-            </a:r>
-          </a:p>
-          <a:p>
-            <a:endParaRPr lang="hu-HU" b="1" dirty="0"/>
-          </a:p>
-          <a:p>
-            <a:r>
-              <a:rPr lang="hu-HU" dirty="0"/>
-              <a:t>Magyar versek érzelem elemzésére melyik a legjobb modell: </a:t>
-            </a:r>
-          </a:p>
-          <a:p>
-            <a:r>
-              <a:rPr lang="hu-HU" dirty="0"/>
-              <a:t>NYTK/</a:t>
-            </a:r>
-            <a:r>
-              <a:rPr lang="hu-HU" dirty="0" err="1"/>
-              <a:t>sentence-transformers-experimental-hubert-hungarian</a:t>
-            </a:r>
-            <a:r>
-              <a:rPr lang="hu-HU"/>
-              <a:t> kipróbál…</a:t>
-            </a:r>
-            <a:endParaRPr lang="hu-HU" dirty="0"/>
-          </a:p>
-          <a:p>
-            <a:endParaRPr lang="hu-HU" dirty="0"/>
-          </a:p>
-          <a:p>
-            <a:r>
-              <a:rPr lang="hu-HU" dirty="0"/>
-              <a:t>Finom hangolás után</a:t>
-            </a:r>
-          </a:p>
-        </p:txBody>
-      </p:sp>
-    </p:spTree>
-    <p:extLst>
-      <p:ext uri="{BB962C8B-B14F-4D97-AF65-F5344CB8AC3E}">
-        <p14:creationId xmlns:p14="http://schemas.microsoft.com/office/powerpoint/2010/main" val="3236190833"/>
-      </p:ext>
-    </p:extLst>
-  </p:cSld>
-  <p:clrMapOvr>
-    <a:masterClrMapping/>
-  </p:clrMapOvr>
-</p:sld>
-</file>
-
-<file path=ppt/slides/slide13.xml><?xml version="1.0" encoding="utf-8"?>
-<p:sld xmlns:a="http://schemas.openxmlformats.org/drawingml/2006/main" xmlns:r="http://schemas.openxmlformats.org/officeDocument/2006/relationships" xmlns:p="http://schemas.openxmlformats.org/presentationml/2006/main">
-  <p:cSld>
-    <p:spTree>
-      <p:nvGrpSpPr>
-        <p:cNvPr id="1" name=""/>
-        <p:cNvGrpSpPr/>
-        <p:nvPr/>
-      </p:nvGrpSpPr>
-      <p:grpSpPr>
-        <a:xfrm>
-          <a:off x="0" y="0"/>
-          <a:ext cx="0" cy="0"/>
-          <a:chOff x="0" y="0"/>
-          <a:chExt cx="0" cy="0"/>
-        </a:xfrm>
-      </p:grpSpPr>
-      <p:sp>
-        <p:nvSpPr>
-          <p:cNvPr id="4" name="Szövegdoboz 3">
-            <a:extLst>
-              <a:ext uri="{FF2B5EF4-FFF2-40B4-BE49-F238E27FC236}">
-                <a16:creationId xmlns:a16="http://schemas.microsoft.com/office/drawing/2014/main" id="{CE2641A4-3492-C6F3-95F0-4693693D4121}"/>
-              </a:ext>
-            </a:extLst>
-          </p:cNvPr>
-          <p:cNvSpPr txBox="1"/>
-          <p:nvPr/>
-        </p:nvSpPr>
-        <p:spPr>
-          <a:xfrm>
-            <a:off x="268448" y="343949"/>
-            <a:ext cx="9225282" cy="2031325"/>
-          </a:xfrm>
-          <a:prstGeom prst="rect">
-            <a:avLst/>
-          </a:prstGeom>
-          <a:noFill/>
-        </p:spPr>
-        <p:txBody>
           <a:bodyPr wrap="none" rtlCol="0">
             <a:spAutoFit/>
           </a:bodyPr>
@@ -4522,13 +3796,6 @@
             </a:r>
           </a:p>
           <a:p>
-            <a:endParaRPr lang="hu-HU" b="1" dirty="0"/>
-          </a:p>
-          <a:p>
-            <a:r>
-              <a:rPr lang="hu-HU" dirty="0"/>
-              <a:t>A magyar nyelv nehéz, árnyalt kifejezésekre képes nyelv.  </a:t>
-            </a:r>
             <a:br>
               <a:rPr lang="hu-HU" dirty="0"/>
             </a:br>
@@ -4569,7 +3836,7 @@
 </p:sld>
 </file>
 
-<file path=ppt/slides/slide14.xml><?xml version="1.0" encoding="utf-8"?>
+<file path=ppt/slides/slide12.xml><?xml version="1.0" encoding="utf-8"?>
 <p:sld xmlns:a="http://schemas.openxmlformats.org/drawingml/2006/main" xmlns:r="http://schemas.openxmlformats.org/officeDocument/2006/relationships" xmlns:p="http://schemas.openxmlformats.org/presentationml/2006/main">
   <p:cSld>
     <p:spTree>
@@ -4760,7 +4027,15 @@
             </a:r>
             <a:r>
               <a:rPr lang="hu-HU" dirty="0"/>
-              <a:t>: nagy mennyiségű adat feldolgozása esetén hasznos. (Többször 20-30x futtattam le a kódot. Nem fogyasztottam </a:t>
+              <a:t>: nagy mennyiségű adat feldolgozása esetén hasznos. (</a:t>
+            </a:r>
+            <a:r>
+              <a:rPr lang="hu-HU" dirty="0" err="1"/>
+              <a:t>Többszörfuttattam</a:t>
+            </a:r>
+            <a:r>
+              <a:rPr lang="hu-HU" dirty="0"/>
+              <a:t> le a kódot. Nem fogyasztottam </a:t>
             </a:r>
             <a:r>
               <a:rPr lang="hu-HU" dirty="0" err="1"/>
@@ -4909,7 +4184,7 @@
         <p:spPr>
           <a:xfrm>
             <a:off x="327804" y="224286"/>
-            <a:ext cx="11434669" cy="7017306"/>
+            <a:ext cx="11598432" cy="6463308"/>
           </a:xfrm>
           <a:prstGeom prst="rect">
             <a:avLst/>
@@ -4952,8 +4227,18 @@
               <a:rPr lang="hu-HU" dirty="0"/>
             </a:br>
             <a:r>
-              <a:rPr lang="hu-HU" dirty="0"/>
-              <a:t>Pozitív kategóriájú versek: </a:t>
+              <a:rPr lang="hu-HU" b="1" dirty="0">
+                <a:solidFill>
+                  <a:schemeClr val="accent6">
+                    <a:lumMod val="75000"/>
+                  </a:schemeClr>
+                </a:solidFill>
+              </a:rPr>
+              <a:t>Pozitív</a:t>
+            </a:r>
+            <a:r>
+              <a:rPr lang="hu-HU" dirty="0"/>
+              <a:t> kategóriájú versek: </a:t>
             </a:r>
             <a:r>
               <a:rPr lang="hu-HU" b="1" dirty="0"/>
@@ -4965,8 +4250,16 @@
           </a:p>
           <a:p>
             <a:r>
-              <a:rPr lang="hu-HU" dirty="0"/>
-              <a:t>Negatív versek: </a:t>
+              <a:rPr lang="hu-HU" b="1" dirty="0">
+                <a:solidFill>
+                  <a:srgbClr val="FF0000"/>
+                </a:solidFill>
+              </a:rPr>
+              <a:t>Negatív</a:t>
+            </a:r>
+            <a:r>
+              <a:rPr lang="hu-HU" dirty="0"/>
+              <a:t> versek: </a:t>
             </a:r>
             <a:r>
               <a:rPr lang="hu-HU" b="1" dirty="0"/>
@@ -4992,29 +4285,46 @@
           <a:p>
             <a:r>
               <a:rPr lang="hu-HU" dirty="0"/>
-              <a:t>A Modell készítéshez (Tanító és Validációs adatok) verseket: </a:t>
+              <a:t>Modell készítéshez és a  Teszteléshez 3db Excelt készítettem (A, B, C) web </a:t>
+            </a:r>
+            <a:r>
+              <a:rPr lang="hu-HU" dirty="0" err="1"/>
+              <a:t>scraping</a:t>
+            </a:r>
+            <a:r>
+              <a:rPr lang="hu-HU" dirty="0"/>
+              <a:t> módszerrel.</a:t>
+            </a:r>
+            <a:br>
+              <a:rPr lang="hu-HU" dirty="0"/>
+            </a:br>
+            <a:r>
+              <a:rPr lang="hu-HU" dirty="0"/>
+              <a:t>(</a:t>
             </a:r>
             <a:r>
               <a:rPr lang="hu-HU" b="1" dirty="0"/>
-              <a:t>vers_adatok.xlsx </a:t>
-            </a:r>
-            <a:r>
-              <a:rPr lang="hu-HU" dirty="0"/>
-              <a:t>fájlba lett mentve.</a:t>
-            </a:r>
-          </a:p>
-          <a:p>
-            <a:r>
-              <a:rPr lang="hu-HU" dirty="0"/>
-              <a:t>Ellenőrzéshez (Teszt) a </a:t>
+              <a:t>A</a:t>
+            </a:r>
+            <a:r>
+              <a:rPr lang="hu-HU" dirty="0"/>
+              <a:t>:189, </a:t>
             </a:r>
             <a:r>
               <a:rPr lang="hu-HU" b="1" dirty="0"/>
-              <a:t>ellenorzo_vers_adatok.xlsx </a:t>
-            </a:r>
-            <a:r>
-              <a:rPr lang="hu-HU" dirty="0"/>
-              <a:t>fájlt használtam.</a:t>
+              <a:t>B</a:t>
+            </a:r>
+            <a:r>
+              <a:rPr lang="hu-HU" dirty="0"/>
+              <a:t>: 219, </a:t>
+            </a:r>
+            <a:r>
+              <a:rPr lang="hu-HU" b="1" dirty="0"/>
+              <a:t>C</a:t>
+            </a:r>
+            <a:r>
+              <a:rPr lang="hu-HU" dirty="0"/>
+              <a:t>: 240 db verset tartalmazott.)</a:t>
             </a:r>
           </a:p>
           <a:p>
@@ -5048,26 +4358,22 @@
           <a:p>
             <a:r>
               <a:rPr lang="hu-HU" b="1" dirty="0"/>
-              <a:t>Adattisztítás: </a:t>
-            </a:r>
-            <a:r>
-              <a:rPr lang="hu-HU" dirty="0"/>
-              <a:t>A Modell készítéshez használt adatoknál (vers_adatok.xlsx) a Pozitív besorolású verseket átnéztem, </a:t>
+              <a:t>Adatok vizsgálata: </a:t>
+            </a:r>
+            <a:r>
+              <a:rPr lang="hu-HU" dirty="0"/>
+              <a:t>A verseket átnéztem (átfutottam).  Néhányat OFF jelzővel láttam el. </a:t>
             </a:r>
             <a:br>
               <a:rPr lang="hu-HU" dirty="0"/>
             </a:br>
             <a:r>
-              <a:rPr lang="hu-HU" dirty="0"/>
-              <a:t>a köztük a negatív hangulatúakat OFF jelzővel láttam el (kivettem). (további szűrések: kizárások, </a:t>
-            </a:r>
-            <a:r>
               <a:rPr lang="hu-HU" dirty="0" err="1"/>
-              <a:t>duplikációk</a:t>
-            </a:r>
-            <a:r>
-              <a:rPr lang="hu-HU" dirty="0"/>
-              <a:t>)</a:t>
+              <a:t>Duplikációkra</a:t>
+            </a:r>
+            <a:r>
+              <a:rPr lang="hu-HU" dirty="0"/>
+              <a:t> figyeltem, a tanító, validációs, teszt adatoknál ne legyen azonos vers.</a:t>
             </a:r>
           </a:p>
           <a:p>
@@ -5080,57 +4386,35 @@
             </a:r>
             <a:r>
               <a:rPr lang="hu-HU" dirty="0"/>
-              <a:t>Pozitív versek száma: </a:t>
-            </a:r>
-            <a:r>
-              <a:rPr lang="hu-HU" b="1" dirty="0"/>
-              <a:t>88</a:t>
-            </a:r>
-            <a:r>
-              <a:rPr lang="hu-HU" dirty="0"/>
-              <a:t>, Negatív versek: </a:t>
-            </a:r>
-            <a:r>
-              <a:rPr lang="hu-HU" b="1" dirty="0"/>
-              <a:t>88</a:t>
-            </a:r>
-            <a:r>
-              <a:rPr lang="hu-HU" dirty="0"/>
-              <a:t>  (</a:t>
-            </a:r>
-            <a:r>
-              <a:rPr lang="hu-HU" dirty="0" err="1"/>
-              <a:t>DataFrame</a:t>
-            </a:r>
-            <a:r>
-              <a:rPr lang="hu-HU" dirty="0"/>
-              <a:t> műveletek, hogy egyforma legyen)</a:t>
-            </a:r>
-          </a:p>
-          <a:p>
+              <a:t>A Modell tanítására szánt Exceleket (pl. A+B)  előbb kiegyensúlyoztam, egyenlő Pozitív és Negatív </a:t>
+            </a:r>
+            <a:br>
+              <a:rPr lang="hu-HU" dirty="0"/>
+            </a:br>
+            <a:r>
+              <a:rPr lang="hu-HU" dirty="0"/>
+              <a:t>hangulatú vers legyen a táblában.</a:t>
+            </a:r>
+            <a:br>
+              <a:rPr lang="hu-HU" dirty="0"/>
+            </a:br>
+            <a:r>
+              <a:rPr lang="hu-HU" dirty="0"/>
+              <a:t>A Tanító és Validációs arány: 70%-30%  </a:t>
+            </a:r>
+          </a:p>
+          <a:p>
+            <a:r>
+              <a:rPr lang="hu-HU" dirty="0"/>
+              <a:t>Pl. A+B (A és B Excelek egyesítésével)  a </a:t>
+            </a:r>
             <a:r>
               <a:rPr lang="hu-HU" dirty="0" err="1"/>
               <a:t>Train</a:t>
             </a:r>
             <a:r>
               <a:rPr lang="hu-HU" dirty="0"/>
-              <a:t> halmaz mérete: </a:t>
-            </a:r>
-            <a:r>
-              <a:rPr lang="hu-HU" b="1" dirty="0"/>
-              <a:t>140</a:t>
-            </a:r>
-            <a:r>
-              <a:rPr lang="hu-HU" dirty="0"/>
-              <a:t>, Validációs halmaz mérete: </a:t>
-            </a:r>
-            <a:r>
-              <a:rPr lang="hu-HU" b="1" dirty="0"/>
-              <a:t>36</a:t>
-            </a:r>
-            <a:r>
-              <a:rPr lang="hu-HU" dirty="0"/>
-              <a:t> (80%-20% -os elosztás)</a:t>
+              <a:t> halmaz mérete: 261, Validációs halmaz mérete: 113</a:t>
             </a:r>
           </a:p>
           <a:p>
@@ -5141,18 +4425,6 @@
           </a:p>
           <a:p>
             <a:endParaRPr lang="hu-HU" b="1" dirty="0"/>
-          </a:p>
-          <a:p>
-            <a:endParaRPr lang="hu-HU" b="1" dirty="0"/>
-          </a:p>
-          <a:p>
-            <a:endParaRPr lang="hu-HU" b="1" dirty="0"/>
-          </a:p>
-          <a:p>
-            <a:endParaRPr lang="hu-HU" b="1" dirty="0"/>
-          </a:p>
-          <a:p>
-            <a:endParaRPr lang="hu-HU" dirty="0"/>
           </a:p>
         </p:txBody>
       </p:sp>
@@ -5546,11 +4818,11 @@
             </a:r>
             <a:r>
               <a:rPr lang="hu-HU" b="1" dirty="0"/>
-              <a:t>8</a:t>
-            </a:r>
-            <a:r>
-              <a:rPr lang="hu-HU" dirty="0"/>
-              <a:t> (Kísérleteztem: 5,6,7,8,9 beállításokkal)</a:t>
+              <a:t>9</a:t>
+            </a:r>
+            <a:r>
+              <a:rPr lang="hu-HU" dirty="0"/>
+              <a:t> (Kísérleteztem: 5,6,7,8,9,10 beállításokkal)</a:t>
             </a:r>
           </a:p>
           <a:p>
@@ -5598,7 +4870,7 @@
             </a:r>
             <a:r>
               <a:rPr lang="hu-HU" b="1" dirty="0"/>
-              <a:t>5e-6</a:t>
+              <a:t>1e-5</a:t>
             </a:r>
           </a:p>
           <a:p>
@@ -5696,17 +4968,62 @@
           </a:p>
         </p:txBody>
       </p:sp>
+      <p:sp>
+        <p:nvSpPr>
+          <p:cNvPr id="2" name="AutoShape 2">
+            <a:extLst>
+              <a:ext uri="{FF2B5EF4-FFF2-40B4-BE49-F238E27FC236}">
+                <a16:creationId xmlns:a16="http://schemas.microsoft.com/office/drawing/2014/main" id="{DE0BB617-EDAE-B172-6654-488B34853833}"/>
+              </a:ext>
+            </a:extLst>
+          </p:cNvPr>
+          <p:cNvSpPr>
+            <a:spLocks noChangeAspect="1" noChangeArrowheads="1"/>
+          </p:cNvSpPr>
+          <p:nvPr/>
+        </p:nvSpPr>
+        <p:spPr bwMode="auto">
+          <a:xfrm>
+            <a:off x="5943600" y="3276600"/>
+            <a:ext cx="304800" cy="304800"/>
+          </a:xfrm>
+          <a:prstGeom prst="rect">
+            <a:avLst/>
+          </a:prstGeom>
+          <a:noFill/>
+          <a:extLst>
+            <a:ext uri="{909E8E84-426E-40DD-AFC4-6F175D3DCCD1}">
+              <a14:hiddenFill xmlns:a14="http://schemas.microsoft.com/office/drawing/2010/main">
+                <a:solidFill>
+                  <a:srgbClr val="FFFFFF"/>
+                </a:solidFill>
+              </a14:hiddenFill>
+            </a:ext>
+          </a:extLst>
+        </p:spPr>
+        <p:txBody>
+          <a:bodyPr vert="horz" wrap="square" lIns="91440" tIns="45720" rIns="91440" bIns="45720" numCol="1" anchor="t" anchorCtr="0" compatLnSpc="1">
+            <a:prstTxWarp prst="textNoShape">
+              <a:avLst/>
+            </a:prstTxWarp>
+          </a:bodyPr>
+          <a:lstStyle/>
+          <a:p>
+            <a:endParaRPr lang="hu-HU"/>
+          </a:p>
+        </p:txBody>
+      </p:sp>
       <p:pic>
         <p:nvPicPr>
-          <p:cNvPr id="8" name="Kép 7" descr="A képen szöveg, képernyőkép, szám, Betűtípus látható&#10;&#10;Előfordulhat, hogy az AI által létrehozott tartalom helytelen.">
-            <a:extLst>
-              <a:ext uri="{FF2B5EF4-FFF2-40B4-BE49-F238E27FC236}">
-                <a16:creationId xmlns:a16="http://schemas.microsoft.com/office/drawing/2014/main" id="{47EFD86C-17D8-D372-E124-2C3FF3484715}"/>
+          <p:cNvPr id="1032" name="Picture 8">
+            <a:extLst>
+              <a:ext uri="{FF2B5EF4-FFF2-40B4-BE49-F238E27FC236}">
+                <a16:creationId xmlns:a16="http://schemas.microsoft.com/office/drawing/2014/main" id="{27CCE2B7-DE72-1702-182E-02D2143AD26A}"/>
               </a:ext>
             </a:extLst>
           </p:cNvPr>
           <p:cNvPicPr>
-            <a:picLocks noChangeAspect="1"/>
+            <a:picLocks noChangeAspect="1" noChangeArrowheads="1"/>
           </p:cNvPicPr>
           <p:nvPr/>
         </p:nvPicPr>
@@ -5718,18 +5035,29 @@
               </a:ext>
             </a:extLst>
           </a:blip>
+          <a:srcRect/>
           <a:stretch>
             <a:fillRect/>
           </a:stretch>
         </p:blipFill>
-        <p:spPr>
+        <p:spPr bwMode="auto">
           <a:xfrm>
-            <a:off x="4805012" y="3583561"/>
-            <a:ext cx="5682322" cy="3165263"/>
+            <a:off x="3747474" y="3429000"/>
+            <a:ext cx="6985294" cy="3265397"/>
           </a:xfrm>
           <a:prstGeom prst="rect">
             <a:avLst/>
           </a:prstGeom>
+          <a:noFill/>
+          <a:extLst>
+            <a:ext uri="{909E8E84-426E-40DD-AFC4-6F175D3DCCD1}">
+              <a14:hiddenFill xmlns:a14="http://schemas.microsoft.com/office/drawing/2010/main">
+                <a:solidFill>
+                  <a:srgbClr val="FFFFFF"/>
+                </a:solidFill>
+              </a14:hiddenFill>
+            </a:ext>
+          </a:extLst>
         </p:spPr>
       </p:pic>
     </p:spTree>
@@ -5792,7 +5120,7 @@
           <a:p>
             <a:r>
               <a:rPr lang="hu-HU" b="1" dirty="0"/>
-              <a:t>BERT modell tanítás görbéje (8 </a:t>
+              <a:t>BERT modell tanítás görbéje (9 </a:t>
             </a:r>
             <a:r>
               <a:rPr lang="hu-HU" b="1" dirty="0" err="1"/>
@@ -5863,15 +5191,15 @@
       </p:sp>
       <p:pic>
         <p:nvPicPr>
-          <p:cNvPr id="3" name="Kép 2" descr="A képen sor, szöveg, Diagram, diagram látható&#10;&#10;Előfordulhat, hogy az AI által létrehozott tartalom helytelen.">
-            <a:extLst>
-              <a:ext uri="{FF2B5EF4-FFF2-40B4-BE49-F238E27FC236}">
-                <a16:creationId xmlns:a16="http://schemas.microsoft.com/office/drawing/2014/main" id="{A4C126F7-F380-9ADE-76A6-46006804511E}"/>
+          <p:cNvPr id="2050" name="Picture 2">
+            <a:extLst>
+              <a:ext uri="{FF2B5EF4-FFF2-40B4-BE49-F238E27FC236}">
+                <a16:creationId xmlns:a16="http://schemas.microsoft.com/office/drawing/2014/main" id="{977BC2E3-BB5B-723F-6DF7-A14284629E7D}"/>
               </a:ext>
             </a:extLst>
           </p:cNvPr>
           <p:cNvPicPr>
-            <a:picLocks noChangeAspect="1"/>
+            <a:picLocks noChangeAspect="1" noChangeArrowheads="1"/>
           </p:cNvPicPr>
           <p:nvPr/>
         </p:nvPicPr>
@@ -5883,18 +5211,29 @@
               </a:ext>
             </a:extLst>
           </a:blip>
+          <a:srcRect/>
           <a:stretch>
             <a:fillRect/>
           </a:stretch>
         </p:blipFill>
-        <p:spPr>
+        <p:spPr bwMode="auto">
           <a:xfrm>
-            <a:off x="446594" y="1561411"/>
-            <a:ext cx="7507703" cy="5106542"/>
+            <a:off x="446594" y="1621708"/>
+            <a:ext cx="7381875" cy="4991100"/>
           </a:xfrm>
           <a:prstGeom prst="rect">
             <a:avLst/>
           </a:prstGeom>
+          <a:noFill/>
+          <a:extLst>
+            <a:ext uri="{909E8E84-426E-40DD-AFC4-6F175D3DCCD1}">
+              <a14:hiddenFill xmlns:a14="http://schemas.microsoft.com/office/drawing/2010/main">
+                <a:solidFill>
+                  <a:srgbClr val="FFFFFF"/>
+                </a:solidFill>
+              </a14:hiddenFill>
+            </a:ext>
+          </a:extLst>
         </p:spPr>
       </p:pic>
     </p:spTree>
@@ -5941,8 +5280,8 @@
         </p:nvSpPr>
         <p:spPr>
           <a:xfrm>
-            <a:off x="227799" y="206943"/>
-            <a:ext cx="11543898" cy="5355312"/>
+            <a:off x="168806" y="197346"/>
+            <a:ext cx="11543898" cy="6278642"/>
           </a:xfrm>
           <a:prstGeom prst="rect">
             <a:avLst/>
@@ -5956,28 +5295,26 @@
           <a:lstStyle/>
           <a:p>
             <a:r>
-              <a:rPr lang="hu-HU" dirty="0"/>
-              <a:t>A finomhangolt (</a:t>
-            </a:r>
-            <a:r>
-              <a:rPr lang="hu-HU" b="1" dirty="0" err="1"/>
-              <a:t>Fine-tuning</a:t>
+              <a:rPr lang="hu-HU" sz="2400" b="1" dirty="0"/>
+              <a:t>Tanítás értékelése</a:t>
+            </a:r>
+          </a:p>
+          <a:p>
+            <a:endParaRPr lang="hu-HU" b="1" dirty="0"/>
+          </a:p>
+          <a:p>
+            <a:r>
+              <a:rPr lang="hu-HU" b="1" dirty="0">
+                <a:solidFill>
+                  <a:srgbClr val="FF0000"/>
+                </a:solidFill>
+              </a:rPr>
+              <a:t>A+B </a:t>
             </a:r>
             <a:r>
               <a:rPr lang="hu-HU" b="1" dirty="0"/>
-              <a:t> ) </a:t>
-            </a:r>
-            <a:r>
-              <a:rPr lang="hu-HU" dirty="0"/>
-              <a:t>BERT modell, tanítás</a:t>
-            </a:r>
-            <a:r>
-              <a:rPr lang="hu-HU" b="1" dirty="0"/>
-              <a:t> értékelése</a:t>
-            </a:r>
-          </a:p>
-          <a:p>
-            <a:endParaRPr lang="hu-HU" b="1" dirty="0"/>
+              <a:t>Excelekkel tanítás</a:t>
+            </a:r>
           </a:p>
           <a:p>
             <a:r>
@@ -5986,13 +5323,35 @@
             </a:r>
             <a:r>
               <a:rPr lang="hu-HU" dirty="0"/>
-              <a:t> (Pontosság): 77.14%</a:t>
+              <a:t> (Pontosság): 79%     </a:t>
             </a:r>
           </a:p>
           <a:p>
             <a:r>
               <a:rPr lang="hu-HU" dirty="0"/>
               <a:t>(Hányat talált el a modell a tanítás során)</a:t>
+            </a:r>
+          </a:p>
+          <a:p>
+            <a:r>
+              <a:rPr lang="hu-HU" b="1" dirty="0"/>
+              <a:t>Tesztelés pontosság </a:t>
+            </a:r>
+            <a:r>
+              <a:rPr lang="hu-HU" b="1" dirty="0">
+                <a:solidFill>
+                  <a:srgbClr val="FF0000"/>
+                </a:solidFill>
+              </a:rPr>
+              <a:t>C</a:t>
+            </a:r>
+            <a:r>
+              <a:rPr lang="hu-HU" b="1" dirty="0"/>
+              <a:t> Excel </a:t>
+            </a:r>
+            <a:r>
+              <a:rPr lang="hu-HU" dirty="0"/>
+              <a:t>adataival: 77%</a:t>
             </a:r>
           </a:p>
           <a:p>
@@ -6002,123 +5361,142 @@
             </a:r>
             <a:r>
               <a:rPr lang="hu-HU" dirty="0"/>
-              <a:t>: 0.84 </a:t>
-            </a:r>
-          </a:p>
-          <a:p>
-            <a:r>
-              <a:rPr lang="hu-HU" dirty="0"/>
-              <a:t>(Modell mennyire tudja megkülönböztetni a pozitív és negatív osztályokat. 84% esély )</a:t>
+              <a:t>: 0.89 </a:t>
+            </a:r>
+          </a:p>
+          <a:p>
+            <a:r>
+              <a:rPr lang="hu-HU" dirty="0"/>
+              <a:t>(Modell mennyire tudja megkülönböztetni a pozitív és negatív osztályokat. 89% esély )</a:t>
             </a:r>
           </a:p>
           <a:p>
             <a:endParaRPr lang="hu-HU" b="1" dirty="0"/>
           </a:p>
           <a:p>
+            <a:r>
+              <a:rPr lang="hu-HU" b="1" dirty="0">
+                <a:solidFill>
+                  <a:srgbClr val="FF0000"/>
+                </a:solidFill>
+              </a:rPr>
+              <a:t>A+C </a:t>
+            </a:r>
+            <a:r>
+              <a:rPr lang="hu-HU" b="1" dirty="0"/>
+              <a:t>Excelekkel tanítás</a:t>
+            </a:r>
+          </a:p>
+          <a:p>
+            <a:r>
+              <a:rPr lang="hu-HU" b="1" dirty="0" err="1"/>
+              <a:t>Accuracy</a:t>
+            </a:r>
+            <a:r>
+              <a:rPr lang="hu-HU" dirty="0"/>
+              <a:t> (Pontosság): 77%     </a:t>
+            </a:r>
+          </a:p>
+          <a:p>
+            <a:r>
+              <a:rPr lang="hu-HU" b="1" dirty="0"/>
+              <a:t>Tesztelés pontosság </a:t>
+            </a:r>
+            <a:r>
+              <a:rPr lang="hu-HU" b="1" dirty="0">
+                <a:solidFill>
+                  <a:srgbClr val="FF0000"/>
+                </a:solidFill>
+              </a:rPr>
+              <a:t>B</a:t>
+            </a:r>
+            <a:r>
+              <a:rPr lang="hu-HU" b="1" dirty="0"/>
+              <a:t>  Excel </a:t>
+            </a:r>
+            <a:r>
+              <a:rPr lang="hu-HU" dirty="0"/>
+              <a:t>adataival: 78%</a:t>
+            </a:r>
+          </a:p>
+          <a:p>
+            <a:r>
+              <a:rPr lang="hu-HU" b="1" dirty="0"/>
+              <a:t>AUC</a:t>
+            </a:r>
+            <a:r>
+              <a:rPr lang="hu-HU" dirty="0"/>
+              <a:t>: 0.85 </a:t>
+            </a:r>
+          </a:p>
+          <a:p>
             <a:endParaRPr lang="hu-HU" b="1" dirty="0"/>
           </a:p>
           <a:p>
+            <a:endParaRPr lang="hu-HU" b="1" dirty="0"/>
+          </a:p>
+          <a:p>
+            <a:r>
+              <a:rPr lang="hu-HU" b="1" dirty="0">
+                <a:solidFill>
+                  <a:srgbClr val="FF0000"/>
+                </a:solidFill>
+              </a:rPr>
+              <a:t>B+C </a:t>
+            </a:r>
+            <a:r>
+              <a:rPr lang="hu-HU" b="1" dirty="0"/>
+              <a:t>Excelekkel tanítás</a:t>
+            </a:r>
+          </a:p>
+          <a:p>
             <a:r>
               <a:rPr lang="hu-HU" b="1" dirty="0" err="1"/>
-              <a:t>Precision</a:t>
-            </a:r>
-            <a:r>
-              <a:rPr lang="hu-HU" dirty="0"/>
-              <a:t>: 0.80</a:t>
-            </a:r>
-          </a:p>
-          <a:p>
-            <a:r>
-              <a:rPr lang="hu-HU" dirty="0"/>
-              <a:t>(Modell által pozitívnak jelzett példák 80%-a valóban pozitív volt.)</a:t>
-            </a:r>
-          </a:p>
-          <a:p>
-            <a:r>
-              <a:rPr lang="hu-HU" b="1" dirty="0" err="1"/>
-              <a:t>Recall</a:t>
-            </a:r>
+              <a:t>Accuracy</a:t>
+            </a:r>
+            <a:r>
+              <a:rPr lang="hu-HU" dirty="0"/>
+              <a:t> (Pontosság): 78%     </a:t>
+            </a:r>
+          </a:p>
+          <a:p>
             <a:r>
               <a:rPr lang="hu-HU" b="1" dirty="0"/>
-              <a:t>: </a:t>
-            </a:r>
-            <a:r>
-              <a:rPr lang="hu-HU" dirty="0"/>
-              <a:t>0.7059</a:t>
-            </a:r>
-          </a:p>
-          <a:p>
-            <a:r>
-              <a:rPr lang="hu-HU" dirty="0"/>
-              <a:t>(Modell a valódi pozitív esetek 70,59% -t megtalálta.</a:t>
-            </a:r>
-          </a:p>
-          <a:p>
+              <a:t>Tesztelés pontosság </a:t>
+            </a:r>
+            <a:r>
+              <a:rPr lang="hu-HU" b="1" dirty="0">
+                <a:solidFill>
+                  <a:srgbClr val="FF0000"/>
+                </a:solidFill>
+              </a:rPr>
+              <a:t>A</a:t>
+            </a:r>
             <a:r>
               <a:rPr lang="hu-HU" b="1" dirty="0"/>
-              <a:t>F1</a:t>
-            </a:r>
-            <a:r>
-              <a:rPr lang="hu-HU" dirty="0"/>
-              <a:t>: 0.7500</a:t>
-            </a:r>
-          </a:p>
-          <a:p>
-            <a:r>
-              <a:rPr lang="hu-HU" dirty="0"/>
-              <a:t>(</a:t>
-            </a:r>
-            <a:r>
-              <a:rPr lang="hu-HU" dirty="0" err="1"/>
-              <a:t>Precision</a:t>
-            </a:r>
-            <a:r>
-              <a:rPr lang="hu-HU" dirty="0"/>
-              <a:t> és a </a:t>
-            </a:r>
-            <a:r>
-              <a:rPr lang="hu-HU" dirty="0" err="1"/>
-              <a:t>Recall</a:t>
-            </a:r>
-            <a:r>
-              <a:rPr lang="hu-HU" dirty="0"/>
-              <a:t> harmonikus átlaga. Kiegyensúlyozatlan osztályoknál jobb összegző mutató, mint az </a:t>
-            </a:r>
-            <a:r>
-              <a:rPr lang="hu-HU" dirty="0" err="1"/>
-              <a:t>Accuracy</a:t>
-            </a:r>
-            <a:r>
-              <a:rPr lang="hu-HU" dirty="0"/>
-              <a:t>.)</a:t>
-            </a:r>
+              <a:t>  Excel </a:t>
+            </a:r>
+            <a:r>
+              <a:rPr lang="hu-HU" dirty="0"/>
+              <a:t>adataival: 86%</a:t>
+            </a:r>
+          </a:p>
+          <a:p>
+            <a:r>
+              <a:rPr lang="hu-HU" b="1" dirty="0"/>
+              <a:t>AUC</a:t>
+            </a:r>
+            <a:r>
+              <a:rPr lang="hu-HU" dirty="0"/>
+              <a:t>: 0.86 </a:t>
+            </a:r>
+            <a:endParaRPr lang="hu-HU" b="1" dirty="0"/>
+          </a:p>
+          <a:p>
+            <a:endParaRPr lang="hu-HU" b="1" dirty="0"/>
           </a:p>
           <a:p>
             <a:endParaRPr lang="hu-HU" dirty="0"/>
-          </a:p>
-          <a:p>
-            <a:endParaRPr lang="hu-HU" dirty="0"/>
-          </a:p>
-          <a:p>
-            <a:endParaRPr lang="hu-HU" dirty="0"/>
-          </a:p>
-          <a:p>
-            <a:r>
-              <a:rPr lang="hu-HU" dirty="0"/>
-              <a:t>TODO: </a:t>
-            </a:r>
-            <a:r>
-              <a:rPr lang="hu-HU" dirty="0" err="1"/>
-              <a:t>jupyter</a:t>
-            </a:r>
-            <a:r>
-              <a:rPr lang="hu-HU"/>
-              <a:t> notebook </a:t>
-            </a:r>
-            <a:r>
-              <a:rPr lang="hu-HU" dirty="0"/>
-              <a:t>HTML?</a:t>
-            </a:r>
           </a:p>
           <a:p>
             <a:endParaRPr lang="hu-HU" dirty="0"/>
@@ -6157,10 +5535,10 @@
       </p:grpSpPr>
       <p:sp>
         <p:nvSpPr>
-          <p:cNvPr id="8" name="Szövegdoboz 7">
-            <a:extLst>
-              <a:ext uri="{FF2B5EF4-FFF2-40B4-BE49-F238E27FC236}">
-                <a16:creationId xmlns:a16="http://schemas.microsoft.com/office/drawing/2014/main" id="{215457E2-EC25-AA11-D409-EEEF1B88DF10}"/>
+          <p:cNvPr id="4" name="Szövegdoboz 3">
+            <a:extLst>
+              <a:ext uri="{FF2B5EF4-FFF2-40B4-BE49-F238E27FC236}">
+                <a16:creationId xmlns:a16="http://schemas.microsoft.com/office/drawing/2014/main" id="{36DB8F71-B8C2-872E-1E1A-C6526386599F}"/>
               </a:ext>
             </a:extLst>
           </p:cNvPr>
@@ -6169,8 +5547,8 @@
         </p:nvSpPr>
         <p:spPr>
           <a:xfrm>
-            <a:off x="227799" y="206943"/>
-            <a:ext cx="11543898" cy="5632311"/>
+            <a:off x="168806" y="197346"/>
+            <a:ext cx="11543898" cy="5724644"/>
           </a:xfrm>
           <a:prstGeom prst="rect">
             <a:avLst/>
@@ -6184,142 +5562,60 @@
           <a:lstStyle/>
           <a:p>
             <a:r>
-              <a:rPr lang="hu-HU" dirty="0"/>
-              <a:t>A finomhangolt (</a:t>
-            </a:r>
-            <a:r>
-              <a:rPr lang="hu-HU" b="1" dirty="0" err="1"/>
-              <a:t>Fine-tuning</a:t>
-            </a:r>
-            <a:r>
-              <a:rPr lang="hu-HU" b="1" dirty="0"/>
-              <a:t> ) </a:t>
-            </a:r>
-            <a:r>
-              <a:rPr lang="hu-HU" dirty="0"/>
-              <a:t>BERT modell, tanítás</a:t>
-            </a:r>
-            <a:r>
-              <a:rPr lang="hu-HU" b="1" dirty="0"/>
-              <a:t> értékelése</a:t>
+              <a:rPr lang="hu-HU" sz="2400" b="1" dirty="0"/>
+              <a:t>A modell tévesztésének  vizsgálata</a:t>
             </a:r>
           </a:p>
           <a:p>
             <a:endParaRPr lang="hu-HU" b="1" dirty="0"/>
           </a:p>
           <a:p>
-            <a:r>
-              <a:rPr lang="hu-HU" b="1" dirty="0" err="1"/>
-              <a:t>Accuracy</a:t>
-            </a:r>
-            <a:r>
-              <a:rPr lang="hu-HU" dirty="0"/>
-              <a:t> (Pontosság): 77.14%</a:t>
-            </a:r>
-          </a:p>
-          <a:p>
-            <a:r>
-              <a:rPr lang="hu-HU" dirty="0"/>
-              <a:t>(Hányat talált el a modell a tanítás során)</a:t>
-            </a:r>
-          </a:p>
-          <a:p>
-            <a:r>
-              <a:rPr lang="hu-HU" b="1" dirty="0"/>
-              <a:t>AUC</a:t>
-            </a:r>
-            <a:r>
-              <a:rPr lang="hu-HU" dirty="0"/>
-              <a:t>: 0.84 </a:t>
-            </a:r>
-          </a:p>
-          <a:p>
-            <a:r>
-              <a:rPr lang="hu-HU" dirty="0"/>
-              <a:t>(Modell mennyire tudja megkülönböztetni a pozitív és negatív osztályokat. 84% esély )</a:t>
-            </a:r>
-          </a:p>
-          <a:p>
             <a:endParaRPr lang="hu-HU" b="1" dirty="0"/>
           </a:p>
           <a:p>
             <a:endParaRPr lang="hu-HU" b="1" dirty="0"/>
           </a:p>
           <a:p>
-            <a:r>
-              <a:rPr lang="hu-HU" b="1" dirty="0" err="1"/>
-              <a:t>Precision</a:t>
-            </a:r>
-            <a:r>
-              <a:rPr lang="hu-HU" dirty="0"/>
-              <a:t>: 0.80</a:t>
-            </a:r>
-          </a:p>
-          <a:p>
-            <a:r>
-              <a:rPr lang="hu-HU" dirty="0"/>
-              <a:t>(Modell által pozitívnak jelzett példák 80%-a valóban pozitív volt.)</a:t>
-            </a:r>
-          </a:p>
-          <a:p>
-            <a:r>
-              <a:rPr lang="hu-HU" b="1" dirty="0" err="1"/>
-              <a:t>Recall</a:t>
-            </a:r>
-            <a:r>
-              <a:rPr lang="hu-HU" b="1" dirty="0"/>
-              <a:t>: </a:t>
-            </a:r>
-            <a:r>
-              <a:rPr lang="hu-HU" dirty="0"/>
-              <a:t>0.7059</a:t>
-            </a:r>
-          </a:p>
-          <a:p>
-            <a:r>
-              <a:rPr lang="hu-HU" dirty="0"/>
-              <a:t>(Modell a valódi pozitív esetek 70,59% -t megtalálta.</a:t>
-            </a:r>
-          </a:p>
-          <a:p>
-            <a:r>
-              <a:rPr lang="hu-HU" b="1" dirty="0"/>
-              <a:t>F1</a:t>
-            </a:r>
-            <a:r>
-              <a:rPr lang="hu-HU" dirty="0"/>
-              <a:t>: 0.7500</a:t>
-            </a:r>
-          </a:p>
-          <a:p>
-            <a:r>
-              <a:rPr lang="hu-HU" dirty="0"/>
-              <a:t>(</a:t>
-            </a:r>
-            <a:r>
-              <a:rPr lang="hu-HU" dirty="0" err="1"/>
-              <a:t>Precision</a:t>
-            </a:r>
-            <a:r>
-              <a:rPr lang="hu-HU" dirty="0"/>
-              <a:t> és a </a:t>
-            </a:r>
-            <a:r>
-              <a:rPr lang="hu-HU" dirty="0" err="1"/>
-              <a:t>Recall</a:t>
-            </a:r>
-            <a:r>
-              <a:rPr lang="hu-HU" dirty="0"/>
-              <a:t> harmonikus átlaga. Kiegyensúlyozatlan osztályoknál jobb összegző mutató, mint az </a:t>
-            </a:r>
-            <a:r>
-              <a:rPr lang="hu-HU" dirty="0" err="1"/>
-              <a:t>Accuracy</a:t>
-            </a:r>
-            <a:r>
-              <a:rPr lang="hu-HU" dirty="0"/>
-              <a:t>.)</a:t>
-            </a:r>
+            <a:endParaRPr lang="hu-HU" b="1" dirty="0"/>
+          </a:p>
+          <a:p>
+            <a:endParaRPr lang="hu-HU" b="1" dirty="0"/>
+          </a:p>
+          <a:p>
+            <a:endParaRPr lang="hu-HU" b="1" dirty="0"/>
+          </a:p>
+          <a:p>
+            <a:endParaRPr lang="hu-HU" b="1" dirty="0"/>
+          </a:p>
+          <a:p>
+            <a:endParaRPr lang="hu-HU" b="1" dirty="0"/>
+          </a:p>
+          <a:p>
+            <a:endParaRPr lang="hu-HU" b="1" dirty="0"/>
+          </a:p>
+          <a:p>
+            <a:endParaRPr lang="hu-HU" b="1" dirty="0"/>
+          </a:p>
+          <a:p>
+            <a:endParaRPr lang="hu-HU" b="1" dirty="0"/>
+          </a:p>
+          <a:p>
+            <a:endParaRPr lang="hu-HU" b="1" dirty="0"/>
+          </a:p>
+          <a:p>
+            <a:r>
+              <a:rPr lang="hu-HU" dirty="0"/>
+              <a:t>Nincs valamilyen határozott irányba, pl. Negatívból Pozitívba tévedés. Egyenlően téved a modell Negatív vagy Pozitív fele. </a:t>
+            </a:r>
+          </a:p>
+          <a:p>
+            <a:endParaRPr lang="hu-HU" b="1" dirty="0"/>
+          </a:p>
+          <a:p>
+            <a:endParaRPr lang="hu-HU" b="1" dirty="0"/>
+          </a:p>
+          <a:p>
+            <a:endParaRPr lang="hu-HU" b="1" dirty="0"/>
           </a:p>
           <a:p>
             <a:endParaRPr lang="hu-HU" dirty="0"/>
@@ -6327,43 +5623,651 @@
           <a:p>
             <a:endParaRPr lang="hu-HU" dirty="0"/>
           </a:p>
-          <a:p>
-            <a:endParaRPr lang="hu-HU" dirty="0"/>
-          </a:p>
-          <a:p>
-            <a:endParaRPr lang="hu-HU" dirty="0"/>
-          </a:p>
-          <a:p>
-            <a:endParaRPr lang="hu-HU" dirty="0"/>
-          </a:p>
-          <a:p>
-            <a:r>
-              <a:rPr lang="hu-HU" dirty="0"/>
-              <a:t>(</a:t>
-            </a:r>
-            <a:r>
-              <a:rPr lang="hu-HU" dirty="0" err="1"/>
-              <a:t>Jupyter</a:t>
-            </a:r>
-            <a:r>
-              <a:rPr lang="hu-HU" dirty="0"/>
-              <a:t> notebook oldal HTML-ként, feltölt Google </a:t>
-            </a:r>
-            <a:r>
-              <a:rPr lang="hu-HU" dirty="0" err="1"/>
-              <a:t>colab</a:t>
-            </a:r>
-            <a:r>
-              <a:rPr lang="hu-HU" dirty="0"/>
-              <a:t>, majd ment HTML)</a:t>
-            </a:r>
-          </a:p>
-        </p:txBody>
-      </p:sp>
+        </p:txBody>
+      </p:sp>
+      <p:graphicFrame>
+        <p:nvGraphicFramePr>
+          <p:cNvPr id="5" name="Táblázat 4">
+            <a:extLst>
+              <a:ext uri="{FF2B5EF4-FFF2-40B4-BE49-F238E27FC236}">
+                <a16:creationId xmlns:a16="http://schemas.microsoft.com/office/drawing/2014/main" id="{235E1BDD-2A79-EAFA-3666-F8ACB81530B3}"/>
+              </a:ext>
+            </a:extLst>
+          </p:cNvPr>
+          <p:cNvGraphicFramePr>
+            <a:graphicFrameLocks noGrp="1"/>
+          </p:cNvGraphicFramePr>
+          <p:nvPr>
+            <p:extLst>
+              <p:ext uri="{D42A27DB-BD31-4B8C-83A1-F6EECF244321}">
+                <p14:modId xmlns:p14="http://schemas.microsoft.com/office/powerpoint/2010/main" val="3154585833"/>
+              </p:ext>
+            </p:extLst>
+          </p:nvPr>
+        </p:nvGraphicFramePr>
+        <p:xfrm>
+          <a:off x="353462" y="1025604"/>
+          <a:ext cx="7515411" cy="2590800"/>
+        </p:xfrm>
+        <a:graphic>
+          <a:graphicData uri="http://schemas.openxmlformats.org/drawingml/2006/table">
+            <a:tbl>
+              <a:tblPr firstRow="1" bandRow="1">
+                <a:tableStyleId>{5C22544A-7EE6-4342-B048-85BDC9FD1C3A}</a:tableStyleId>
+              </a:tblPr>
+              <a:tblGrid>
+                <a:gridCol w="2020622">
+                  <a:extLst>
+                    <a:ext uri="{9D8B030D-6E8A-4147-A177-3AD203B41FA5}">
+                      <a16:colId xmlns:a16="http://schemas.microsoft.com/office/drawing/2014/main" val="3600262236"/>
+                    </a:ext>
+                  </a:extLst>
+                </a:gridCol>
+                <a:gridCol w="1342239">
+                  <a:extLst>
+                    <a:ext uri="{9D8B030D-6E8A-4147-A177-3AD203B41FA5}">
+                      <a16:colId xmlns:a16="http://schemas.microsoft.com/office/drawing/2014/main" val="1404611312"/>
+                    </a:ext>
+                  </a:extLst>
+                </a:gridCol>
+                <a:gridCol w="1333849">
+                  <a:extLst>
+                    <a:ext uri="{9D8B030D-6E8A-4147-A177-3AD203B41FA5}">
+                      <a16:colId xmlns:a16="http://schemas.microsoft.com/office/drawing/2014/main" val="3231979055"/>
+                    </a:ext>
+                  </a:extLst>
+                </a:gridCol>
+                <a:gridCol w="1593909">
+                  <a:extLst>
+                    <a:ext uri="{9D8B030D-6E8A-4147-A177-3AD203B41FA5}">
+                      <a16:colId xmlns:a16="http://schemas.microsoft.com/office/drawing/2014/main" val="1264353502"/>
+                    </a:ext>
+                  </a:extLst>
+                </a:gridCol>
+                <a:gridCol w="1224792">
+                  <a:extLst>
+                    <a:ext uri="{9D8B030D-6E8A-4147-A177-3AD203B41FA5}">
+                      <a16:colId xmlns:a16="http://schemas.microsoft.com/office/drawing/2014/main" val="605966662"/>
+                    </a:ext>
+                  </a:extLst>
+                </a:gridCol>
+              </a:tblGrid>
+              <a:tr h="0">
+                <a:tc>
+                  <a:txBody>
+                    <a:bodyPr/>
+                    <a:lstStyle/>
+                    <a:p>
+                      <a:r>
+                        <a:rPr lang="hu-HU" dirty="0"/>
+                        <a:t>Tanító-Valid Excel </a:t>
+                      </a:r>
+                    </a:p>
+                  </a:txBody>
+                  <a:tcPr/>
+                </a:tc>
+                <a:tc>
+                  <a:txBody>
+                    <a:bodyPr/>
+                    <a:lstStyle/>
+                    <a:p>
+                      <a:r>
+                        <a:rPr lang="hu-HU" dirty="0"/>
+                        <a:t>Teszt Excel</a:t>
+                      </a:r>
+                    </a:p>
+                  </a:txBody>
+                  <a:tcPr/>
+                </a:tc>
+                <a:tc>
+                  <a:txBody>
+                    <a:bodyPr/>
+                    <a:lstStyle/>
+                    <a:p>
+                      <a:r>
+                        <a:rPr lang="hu-HU" dirty="0"/>
+                        <a:t>Valódi</a:t>
+                      </a:r>
+                    </a:p>
+                  </a:txBody>
+                  <a:tcPr/>
+                </a:tc>
+                <a:tc>
+                  <a:txBody>
+                    <a:bodyPr/>
+                    <a:lstStyle/>
+                    <a:p>
+                      <a:r>
+                        <a:rPr lang="hu-HU" dirty="0" err="1"/>
+                        <a:t>Predikció</a:t>
+                      </a:r>
+                      <a:endParaRPr lang="hu-HU" dirty="0"/>
+                    </a:p>
+                  </a:txBody>
+                  <a:tcPr/>
+                </a:tc>
+                <a:tc>
+                  <a:txBody>
+                    <a:bodyPr/>
+                    <a:lstStyle/>
+                    <a:p>
+                      <a:r>
+                        <a:rPr lang="hu-HU" dirty="0"/>
+                        <a:t>Tévedés</a:t>
+                      </a:r>
+                    </a:p>
+                  </a:txBody>
+                  <a:tcPr/>
+                </a:tc>
+                <a:extLst>
+                  <a:ext uri="{0D108BD9-81ED-4DB2-BD59-A6C34878D82A}">
+                    <a16:rowId xmlns:a16="http://schemas.microsoft.com/office/drawing/2014/main" val="3673551042"/>
+                  </a:ext>
+                </a:extLst>
+              </a:tr>
+              <a:tr h="370840">
+                <a:tc>
+                  <a:txBody>
+                    <a:bodyPr/>
+                    <a:lstStyle/>
+                    <a:p>
+                      <a:r>
+                        <a:rPr lang="hu-HU" dirty="0"/>
+                        <a:t>A+B</a:t>
+                      </a:r>
+                    </a:p>
+                  </a:txBody>
+                  <a:tcPr/>
+                </a:tc>
+                <a:tc>
+                  <a:txBody>
+                    <a:bodyPr/>
+                    <a:lstStyle/>
+                    <a:p>
+                      <a:r>
+                        <a:rPr lang="hu-HU" dirty="0"/>
+                        <a:t>C</a:t>
+                      </a:r>
+                    </a:p>
+                  </a:txBody>
+                  <a:tcPr/>
+                </a:tc>
+                <a:tc>
+                  <a:txBody>
+                    <a:bodyPr/>
+                    <a:lstStyle/>
+                    <a:p>
+                      <a:r>
+                        <a:rPr lang="hu-HU" dirty="0" err="1"/>
+                        <a:t>neg</a:t>
+                      </a:r>
+                      <a:endParaRPr lang="hu-HU" dirty="0"/>
+                    </a:p>
+                  </a:txBody>
+                  <a:tcPr/>
+                </a:tc>
+                <a:tc>
+                  <a:txBody>
+                    <a:bodyPr/>
+                    <a:lstStyle/>
+                    <a:p>
+                      <a:r>
+                        <a:rPr lang="hu-HU" dirty="0" err="1"/>
+                        <a:t>poz</a:t>
+                      </a:r>
+                      <a:endParaRPr lang="hu-HU" dirty="0"/>
+                    </a:p>
+                  </a:txBody>
+                  <a:tcPr/>
+                </a:tc>
+                <a:tc>
+                  <a:txBody>
+                    <a:bodyPr/>
+                    <a:lstStyle/>
+                    <a:p>
+                      <a:r>
+                        <a:rPr lang="hu-HU" dirty="0"/>
+                        <a:t>8</a:t>
+                      </a:r>
+                    </a:p>
+                  </a:txBody>
+                  <a:tcPr/>
+                </a:tc>
+                <a:extLst>
+                  <a:ext uri="{0D108BD9-81ED-4DB2-BD59-A6C34878D82A}">
+                    <a16:rowId xmlns:a16="http://schemas.microsoft.com/office/drawing/2014/main" val="3515173994"/>
+                  </a:ext>
+                </a:extLst>
+              </a:tr>
+              <a:tr h="370840">
+                <a:tc>
+                  <a:txBody>
+                    <a:bodyPr/>
+                    <a:lstStyle/>
+                    <a:p>
+                      <a:pPr marL="0" marR="0" lvl="0" indent="0" algn="l" defTabSz="914400" rtl="0" eaLnBrk="1" fontAlgn="auto" latinLnBrk="0" hangingPunct="1">
+                        <a:lnSpc>
+                          <a:spcPct val="100000"/>
+                        </a:lnSpc>
+                        <a:spcBef>
+                          <a:spcPts val="0"/>
+                        </a:spcBef>
+                        <a:spcAft>
+                          <a:spcPts val="0"/>
+                        </a:spcAft>
+                        <a:buClrTx/>
+                        <a:buSzTx/>
+                        <a:buFontTx/>
+                        <a:buNone/>
+                        <a:tabLst/>
+                        <a:defRPr/>
+                      </a:pPr>
+                      <a:r>
+                        <a:rPr lang="hu-HU" dirty="0"/>
+                        <a:t>A+B</a:t>
+                      </a:r>
+                    </a:p>
+                  </a:txBody>
+                  <a:tcPr/>
+                </a:tc>
+                <a:tc>
+                  <a:txBody>
+                    <a:bodyPr/>
+                    <a:lstStyle/>
+                    <a:p>
+                      <a:r>
+                        <a:rPr lang="hu-HU" dirty="0"/>
+                        <a:t>C</a:t>
+                      </a:r>
+                    </a:p>
+                  </a:txBody>
+                  <a:tcPr/>
+                </a:tc>
+                <a:tc>
+                  <a:txBody>
+                    <a:bodyPr/>
+                    <a:lstStyle/>
+                    <a:p>
+                      <a:r>
+                        <a:rPr lang="hu-HU" dirty="0" err="1"/>
+                        <a:t>poz</a:t>
+                      </a:r>
+                      <a:endParaRPr lang="hu-HU" dirty="0"/>
+                    </a:p>
+                  </a:txBody>
+                  <a:tcPr/>
+                </a:tc>
+                <a:tc>
+                  <a:txBody>
+                    <a:bodyPr/>
+                    <a:lstStyle/>
+                    <a:p>
+                      <a:r>
+                        <a:rPr lang="hu-HU" dirty="0" err="1"/>
+                        <a:t>neg</a:t>
+                      </a:r>
+                      <a:endParaRPr lang="hu-HU" dirty="0"/>
+                    </a:p>
+                  </a:txBody>
+                  <a:tcPr/>
+                </a:tc>
+                <a:tc>
+                  <a:txBody>
+                    <a:bodyPr/>
+                    <a:lstStyle/>
+                    <a:p>
+                      <a:r>
+                        <a:rPr lang="hu-HU" dirty="0"/>
+                        <a:t>22</a:t>
+                      </a:r>
+                    </a:p>
+                  </a:txBody>
+                  <a:tcPr/>
+                </a:tc>
+                <a:extLst>
+                  <a:ext uri="{0D108BD9-81ED-4DB2-BD59-A6C34878D82A}">
+                    <a16:rowId xmlns:a16="http://schemas.microsoft.com/office/drawing/2014/main" val="1588613159"/>
+                  </a:ext>
+                </a:extLst>
+              </a:tr>
+              <a:tr h="370840">
+                <a:tc>
+                  <a:txBody>
+                    <a:bodyPr/>
+                    <a:lstStyle/>
+                    <a:p>
+                      <a:r>
+                        <a:rPr lang="hu-HU" dirty="0"/>
+                        <a:t>A+C</a:t>
+                      </a:r>
+                    </a:p>
+                  </a:txBody>
+                  <a:tcPr/>
+                </a:tc>
+                <a:tc>
+                  <a:txBody>
+                    <a:bodyPr/>
+                    <a:lstStyle/>
+                    <a:p>
+                      <a:r>
+                        <a:rPr lang="hu-HU" dirty="0"/>
+                        <a:t>B</a:t>
+                      </a:r>
+                    </a:p>
+                  </a:txBody>
+                  <a:tcPr/>
+                </a:tc>
+                <a:tc>
+                  <a:txBody>
+                    <a:bodyPr/>
+                    <a:lstStyle/>
+                    <a:p>
+                      <a:r>
+                        <a:rPr lang="hu-HU" dirty="0" err="1"/>
+                        <a:t>neg</a:t>
+                      </a:r>
+                      <a:endParaRPr lang="hu-HU" dirty="0"/>
+                    </a:p>
+                  </a:txBody>
+                  <a:tcPr/>
+                </a:tc>
+                <a:tc>
+                  <a:txBody>
+                    <a:bodyPr/>
+                    <a:lstStyle/>
+                    <a:p>
+                      <a:r>
+                        <a:rPr lang="hu-HU" dirty="0" err="1"/>
+                        <a:t>poz</a:t>
+                      </a:r>
+                      <a:endParaRPr lang="hu-HU" dirty="0"/>
+                    </a:p>
+                  </a:txBody>
+                  <a:tcPr/>
+                </a:tc>
+                <a:tc>
+                  <a:txBody>
+                    <a:bodyPr/>
+                    <a:lstStyle/>
+                    <a:p>
+                      <a:r>
+                        <a:rPr lang="hu-HU" dirty="0"/>
+                        <a:t>21</a:t>
+                      </a:r>
+                    </a:p>
+                  </a:txBody>
+                  <a:tcPr/>
+                </a:tc>
+                <a:extLst>
+                  <a:ext uri="{0D108BD9-81ED-4DB2-BD59-A6C34878D82A}">
+                    <a16:rowId xmlns:a16="http://schemas.microsoft.com/office/drawing/2014/main" val="2781576699"/>
+                  </a:ext>
+                </a:extLst>
+              </a:tr>
+              <a:tr h="370840">
+                <a:tc>
+                  <a:txBody>
+                    <a:bodyPr/>
+                    <a:lstStyle/>
+                    <a:p>
+                      <a:pPr marL="0" marR="0" lvl="0" indent="0" algn="l" defTabSz="914400" rtl="0" eaLnBrk="1" fontAlgn="auto" latinLnBrk="0" hangingPunct="1">
+                        <a:lnSpc>
+                          <a:spcPct val="100000"/>
+                        </a:lnSpc>
+                        <a:spcBef>
+                          <a:spcPts val="0"/>
+                        </a:spcBef>
+                        <a:spcAft>
+                          <a:spcPts val="0"/>
+                        </a:spcAft>
+                        <a:buClrTx/>
+                        <a:buSzTx/>
+                        <a:buFontTx/>
+                        <a:buNone/>
+                        <a:tabLst/>
+                        <a:defRPr/>
+                      </a:pPr>
+                      <a:r>
+                        <a:rPr lang="hu-HU" dirty="0"/>
+                        <a:t>A+C</a:t>
+                      </a:r>
+                    </a:p>
+                  </a:txBody>
+                  <a:tcPr/>
+                </a:tc>
+                <a:tc>
+                  <a:txBody>
+                    <a:bodyPr/>
+                    <a:lstStyle/>
+                    <a:p>
+                      <a:r>
+                        <a:rPr lang="hu-HU" dirty="0"/>
+                        <a:t>B</a:t>
+                      </a:r>
+                    </a:p>
+                  </a:txBody>
+                  <a:tcPr/>
+                </a:tc>
+                <a:tc>
+                  <a:txBody>
+                    <a:bodyPr/>
+                    <a:lstStyle/>
+                    <a:p>
+                      <a:r>
+                        <a:rPr lang="hu-HU" dirty="0" err="1"/>
+                        <a:t>poz</a:t>
+                      </a:r>
+                      <a:endParaRPr lang="hu-HU" dirty="0"/>
+                    </a:p>
+                  </a:txBody>
+                  <a:tcPr/>
+                </a:tc>
+                <a:tc>
+                  <a:txBody>
+                    <a:bodyPr/>
+                    <a:lstStyle/>
+                    <a:p>
+                      <a:r>
+                        <a:rPr lang="hu-HU" dirty="0" err="1"/>
+                        <a:t>neg</a:t>
+                      </a:r>
+                      <a:endParaRPr lang="hu-HU" dirty="0"/>
+                    </a:p>
+                  </a:txBody>
+                  <a:tcPr/>
+                </a:tc>
+                <a:tc>
+                  <a:txBody>
+                    <a:bodyPr/>
+                    <a:lstStyle/>
+                    <a:p>
+                      <a:r>
+                        <a:rPr lang="hu-HU" dirty="0"/>
+                        <a:t>10</a:t>
+                      </a:r>
+                    </a:p>
+                  </a:txBody>
+                  <a:tcPr/>
+                </a:tc>
+                <a:extLst>
+                  <a:ext uri="{0D108BD9-81ED-4DB2-BD59-A6C34878D82A}">
+                    <a16:rowId xmlns:a16="http://schemas.microsoft.com/office/drawing/2014/main" val="186867114"/>
+                  </a:ext>
+                </a:extLst>
+              </a:tr>
+              <a:tr h="370840">
+                <a:tc>
+                  <a:txBody>
+                    <a:bodyPr/>
+                    <a:lstStyle/>
+                    <a:p>
+                      <a:r>
+                        <a:rPr lang="hu-HU" dirty="0"/>
+                        <a:t>B+C</a:t>
+                      </a:r>
+                    </a:p>
+                  </a:txBody>
+                  <a:tcPr/>
+                </a:tc>
+                <a:tc>
+                  <a:txBody>
+                    <a:bodyPr/>
+                    <a:lstStyle/>
+                    <a:p>
+                      <a:r>
+                        <a:rPr lang="hu-HU" dirty="0"/>
+                        <a:t>A</a:t>
+                      </a:r>
+                    </a:p>
+                  </a:txBody>
+                  <a:tcPr/>
+                </a:tc>
+                <a:tc>
+                  <a:txBody>
+                    <a:bodyPr/>
+                    <a:lstStyle/>
+                    <a:p>
+                      <a:r>
+                        <a:rPr lang="hu-HU" dirty="0" err="1"/>
+                        <a:t>neg</a:t>
+                      </a:r>
+                      <a:endParaRPr lang="hu-HU" dirty="0"/>
+                    </a:p>
+                  </a:txBody>
+                  <a:tcPr/>
+                </a:tc>
+                <a:tc>
+                  <a:txBody>
+                    <a:bodyPr/>
+                    <a:lstStyle/>
+                    <a:p>
+                      <a:r>
+                        <a:rPr lang="hu-HU" dirty="0" err="1"/>
+                        <a:t>poz</a:t>
+                      </a:r>
+                      <a:endParaRPr lang="hu-HU" dirty="0"/>
+                    </a:p>
+                  </a:txBody>
+                  <a:tcPr/>
+                </a:tc>
+                <a:tc>
+                  <a:txBody>
+                    <a:bodyPr/>
+                    <a:lstStyle/>
+                    <a:p>
+                      <a:r>
+                        <a:rPr lang="hu-HU" dirty="0"/>
+                        <a:t>11</a:t>
+                      </a:r>
+                    </a:p>
+                  </a:txBody>
+                  <a:tcPr/>
+                </a:tc>
+                <a:extLst>
+                  <a:ext uri="{0D108BD9-81ED-4DB2-BD59-A6C34878D82A}">
+                    <a16:rowId xmlns:a16="http://schemas.microsoft.com/office/drawing/2014/main" val="1801538132"/>
+                  </a:ext>
+                </a:extLst>
+              </a:tr>
+              <a:tr h="370840">
+                <a:tc>
+                  <a:txBody>
+                    <a:bodyPr/>
+                    <a:lstStyle/>
+                    <a:p>
+                      <a:pPr marL="0" marR="0" lvl="0" indent="0" algn="l" defTabSz="914400" rtl="0" eaLnBrk="1" fontAlgn="auto" latinLnBrk="0" hangingPunct="1">
+                        <a:lnSpc>
+                          <a:spcPct val="100000"/>
+                        </a:lnSpc>
+                        <a:spcBef>
+                          <a:spcPts val="0"/>
+                        </a:spcBef>
+                        <a:spcAft>
+                          <a:spcPts val="0"/>
+                        </a:spcAft>
+                        <a:buClrTx/>
+                        <a:buSzTx/>
+                        <a:buFontTx/>
+                        <a:buNone/>
+                        <a:tabLst/>
+                        <a:defRPr/>
+                      </a:pPr>
+                      <a:r>
+                        <a:rPr lang="hu-HU" dirty="0"/>
+                        <a:t>B+C</a:t>
+                      </a:r>
+                    </a:p>
+                  </a:txBody>
+                  <a:tcPr/>
+                </a:tc>
+                <a:tc>
+                  <a:txBody>
+                    <a:bodyPr/>
+                    <a:lstStyle/>
+                    <a:p>
+                      <a:r>
+                        <a:rPr lang="hu-HU" dirty="0"/>
+                        <a:t>A</a:t>
+                      </a:r>
+                    </a:p>
+                  </a:txBody>
+                  <a:tcPr/>
+                </a:tc>
+                <a:tc>
+                  <a:txBody>
+                    <a:bodyPr/>
+                    <a:lstStyle/>
+                    <a:p>
+                      <a:r>
+                        <a:rPr lang="hu-HU" dirty="0" err="1"/>
+                        <a:t>poz</a:t>
+                      </a:r>
+                      <a:endParaRPr lang="hu-HU" dirty="0"/>
+                    </a:p>
+                  </a:txBody>
+                  <a:tcPr/>
+                </a:tc>
+                <a:tc>
+                  <a:txBody>
+                    <a:bodyPr/>
+                    <a:lstStyle/>
+                    <a:p>
+                      <a:r>
+                        <a:rPr lang="hu-HU" dirty="0" err="1"/>
+                        <a:t>neg</a:t>
+                      </a:r>
+                      <a:endParaRPr lang="hu-HU" dirty="0"/>
+                    </a:p>
+                  </a:txBody>
+                  <a:tcPr/>
+                </a:tc>
+                <a:tc>
+                  <a:txBody>
+                    <a:bodyPr/>
+                    <a:lstStyle/>
+                    <a:p>
+                      <a:r>
+                        <a:rPr lang="hu-HU" dirty="0"/>
+                        <a:t>10</a:t>
+                      </a:r>
+                    </a:p>
+                  </a:txBody>
+                  <a:tcPr/>
+                </a:tc>
+                <a:extLst>
+                  <a:ext uri="{0D108BD9-81ED-4DB2-BD59-A6C34878D82A}">
+                    <a16:rowId xmlns:a16="http://schemas.microsoft.com/office/drawing/2014/main" val="1111133709"/>
+                  </a:ext>
+                </a:extLst>
+              </a:tr>
+            </a:tbl>
+          </a:graphicData>
+        </a:graphic>
+      </p:graphicFrame>
     </p:spTree>
     <p:extLst>
       <p:ext uri="{BB962C8B-B14F-4D97-AF65-F5344CB8AC3E}">
-        <p14:creationId xmlns:p14="http://schemas.microsoft.com/office/powerpoint/2010/main" val="1352707079"/>
+        <p14:creationId xmlns:p14="http://schemas.microsoft.com/office/powerpoint/2010/main" val="1341390854"/>
       </p:ext>
     </p:extLst>
   </p:cSld>
@@ -6392,10 +6296,10 @@
       </p:grpSpPr>
       <p:sp>
         <p:nvSpPr>
-          <p:cNvPr id="4" name="Szövegdoboz 3">
-            <a:extLst>
-              <a:ext uri="{FF2B5EF4-FFF2-40B4-BE49-F238E27FC236}">
-                <a16:creationId xmlns:a16="http://schemas.microsoft.com/office/drawing/2014/main" id="{E318142A-CE78-0B58-6C72-7F34C36EC9C8}"/>
+          <p:cNvPr id="6" name="Szövegdoboz 5">
+            <a:extLst>
+              <a:ext uri="{FF2B5EF4-FFF2-40B4-BE49-F238E27FC236}">
+                <a16:creationId xmlns:a16="http://schemas.microsoft.com/office/drawing/2014/main" id="{2DE38EF8-C8E0-6092-0844-1D839E7C5FB4}"/>
               </a:ext>
             </a:extLst>
           </p:cNvPr>
@@ -6404,8 +6308,8 @@
         </p:nvSpPr>
         <p:spPr>
           <a:xfrm>
-            <a:off x="227799" y="206943"/>
-            <a:ext cx="11543898" cy="4124206"/>
+            <a:off x="168806" y="197346"/>
+            <a:ext cx="11543898" cy="7109639"/>
           </a:xfrm>
           <a:prstGeom prst="rect">
             <a:avLst/>
@@ -6419,154 +6323,145 @@
           <a:lstStyle/>
           <a:p>
             <a:r>
-              <a:rPr lang="hu-HU" sz="2800" b="1" dirty="0"/>
-              <a:t>Tesztelés, hogyan teljesít a modell</a:t>
-            </a:r>
-          </a:p>
-          <a:p>
+              <a:rPr lang="hu-HU" sz="2400" b="1" dirty="0"/>
+              <a:t>A </a:t>
+            </a:r>
+            <a:r>
+              <a:rPr lang="hu-HU" sz="2400" b="1" dirty="0" err="1"/>
+              <a:t>predikciók</a:t>
+            </a:r>
+            <a:r>
+              <a:rPr lang="hu-HU" sz="2400" b="1" dirty="0"/>
+              <a:t> szubjektív vizsgálata</a:t>
+            </a:r>
+          </a:p>
+          <a:p>
+            <a:endParaRPr lang="hu-HU" sz="2400" b="1" dirty="0"/>
+          </a:p>
+          <a:p>
+            <a:r>
+              <a:rPr lang="hu-HU" dirty="0"/>
+              <a:t>Érthető, hogy a BERT modell téveszt, hogy a vers pozitív vagy negatív hangulatú. </a:t>
+            </a:r>
+            <a:br>
+              <a:rPr lang="hu-HU" dirty="0"/>
+            </a:br>
+            <a:r>
+              <a:rPr lang="hu-HU" dirty="0"/>
+              <a:t>Ez már irodalmi verselemzés szintje, annak megállapítása, hogy pl. a költő negatív képek használata ellenére is derűs hangulatú verset írt.</a:t>
+            </a:r>
             <a:endParaRPr lang="hu-HU" b="1" dirty="0"/>
           </a:p>
           <a:p>
-            <a:r>
-              <a:rPr lang="hu-HU" dirty="0"/>
-              <a:t>Az </a:t>
-            </a:r>
-            <a:r>
-              <a:rPr lang="hu-HU" b="1" dirty="0"/>
-              <a:t>ellenorzo_vers_adatok.csv </a:t>
-            </a:r>
-            <a:r>
-              <a:rPr lang="hu-HU" dirty="0"/>
-              <a:t>segítségével, 180 db verssel folyt a tesztelés</a:t>
-            </a:r>
+            <a:endParaRPr lang="hu-HU" sz="2400" b="1" dirty="0"/>
+          </a:p>
+          <a:p>
+            <a:endParaRPr lang="hu-HU" sz="2400" b="1" dirty="0"/>
+          </a:p>
+          <a:p>
+            <a:endParaRPr lang="hu-HU" b="1" dirty="0"/>
+          </a:p>
+          <a:p>
+            <a:endParaRPr lang="hu-HU" b="1" dirty="0"/>
+          </a:p>
+          <a:p>
+            <a:endParaRPr lang="hu-HU" b="1" dirty="0"/>
+          </a:p>
+          <a:p>
+            <a:endParaRPr lang="hu-HU" b="1" dirty="0"/>
+          </a:p>
+          <a:p>
+            <a:endParaRPr lang="hu-HU" b="1" dirty="0"/>
+          </a:p>
+          <a:p>
+            <a:endParaRPr lang="hu-HU" b="1" dirty="0"/>
+          </a:p>
+          <a:p>
+            <a:endParaRPr lang="hu-HU" b="1" dirty="0"/>
+          </a:p>
+          <a:p>
+            <a:endParaRPr lang="hu-HU" b="1" dirty="0"/>
+          </a:p>
+          <a:p>
+            <a:endParaRPr lang="hu-HU" b="1" dirty="0"/>
+          </a:p>
+          <a:p>
+            <a:endParaRPr lang="hu-HU" b="1" dirty="0"/>
+          </a:p>
+          <a:p>
+            <a:endParaRPr lang="hu-HU" b="1" dirty="0"/>
+          </a:p>
+          <a:p>
+            <a:endParaRPr lang="hu-HU" b="1" dirty="0"/>
+          </a:p>
+          <a:p>
+            <a:endParaRPr lang="hu-HU" b="1" dirty="0"/>
+          </a:p>
+          <a:p>
+            <a:endParaRPr lang="hu-HU" b="1" dirty="0"/>
+          </a:p>
+          <a:p>
+            <a:endParaRPr lang="hu-HU" b="1" dirty="0"/>
           </a:p>
           <a:p>
             <a:endParaRPr lang="hu-HU" dirty="0"/>
           </a:p>
           <a:p>
-            <a:r>
-              <a:rPr lang="hu-HU" dirty="0"/>
-              <a:t>Adattisztítás: Biztonsági ellenőrzés a </a:t>
-            </a:r>
-            <a:r>
-              <a:rPr lang="hu-HU" b="1" dirty="0"/>
-              <a:t>Tanító</a:t>
-            </a:r>
-            <a:r>
-              <a:rPr lang="hu-HU" dirty="0"/>
-              <a:t> versek és az </a:t>
-            </a:r>
-            <a:r>
-              <a:rPr lang="hu-HU" b="1" dirty="0"/>
-              <a:t>Teszt</a:t>
-            </a:r>
-            <a:r>
-              <a:rPr lang="hu-HU" dirty="0"/>
-              <a:t> versek halmazán nem lehet azonos vers.</a:t>
-            </a:r>
-          </a:p>
-          <a:p>
             <a:endParaRPr lang="hu-HU" dirty="0"/>
           </a:p>
-          <a:p>
-            <a:r>
-              <a:rPr lang="hu-HU" b="1" dirty="0"/>
-              <a:t>Teszt: </a:t>
-            </a:r>
-          </a:p>
-          <a:p>
-            <a:r>
-              <a:rPr lang="hu-HU" dirty="0"/>
-              <a:t>Itt is volt </a:t>
-            </a:r>
-            <a:r>
-              <a:rPr lang="hu-HU" b="1" dirty="0"/>
-              <a:t>Típus oszlop (pozitív/negatív). </a:t>
-            </a:r>
-            <a:r>
-              <a:rPr lang="hu-HU" dirty="0"/>
-              <a:t>A tanított </a:t>
-            </a:r>
-            <a:r>
-              <a:rPr lang="hu-HU" dirty="0" err="1"/>
-              <a:t>Bert</a:t>
-            </a:r>
-            <a:r>
-              <a:rPr lang="hu-HU" dirty="0"/>
-              <a:t> modellt lefuttattam versenként az Ellenőrző versek halmazán, rögzítettem a </a:t>
-            </a:r>
-            <a:r>
-              <a:rPr lang="hu-HU" dirty="0" err="1"/>
-              <a:t>Predikció</a:t>
-            </a:r>
-            <a:r>
-              <a:rPr lang="hu-HU" dirty="0"/>
-              <a:t> (Pozitív/Negatív ) értékét. </a:t>
-            </a:r>
-          </a:p>
-          <a:p>
-            <a:endParaRPr lang="hu-HU" dirty="0"/>
-          </a:p>
-          <a:p>
-            <a:r>
-              <a:rPr lang="hu-HU" b="1" dirty="0"/>
-              <a:t>77,63% a pontosság </a:t>
-            </a:r>
-            <a:r>
-              <a:rPr lang="hu-HU" dirty="0"/>
-              <a:t>az éles adatokon.</a:t>
-            </a:r>
-          </a:p>
-          <a:p>
-            <a:r>
-              <a:rPr lang="hu-HU" dirty="0"/>
-              <a:t>(Előző </a:t>
-            </a:r>
-            <a:r>
-              <a:rPr lang="hu-HU" dirty="0" err="1"/>
-              <a:t>slide</a:t>
-            </a:r>
-            <a:r>
-              <a:rPr lang="hu-HU" dirty="0"/>
-              <a:t>: A tanításnál </a:t>
-            </a:r>
-            <a:r>
-              <a:rPr lang="hu-HU" dirty="0" err="1"/>
-              <a:t>Bert</a:t>
-            </a:r>
-            <a:r>
-              <a:rPr lang="hu-HU" dirty="0"/>
-              <a:t> modell </a:t>
-            </a:r>
-            <a:r>
-              <a:rPr lang="hu-HU" b="1" dirty="0" err="1"/>
-              <a:t>Accuracy</a:t>
-            </a:r>
-            <a:r>
-              <a:rPr lang="hu-HU" dirty="0"/>
-              <a:t>: </a:t>
-            </a:r>
-            <a:r>
-              <a:rPr lang="hu-HU" b="1" dirty="0"/>
-              <a:t>77.14% </a:t>
-            </a:r>
-            <a:r>
-              <a:rPr lang="hu-HU" dirty="0"/>
-              <a:t>volt).</a:t>
-            </a:r>
-          </a:p>
-          <a:p>
-            <a:endParaRPr lang="hu-HU" dirty="0"/>
-          </a:p>
-          <a:p>
-            <a:endParaRPr lang="hu-HU" dirty="0"/>
-          </a:p>
-        </p:txBody>
-      </p:sp>
+        </p:txBody>
+      </p:sp>
+      <p:pic>
+        <p:nvPicPr>
+          <p:cNvPr id="3074" name="Picture 2">
+            <a:extLst>
+              <a:ext uri="{FF2B5EF4-FFF2-40B4-BE49-F238E27FC236}">
+                <a16:creationId xmlns:a16="http://schemas.microsoft.com/office/drawing/2014/main" id="{D289A3E5-69FC-AB03-3F14-34C8AC57F2D7}"/>
+              </a:ext>
+            </a:extLst>
+          </p:cNvPr>
+          <p:cNvPicPr>
+            <a:picLocks noChangeAspect="1" noChangeArrowheads="1"/>
+          </p:cNvPicPr>
+          <p:nvPr/>
+        </p:nvPicPr>
+        <p:blipFill>
+          <a:blip r:embed="rId2">
+            <a:extLst>
+              <a:ext uri="{28A0092B-C50C-407E-A947-70E740481C1C}">
+                <a14:useLocalDpi xmlns:a14="http://schemas.microsoft.com/office/drawing/2010/main" val="0"/>
+              </a:ext>
+            </a:extLst>
+          </a:blip>
+          <a:srcRect/>
+          <a:stretch>
+            <a:fillRect/>
+          </a:stretch>
+        </p:blipFill>
+        <p:spPr bwMode="auto">
+          <a:xfrm>
+            <a:off x="479296" y="2512450"/>
+            <a:ext cx="11487557" cy="4075164"/>
+          </a:xfrm>
+          <a:prstGeom prst="rect">
+            <a:avLst/>
+          </a:prstGeom>
+          <a:noFill/>
+          <a:extLst>
+            <a:ext uri="{909E8E84-426E-40DD-AFC4-6F175D3DCCD1}">
+              <a14:hiddenFill xmlns:a14="http://schemas.microsoft.com/office/drawing/2010/main">
+                <a:solidFill>
+                  <a:srgbClr val="FFFFFF"/>
+                </a:solidFill>
+              </a14:hiddenFill>
+            </a:ext>
+          </a:extLst>
+        </p:spPr>
+      </p:pic>
     </p:spTree>
     <p:extLst>
       <p:ext uri="{BB962C8B-B14F-4D97-AF65-F5344CB8AC3E}">
-        <p14:creationId xmlns:p14="http://schemas.microsoft.com/office/powerpoint/2010/main" val="2794632771"/>
+        <p14:creationId xmlns:p14="http://schemas.microsoft.com/office/powerpoint/2010/main" val="3251595464"/>
       </p:ext>
     </p:extLst>
   </p:cSld>

--- a/Erzelemelemzes.pptx
+++ b/Erzelemelemzes.pptx
@@ -15,8 +15,9 @@
     <p:sldId id="267" r:id="rId9"/>
     <p:sldId id="268" r:id="rId10"/>
     <p:sldId id="269" r:id="rId11"/>
-    <p:sldId id="261" r:id="rId12"/>
-    <p:sldId id="262" r:id="rId13"/>
+    <p:sldId id="270" r:id="rId12"/>
+    <p:sldId id="261" r:id="rId13"/>
+    <p:sldId id="262" r:id="rId14"/>
   </p:sldIdLst>
   <p:sldSz cx="12192000" cy="6858000"/>
   <p:notesSz cx="6858000" cy="9144000"/>
@@ -3762,6 +3763,154 @@
           <a:chExt cx="0" cy="0"/>
         </a:xfrm>
       </p:grpSpPr>
+      <p:pic>
+        <p:nvPicPr>
+          <p:cNvPr id="7" name="Kép 6" descr="A képen ruházat, ember, személy, Emberi arc látható&#10;&#10;Előfordulhat, hogy az AI által létrehozott tartalom helytelen.">
+            <a:extLst>
+              <a:ext uri="{FF2B5EF4-FFF2-40B4-BE49-F238E27FC236}">
+                <a16:creationId xmlns:a16="http://schemas.microsoft.com/office/drawing/2014/main" id="{A9F780D7-8B1A-6561-7552-FEC874CB0C5A}"/>
+              </a:ext>
+            </a:extLst>
+          </p:cNvPr>
+          <p:cNvPicPr>
+            <a:picLocks noChangeAspect="1"/>
+          </p:cNvPicPr>
+          <p:nvPr/>
+        </p:nvPicPr>
+        <p:blipFill>
+          <a:blip r:embed="rId2">
+            <a:extLst>
+              <a:ext uri="{28A0092B-C50C-407E-A947-70E740481C1C}">
+                <a14:useLocalDpi xmlns:a14="http://schemas.microsoft.com/office/drawing/2010/main" val="0"/>
+              </a:ext>
+            </a:extLst>
+          </a:blip>
+          <a:stretch>
+            <a:fillRect/>
+          </a:stretch>
+        </p:blipFill>
+        <p:spPr>
+          <a:xfrm>
+            <a:off x="2690411" y="1589740"/>
+            <a:ext cx="9501589" cy="5268260"/>
+          </a:xfrm>
+          <a:prstGeom prst="rect">
+            <a:avLst/>
+          </a:prstGeom>
+        </p:spPr>
+      </p:pic>
+      <p:sp>
+        <p:nvSpPr>
+          <p:cNvPr id="8" name="Szövegdoboz 7">
+            <a:extLst>
+              <a:ext uri="{FF2B5EF4-FFF2-40B4-BE49-F238E27FC236}">
+                <a16:creationId xmlns:a16="http://schemas.microsoft.com/office/drawing/2014/main" id="{F2FD254A-22FE-6E10-8FBF-A6162FCFE03F}"/>
+              </a:ext>
+            </a:extLst>
+          </p:cNvPr>
+          <p:cNvSpPr txBox="1"/>
+          <p:nvPr/>
+        </p:nvSpPr>
+        <p:spPr>
+          <a:xfrm>
+            <a:off x="233178" y="138419"/>
+            <a:ext cx="4387227" cy="646331"/>
+          </a:xfrm>
+          <a:prstGeom prst="rect">
+            <a:avLst/>
+          </a:prstGeom>
+          <a:noFill/>
+        </p:spPr>
+        <p:txBody>
+          <a:bodyPr wrap="none" rtlCol="0">
+            <a:spAutoFit/>
+          </a:bodyPr>
+          <a:lstStyle/>
+          <a:p>
+            <a:r>
+              <a:rPr lang="hu-HU" sz="3600" dirty="0"/>
+              <a:t>Holt költők társasága</a:t>
+            </a:r>
+          </a:p>
+        </p:txBody>
+      </p:sp>
+      <p:pic>
+        <p:nvPicPr>
+          <p:cNvPr id="1026" name="Picture 2">
+            <a:extLst>
+              <a:ext uri="{FF2B5EF4-FFF2-40B4-BE49-F238E27FC236}">
+                <a16:creationId xmlns:a16="http://schemas.microsoft.com/office/drawing/2014/main" id="{004AAF74-890A-79F2-EFE0-A606E9054BF6}"/>
+              </a:ext>
+            </a:extLst>
+          </p:cNvPr>
+          <p:cNvPicPr>
+            <a:picLocks noChangeAspect="1" noChangeArrowheads="1"/>
+          </p:cNvPicPr>
+          <p:nvPr/>
+        </p:nvPicPr>
+        <p:blipFill>
+          <a:blip r:embed="rId3">
+            <a:extLst>
+              <a:ext uri="{28A0092B-C50C-407E-A947-70E740481C1C}">
+                <a14:useLocalDpi xmlns:a14="http://schemas.microsoft.com/office/drawing/2010/main" val="0"/>
+              </a:ext>
+            </a:extLst>
+          </a:blip>
+          <a:srcRect/>
+          <a:stretch>
+            <a:fillRect/>
+          </a:stretch>
+        </p:blipFill>
+        <p:spPr bwMode="auto">
+          <a:xfrm>
+            <a:off x="369116" y="943196"/>
+            <a:ext cx="4275552" cy="1766448"/>
+          </a:xfrm>
+          <a:prstGeom prst="rect">
+            <a:avLst/>
+          </a:prstGeom>
+          <a:noFill/>
+          <a:extLst>
+            <a:ext uri="{909E8E84-426E-40DD-AFC4-6F175D3DCCD1}">
+              <a14:hiddenFill xmlns:a14="http://schemas.microsoft.com/office/drawing/2010/main">
+                <a:solidFill>
+                  <a:srgbClr val="FFFFFF"/>
+                </a:solidFill>
+              </a14:hiddenFill>
+            </a:ext>
+          </a:extLst>
+        </p:spPr>
+      </p:pic>
+    </p:spTree>
+    <p:extLst>
+      <p:ext uri="{BB962C8B-B14F-4D97-AF65-F5344CB8AC3E}">
+        <p14:creationId xmlns:p14="http://schemas.microsoft.com/office/powerpoint/2010/main" val="2620283424"/>
+      </p:ext>
+    </p:extLst>
+  </p:cSld>
+  <p:clrMapOvr>
+    <a:masterClrMapping/>
+  </p:clrMapOvr>
+</p:sld>
+</file>
+
+<file path=ppt/slides/slide12.xml><?xml version="1.0" encoding="utf-8"?>
+<p:sld xmlns:a="http://schemas.openxmlformats.org/drawingml/2006/main" xmlns:r="http://schemas.openxmlformats.org/officeDocument/2006/relationships" xmlns:p="http://schemas.openxmlformats.org/presentationml/2006/main">
+  <p:cSld>
+    <p:spTree>
+      <p:nvGrpSpPr>
+        <p:cNvPr id="1" name=""/>
+        <p:cNvGrpSpPr/>
+        <p:nvPr/>
+      </p:nvGrpSpPr>
+      <p:grpSpPr>
+        <a:xfrm>
+          <a:off x="0" y="0"/>
+          <a:ext cx="0" cy="0"/>
+          <a:chOff x="0" y="0"/>
+          <a:chExt cx="0" cy="0"/>
+        </a:xfrm>
+      </p:grpSpPr>
       <p:sp>
         <p:nvSpPr>
           <p:cNvPr id="4" name="Szövegdoboz 3">
@@ -3836,7 +3985,7 @@
 </p:sld>
 </file>
 
-<file path=ppt/slides/slide12.xml><?xml version="1.0" encoding="utf-8"?>
+<file path=ppt/slides/slide13.xml><?xml version="1.0" encoding="utf-8"?>
 <p:sld xmlns:a="http://schemas.openxmlformats.org/drawingml/2006/main" xmlns:r="http://schemas.openxmlformats.org/officeDocument/2006/relationships" xmlns:p="http://schemas.openxmlformats.org/presentationml/2006/main">
   <p:cSld>
     <p:spTree>

--- a/Erzelemelemzes.pptx
+++ b/Erzelemelemzes.pptx
@@ -7,17 +7,18 @@
   <p:sldIdLst>
     <p:sldId id="256" r:id="rId2"/>
     <p:sldId id="257" r:id="rId3"/>
-    <p:sldId id="264" r:id="rId4"/>
-    <p:sldId id="258" r:id="rId5"/>
-    <p:sldId id="265" r:id="rId6"/>
-    <p:sldId id="260" r:id="rId7"/>
-    <p:sldId id="266" r:id="rId8"/>
-    <p:sldId id="267" r:id="rId9"/>
-    <p:sldId id="268" r:id="rId10"/>
-    <p:sldId id="269" r:id="rId11"/>
-    <p:sldId id="270" r:id="rId12"/>
-    <p:sldId id="261" r:id="rId13"/>
-    <p:sldId id="262" r:id="rId14"/>
+    <p:sldId id="271" r:id="rId4"/>
+    <p:sldId id="264" r:id="rId5"/>
+    <p:sldId id="258" r:id="rId6"/>
+    <p:sldId id="265" r:id="rId7"/>
+    <p:sldId id="260" r:id="rId8"/>
+    <p:sldId id="266" r:id="rId9"/>
+    <p:sldId id="267" r:id="rId10"/>
+    <p:sldId id="268" r:id="rId11"/>
+    <p:sldId id="269" r:id="rId12"/>
+    <p:sldId id="270" r:id="rId13"/>
+    <p:sldId id="261" r:id="rId14"/>
+    <p:sldId id="262" r:id="rId15"/>
   </p:sldIdLst>
   <p:sldSz cx="12192000" cy="6858000"/>
   <p:notesSz cx="6858000" cy="9144000"/>
@@ -282,7 +283,7 @@
           <a:p>
             <a:fld id="{653F7DB2-B3B3-4420-9BDA-51761B5F6382}" type="datetimeFigureOut">
               <a:rPr lang="hu-HU" smtClean="0"/>
-              <a:t>2025. 09. 28.</a:t>
+              <a:t>2025. 09. 29.</a:t>
             </a:fld>
             <a:endParaRPr lang="hu-HU"/>
           </a:p>
@@ -480,7 +481,7 @@
           <a:p>
             <a:fld id="{653F7DB2-B3B3-4420-9BDA-51761B5F6382}" type="datetimeFigureOut">
               <a:rPr lang="hu-HU" smtClean="0"/>
-              <a:t>2025. 09. 28.</a:t>
+              <a:t>2025. 09. 29.</a:t>
             </a:fld>
             <a:endParaRPr lang="hu-HU"/>
           </a:p>
@@ -688,7 +689,7 @@
           <a:p>
             <a:fld id="{653F7DB2-B3B3-4420-9BDA-51761B5F6382}" type="datetimeFigureOut">
               <a:rPr lang="hu-HU" smtClean="0"/>
-              <a:t>2025. 09. 28.</a:t>
+              <a:t>2025. 09. 29.</a:t>
             </a:fld>
             <a:endParaRPr lang="hu-HU"/>
           </a:p>
@@ -886,7 +887,7 @@
           <a:p>
             <a:fld id="{653F7DB2-B3B3-4420-9BDA-51761B5F6382}" type="datetimeFigureOut">
               <a:rPr lang="hu-HU" smtClean="0"/>
-              <a:t>2025. 09. 28.</a:t>
+              <a:t>2025. 09. 29.</a:t>
             </a:fld>
             <a:endParaRPr lang="hu-HU"/>
           </a:p>
@@ -1161,7 +1162,7 @@
           <a:p>
             <a:fld id="{653F7DB2-B3B3-4420-9BDA-51761B5F6382}" type="datetimeFigureOut">
               <a:rPr lang="hu-HU" smtClean="0"/>
-              <a:t>2025. 09. 28.</a:t>
+              <a:t>2025. 09. 29.</a:t>
             </a:fld>
             <a:endParaRPr lang="hu-HU"/>
           </a:p>
@@ -1426,7 +1427,7 @@
           <a:p>
             <a:fld id="{653F7DB2-B3B3-4420-9BDA-51761B5F6382}" type="datetimeFigureOut">
               <a:rPr lang="hu-HU" smtClean="0"/>
-              <a:t>2025. 09. 28.</a:t>
+              <a:t>2025. 09. 29.</a:t>
             </a:fld>
             <a:endParaRPr lang="hu-HU"/>
           </a:p>
@@ -1838,7 +1839,7 @@
           <a:p>
             <a:fld id="{653F7DB2-B3B3-4420-9BDA-51761B5F6382}" type="datetimeFigureOut">
               <a:rPr lang="hu-HU" smtClean="0"/>
-              <a:t>2025. 09. 28.</a:t>
+              <a:t>2025. 09. 29.</a:t>
             </a:fld>
             <a:endParaRPr lang="hu-HU"/>
           </a:p>
@@ -1979,7 +1980,7 @@
           <a:p>
             <a:fld id="{653F7DB2-B3B3-4420-9BDA-51761B5F6382}" type="datetimeFigureOut">
               <a:rPr lang="hu-HU" smtClean="0"/>
-              <a:t>2025. 09. 28.</a:t>
+              <a:t>2025. 09. 29.</a:t>
             </a:fld>
             <a:endParaRPr lang="hu-HU"/>
           </a:p>
@@ -2092,7 +2093,7 @@
           <a:p>
             <a:fld id="{653F7DB2-B3B3-4420-9BDA-51761B5F6382}" type="datetimeFigureOut">
               <a:rPr lang="hu-HU" smtClean="0"/>
-              <a:t>2025. 09. 28.</a:t>
+              <a:t>2025. 09. 29.</a:t>
             </a:fld>
             <a:endParaRPr lang="hu-HU"/>
           </a:p>
@@ -2403,7 +2404,7 @@
           <a:p>
             <a:fld id="{653F7DB2-B3B3-4420-9BDA-51761B5F6382}" type="datetimeFigureOut">
               <a:rPr lang="hu-HU" smtClean="0"/>
-              <a:t>2025. 09. 28.</a:t>
+              <a:t>2025. 09. 29.</a:t>
             </a:fld>
             <a:endParaRPr lang="hu-HU"/>
           </a:p>
@@ -2691,7 +2692,7 @@
           <a:p>
             <a:fld id="{653F7DB2-B3B3-4420-9BDA-51761B5F6382}" type="datetimeFigureOut">
               <a:rPr lang="hu-HU" smtClean="0"/>
-              <a:t>2025. 09. 28.</a:t>
+              <a:t>2025. 09. 29.</a:t>
             </a:fld>
             <a:endParaRPr lang="hu-HU"/>
           </a:p>
@@ -2932,7 +2933,7 @@
           <a:p>
             <a:fld id="{653F7DB2-B3B3-4420-9BDA-51761B5F6382}" type="datetimeFigureOut">
               <a:rPr lang="hu-HU" smtClean="0"/>
-              <a:t>2025. 09. 28.</a:t>
+              <a:t>2025. 09. 29.</a:t>
             </a:fld>
             <a:endParaRPr lang="hu-HU"/>
           </a:p>
@@ -3619,6 +3620,200 @@
       </p:grpSpPr>
       <p:sp>
         <p:nvSpPr>
+          <p:cNvPr id="6" name="Szövegdoboz 5">
+            <a:extLst>
+              <a:ext uri="{FF2B5EF4-FFF2-40B4-BE49-F238E27FC236}">
+                <a16:creationId xmlns:a16="http://schemas.microsoft.com/office/drawing/2014/main" id="{2DE38EF8-C8E0-6092-0844-1D839E7C5FB4}"/>
+              </a:ext>
+            </a:extLst>
+          </p:cNvPr>
+          <p:cNvSpPr txBox="1"/>
+          <p:nvPr/>
+        </p:nvSpPr>
+        <p:spPr>
+          <a:xfrm>
+            <a:off x="168806" y="197346"/>
+            <a:ext cx="11543898" cy="7109639"/>
+          </a:xfrm>
+          <a:prstGeom prst="rect">
+            <a:avLst/>
+          </a:prstGeom>
+          <a:noFill/>
+        </p:spPr>
+        <p:txBody>
+          <a:bodyPr wrap="square" rtlCol="0">
+            <a:spAutoFit/>
+          </a:bodyPr>
+          <a:lstStyle/>
+          <a:p>
+            <a:r>
+              <a:rPr lang="hu-HU" sz="2400" b="1" dirty="0"/>
+              <a:t>A </a:t>
+            </a:r>
+            <a:r>
+              <a:rPr lang="hu-HU" sz="2400" b="1" dirty="0" err="1"/>
+              <a:t>predikciók</a:t>
+            </a:r>
+            <a:r>
+              <a:rPr lang="hu-HU" sz="2400" b="1" dirty="0"/>
+              <a:t> szubjektív vizsgálata</a:t>
+            </a:r>
+          </a:p>
+          <a:p>
+            <a:endParaRPr lang="hu-HU" sz="2400" b="1" dirty="0"/>
+          </a:p>
+          <a:p>
+            <a:r>
+              <a:rPr lang="hu-HU" dirty="0"/>
+              <a:t>Érthető, hogy a BERT modell téveszt, hogy a vers pozitív vagy negatív hangulatú. </a:t>
+            </a:r>
+            <a:br>
+              <a:rPr lang="hu-HU" dirty="0"/>
+            </a:br>
+            <a:r>
+              <a:rPr lang="hu-HU" dirty="0"/>
+              <a:t>Ez már irodalmi verselemzés szintje, annak megállapítása, hogy pl. a költő negatív képek használata ellenére is derűs hangulatú verset írt.</a:t>
+            </a:r>
+            <a:endParaRPr lang="hu-HU" b="1" dirty="0"/>
+          </a:p>
+          <a:p>
+            <a:endParaRPr lang="hu-HU" sz="2400" b="1" dirty="0"/>
+          </a:p>
+          <a:p>
+            <a:endParaRPr lang="hu-HU" sz="2400" b="1" dirty="0"/>
+          </a:p>
+          <a:p>
+            <a:endParaRPr lang="hu-HU" b="1" dirty="0"/>
+          </a:p>
+          <a:p>
+            <a:endParaRPr lang="hu-HU" b="1" dirty="0"/>
+          </a:p>
+          <a:p>
+            <a:endParaRPr lang="hu-HU" b="1" dirty="0"/>
+          </a:p>
+          <a:p>
+            <a:endParaRPr lang="hu-HU" b="1" dirty="0"/>
+          </a:p>
+          <a:p>
+            <a:endParaRPr lang="hu-HU" b="1" dirty="0"/>
+          </a:p>
+          <a:p>
+            <a:endParaRPr lang="hu-HU" b="1" dirty="0"/>
+          </a:p>
+          <a:p>
+            <a:endParaRPr lang="hu-HU" b="1" dirty="0"/>
+          </a:p>
+          <a:p>
+            <a:endParaRPr lang="hu-HU" b="1" dirty="0"/>
+          </a:p>
+          <a:p>
+            <a:endParaRPr lang="hu-HU" b="1" dirty="0"/>
+          </a:p>
+          <a:p>
+            <a:endParaRPr lang="hu-HU" b="1" dirty="0"/>
+          </a:p>
+          <a:p>
+            <a:endParaRPr lang="hu-HU" b="1" dirty="0"/>
+          </a:p>
+          <a:p>
+            <a:endParaRPr lang="hu-HU" b="1" dirty="0"/>
+          </a:p>
+          <a:p>
+            <a:endParaRPr lang="hu-HU" b="1" dirty="0"/>
+          </a:p>
+          <a:p>
+            <a:endParaRPr lang="hu-HU" b="1" dirty="0"/>
+          </a:p>
+          <a:p>
+            <a:endParaRPr lang="hu-HU" b="1" dirty="0"/>
+          </a:p>
+          <a:p>
+            <a:endParaRPr lang="hu-HU" dirty="0"/>
+          </a:p>
+          <a:p>
+            <a:endParaRPr lang="hu-HU" dirty="0"/>
+          </a:p>
+        </p:txBody>
+      </p:sp>
+      <p:pic>
+        <p:nvPicPr>
+          <p:cNvPr id="3074" name="Picture 2">
+            <a:extLst>
+              <a:ext uri="{FF2B5EF4-FFF2-40B4-BE49-F238E27FC236}">
+                <a16:creationId xmlns:a16="http://schemas.microsoft.com/office/drawing/2014/main" id="{D289A3E5-69FC-AB03-3F14-34C8AC57F2D7}"/>
+              </a:ext>
+            </a:extLst>
+          </p:cNvPr>
+          <p:cNvPicPr>
+            <a:picLocks noChangeAspect="1" noChangeArrowheads="1"/>
+          </p:cNvPicPr>
+          <p:nvPr/>
+        </p:nvPicPr>
+        <p:blipFill>
+          <a:blip r:embed="rId2">
+            <a:extLst>
+              <a:ext uri="{28A0092B-C50C-407E-A947-70E740481C1C}">
+                <a14:useLocalDpi xmlns:a14="http://schemas.microsoft.com/office/drawing/2010/main" val="0"/>
+              </a:ext>
+            </a:extLst>
+          </a:blip>
+          <a:srcRect/>
+          <a:stretch>
+            <a:fillRect/>
+          </a:stretch>
+        </p:blipFill>
+        <p:spPr bwMode="auto">
+          <a:xfrm>
+            <a:off x="479296" y="2512450"/>
+            <a:ext cx="11487557" cy="4075164"/>
+          </a:xfrm>
+          <a:prstGeom prst="rect">
+            <a:avLst/>
+          </a:prstGeom>
+          <a:noFill/>
+          <a:extLst>
+            <a:ext uri="{909E8E84-426E-40DD-AFC4-6F175D3DCCD1}">
+              <a14:hiddenFill xmlns:a14="http://schemas.microsoft.com/office/drawing/2010/main">
+                <a:solidFill>
+                  <a:srgbClr val="FFFFFF"/>
+                </a:solidFill>
+              </a14:hiddenFill>
+            </a:ext>
+          </a:extLst>
+        </p:spPr>
+      </p:pic>
+    </p:spTree>
+    <p:extLst>
+      <p:ext uri="{BB962C8B-B14F-4D97-AF65-F5344CB8AC3E}">
+        <p14:creationId xmlns:p14="http://schemas.microsoft.com/office/powerpoint/2010/main" val="3251595464"/>
+      </p:ext>
+    </p:extLst>
+  </p:cSld>
+  <p:clrMapOvr>
+    <a:masterClrMapping/>
+  </p:clrMapOvr>
+</p:sld>
+</file>
+
+<file path=ppt/slides/slide11.xml><?xml version="1.0" encoding="utf-8"?>
+<p:sld xmlns:a="http://schemas.openxmlformats.org/drawingml/2006/main" xmlns:r="http://schemas.openxmlformats.org/officeDocument/2006/relationships" xmlns:p="http://schemas.openxmlformats.org/presentationml/2006/main">
+  <p:cSld>
+    <p:spTree>
+      <p:nvGrpSpPr>
+        <p:cNvPr id="1" name=""/>
+        <p:cNvGrpSpPr/>
+        <p:nvPr/>
+      </p:nvGrpSpPr>
+      <p:grpSpPr>
+        <a:xfrm>
+          <a:off x="0" y="0"/>
+          <a:ext cx="0" cy="0"/>
+          <a:chOff x="0" y="0"/>
+          <a:chExt cx="0" cy="0"/>
+        </a:xfrm>
+      </p:grpSpPr>
+      <p:sp>
+        <p:nvSpPr>
           <p:cNvPr id="4" name="Szövegdoboz 3">
             <a:extLst>
               <a:ext uri="{FF2B5EF4-FFF2-40B4-BE49-F238E27FC236}">
@@ -3746,7 +3941,7 @@
 </p:sld>
 </file>
 
-<file path=ppt/slides/slide11.xml><?xml version="1.0" encoding="utf-8"?>
+<file path=ppt/slides/slide12.xml><?xml version="1.0" encoding="utf-8"?>
 <p:sld xmlns:a="http://schemas.openxmlformats.org/drawingml/2006/main" xmlns:r="http://schemas.openxmlformats.org/officeDocument/2006/relationships" xmlns:p="http://schemas.openxmlformats.org/presentationml/2006/main">
   <p:cSld>
     <p:spTree>
@@ -3894,7 +4089,7 @@
 </p:sld>
 </file>
 
-<file path=ppt/slides/slide12.xml><?xml version="1.0" encoding="utf-8"?>
+<file path=ppt/slides/slide13.xml><?xml version="1.0" encoding="utf-8"?>
 <p:sld xmlns:a="http://schemas.openxmlformats.org/drawingml/2006/main" xmlns:r="http://schemas.openxmlformats.org/officeDocument/2006/relationships" xmlns:p="http://schemas.openxmlformats.org/presentationml/2006/main">
   <p:cSld>
     <p:spTree>
@@ -3985,7 +4180,7 @@
 </p:sld>
 </file>
 
-<file path=ppt/slides/slide13.xml><?xml version="1.0" encoding="utf-8"?>
+<file path=ppt/slides/slide14.xml><?xml version="1.0" encoding="utf-8"?>
 <p:sld xmlns:a="http://schemas.openxmlformats.org/drawingml/2006/main" xmlns:r="http://schemas.openxmlformats.org/officeDocument/2006/relationships" xmlns:p="http://schemas.openxmlformats.org/presentationml/2006/main">
   <p:cSld>
     <p:spTree>
@@ -4318,12 +4513,42 @@
           <a:chExt cx="0" cy="0"/>
         </a:xfrm>
       </p:grpSpPr>
-      <p:sp>
-        <p:nvSpPr>
-          <p:cNvPr id="4" name="Szövegdoboz 3">
-            <a:extLst>
-              <a:ext uri="{FF2B5EF4-FFF2-40B4-BE49-F238E27FC236}">
-                <a16:creationId xmlns:a16="http://schemas.microsoft.com/office/drawing/2014/main" id="{339E0D87-7441-2025-54B3-5D51681BCAA1}"/>
+      <p:pic>
+        <p:nvPicPr>
+          <p:cNvPr id="5" name="Kép 4">
+            <a:extLst>
+              <a:ext uri="{FF2B5EF4-FFF2-40B4-BE49-F238E27FC236}">
+                <a16:creationId xmlns:a16="http://schemas.microsoft.com/office/drawing/2014/main" id="{6287949F-686A-C7B8-93AB-2DFDCB94081F}"/>
+              </a:ext>
+            </a:extLst>
+          </p:cNvPr>
+          <p:cNvPicPr>
+            <a:picLocks noChangeAspect="1"/>
+          </p:cNvPicPr>
+          <p:nvPr/>
+        </p:nvPicPr>
+        <p:blipFill>
+          <a:blip r:embed="rId2"/>
+          <a:stretch>
+            <a:fillRect/>
+          </a:stretch>
+        </p:blipFill>
+        <p:spPr>
+          <a:xfrm>
+            <a:off x="2134161" y="534544"/>
+            <a:ext cx="8989640" cy="6005724"/>
+          </a:xfrm>
+          <a:prstGeom prst="rect">
+            <a:avLst/>
+          </a:prstGeom>
+        </p:spPr>
+      </p:pic>
+      <p:sp>
+        <p:nvSpPr>
+          <p:cNvPr id="6" name="Szövegdoboz 5">
+            <a:extLst>
+              <a:ext uri="{FF2B5EF4-FFF2-40B4-BE49-F238E27FC236}">
+                <a16:creationId xmlns:a16="http://schemas.microsoft.com/office/drawing/2014/main" id="{C5E8A571-B122-9472-18C0-21FE9C884087}"/>
               </a:ext>
             </a:extLst>
           </p:cNvPr>
@@ -4332,8 +4557,8 @@
         </p:nvSpPr>
         <p:spPr>
           <a:xfrm>
-            <a:off x="327804" y="224286"/>
-            <a:ext cx="11598432" cy="6463308"/>
+            <a:off x="252390" y="165212"/>
+            <a:ext cx="1626744" cy="738664"/>
           </a:xfrm>
           <a:prstGeom prst="rect">
             <a:avLst/>
@@ -4341,246 +4566,25 @@
           <a:noFill/>
         </p:spPr>
         <p:txBody>
-          <a:bodyPr wrap="none" rtlCol="0">
+          <a:bodyPr wrap="square" rtlCol="0">
             <a:spAutoFit/>
           </a:bodyPr>
           <a:lstStyle/>
           <a:p>
             <a:r>
-              <a:rPr lang="hu-HU" b="1" dirty="0"/>
-              <a:t>Web </a:t>
-            </a:r>
-            <a:r>
-              <a:rPr lang="hu-HU" b="1" dirty="0" err="1"/>
-              <a:t>scraping</a:t>
-            </a:r>
-            <a:r>
-              <a:rPr lang="hu-HU" b="1" dirty="0"/>
-              <a:t>:  </a:t>
-            </a:r>
-            <a:r>
-              <a:rPr lang="hu-HU" dirty="0"/>
-              <a:t>Poet.hu Érzelmek oldalán (poet.hu/</a:t>
-            </a:r>
-            <a:r>
-              <a:rPr lang="hu-HU" dirty="0" err="1"/>
-              <a:t>Erzelmek</a:t>
-            </a:r>
-            <a:r>
-              <a:rPr lang="hu-HU" dirty="0"/>
-              <a:t>/) a </a:t>
-            </a:r>
-          </a:p>
-          <a:p>
-            <a:br>
-              <a:rPr lang="hu-HU" dirty="0"/>
-            </a:br>
-            <a:r>
-              <a:rPr lang="hu-HU" b="1" dirty="0">
-                <a:solidFill>
-                  <a:schemeClr val="accent6">
-                    <a:lumMod val="75000"/>
-                  </a:schemeClr>
-                </a:solidFill>
-              </a:rPr>
-              <a:t>Pozitív</a:t>
-            </a:r>
-            <a:r>
-              <a:rPr lang="hu-HU" dirty="0"/>
-              <a:t> kategóriájú versek: </a:t>
-            </a:r>
-            <a:r>
-              <a:rPr lang="hu-HU" b="1" dirty="0"/>
-              <a:t>Szeretet, Boldogság, Bizalom, Mosoly</a:t>
-            </a:r>
-          </a:p>
-          <a:p>
-            <a:endParaRPr lang="hu-HU" b="1" dirty="0"/>
-          </a:p>
-          <a:p>
-            <a:r>
-              <a:rPr lang="hu-HU" b="1" dirty="0">
-                <a:solidFill>
-                  <a:srgbClr val="FF0000"/>
-                </a:solidFill>
-              </a:rPr>
-              <a:t>Negatív</a:t>
-            </a:r>
-            <a:r>
-              <a:rPr lang="hu-HU" dirty="0"/>
-              <a:t> versek: </a:t>
-            </a:r>
-            <a:r>
-              <a:rPr lang="hu-HU" b="1" dirty="0"/>
-              <a:t>Félelem, Sírás, Fájdalom, Szenvedés </a:t>
-            </a:r>
-            <a:r>
-              <a:rPr lang="hu-HU" dirty="0"/>
-              <a:t>kategóriában találhatók.</a:t>
+              <a:rPr lang="hu-HU" sz="2400" b="1" dirty="0"/>
+              <a:t>Poet.hu</a:t>
             </a:r>
           </a:p>
           <a:p>
             <a:endParaRPr lang="hu-HU" dirty="0"/>
-          </a:p>
-          <a:p>
-            <a:r>
-              <a:rPr lang="hu-HU" dirty="0"/>
-              <a:t>(Éles szétválasztás, az elégikus, melankolikus hangulatúakat, kategóriába tartozókat nem vettem bele.)</a:t>
-            </a:r>
-          </a:p>
-          <a:p>
-            <a:endParaRPr lang="hu-HU" dirty="0"/>
-          </a:p>
-          <a:p>
-            <a:r>
-              <a:rPr lang="hu-HU" dirty="0"/>
-              <a:t>Modell készítéshez és a  Teszteléshez 3db Excelt készítettem (A, B, C) web </a:t>
-            </a:r>
-            <a:r>
-              <a:rPr lang="hu-HU" dirty="0" err="1"/>
-              <a:t>scraping</a:t>
-            </a:r>
-            <a:r>
-              <a:rPr lang="hu-HU" dirty="0"/>
-              <a:t> módszerrel.</a:t>
-            </a:r>
-            <a:br>
-              <a:rPr lang="hu-HU" dirty="0"/>
-            </a:br>
-            <a:r>
-              <a:rPr lang="hu-HU" dirty="0"/>
-              <a:t>(</a:t>
-            </a:r>
-            <a:r>
-              <a:rPr lang="hu-HU" b="1" dirty="0"/>
-              <a:t>A</a:t>
-            </a:r>
-            <a:r>
-              <a:rPr lang="hu-HU" dirty="0"/>
-              <a:t>:189, </a:t>
-            </a:r>
-            <a:r>
-              <a:rPr lang="hu-HU" b="1" dirty="0"/>
-              <a:t>B</a:t>
-            </a:r>
-            <a:r>
-              <a:rPr lang="hu-HU" dirty="0"/>
-              <a:t>: 219, </a:t>
-            </a:r>
-            <a:r>
-              <a:rPr lang="hu-HU" b="1" dirty="0"/>
-              <a:t>C</a:t>
-            </a:r>
-            <a:r>
-              <a:rPr lang="hu-HU" dirty="0"/>
-              <a:t>: 240 db verset tartalmazott.)</a:t>
-            </a:r>
-          </a:p>
-          <a:p>
-            <a:endParaRPr lang="hu-HU" dirty="0"/>
-          </a:p>
-          <a:p>
-            <a:r>
-              <a:rPr lang="hu-HU" dirty="0"/>
-              <a:t>Az Excel fájlok oszlopai: </a:t>
-            </a:r>
-            <a:r>
-              <a:rPr lang="hu-HU" b="1" dirty="0"/>
-              <a:t>Típus (pozitív/negatív) </a:t>
-            </a:r>
-            <a:r>
-              <a:rPr lang="hu-HU" dirty="0"/>
-              <a:t>, Szerző, Cím, </a:t>
-            </a:r>
-            <a:r>
-              <a:rPr lang="hu-HU" b="1" dirty="0"/>
-              <a:t>Vers</a:t>
-            </a:r>
-            <a:r>
-              <a:rPr lang="hu-HU" dirty="0"/>
-              <a:t>, Link.</a:t>
-            </a:r>
-          </a:p>
-          <a:p>
-            <a:endParaRPr lang="hu-HU" dirty="0"/>
-          </a:p>
-          <a:p>
-            <a:r>
-              <a:rPr lang="hu-HU" b="1" dirty="0"/>
-              <a:t>Adatok vizsgálata: </a:t>
-            </a:r>
-            <a:r>
-              <a:rPr lang="hu-HU" dirty="0"/>
-              <a:t>A verseket átnéztem (átfutottam).  Néhányat OFF jelzővel láttam el. </a:t>
-            </a:r>
-            <a:br>
-              <a:rPr lang="hu-HU" dirty="0"/>
-            </a:br>
-            <a:r>
-              <a:rPr lang="hu-HU" dirty="0" err="1"/>
-              <a:t>Duplikációkra</a:t>
-            </a:r>
-            <a:r>
-              <a:rPr lang="hu-HU" dirty="0"/>
-              <a:t> figyeltem, a tanító, validációs, teszt adatoknál ne legyen azonos vers.</a:t>
-            </a:r>
-          </a:p>
-          <a:p>
-            <a:endParaRPr lang="hu-HU" dirty="0"/>
-          </a:p>
-          <a:p>
-            <a:r>
-              <a:rPr lang="hu-HU" b="1" dirty="0"/>
-              <a:t>Kiegyensúlyozás: </a:t>
-            </a:r>
-            <a:r>
-              <a:rPr lang="hu-HU" dirty="0"/>
-              <a:t>A Modell tanítására szánt Exceleket (pl. A+B)  előbb kiegyensúlyoztam, egyenlő Pozitív és Negatív </a:t>
-            </a:r>
-            <a:br>
-              <a:rPr lang="hu-HU" dirty="0"/>
-            </a:br>
-            <a:r>
-              <a:rPr lang="hu-HU" dirty="0"/>
-              <a:t>hangulatú vers legyen a táblában.</a:t>
-            </a:r>
-            <a:br>
-              <a:rPr lang="hu-HU" dirty="0"/>
-            </a:br>
-            <a:r>
-              <a:rPr lang="hu-HU" dirty="0"/>
-              <a:t>A Tanító és Validációs arány: 70%-30%  </a:t>
-            </a:r>
-          </a:p>
-          <a:p>
-            <a:r>
-              <a:rPr lang="hu-HU" dirty="0"/>
-              <a:t>Pl. A+B (A és B Excelek egyesítésével)  a </a:t>
-            </a:r>
-            <a:r>
-              <a:rPr lang="hu-HU" dirty="0" err="1"/>
-              <a:t>Train</a:t>
-            </a:r>
-            <a:r>
-              <a:rPr lang="hu-HU" dirty="0"/>
-              <a:t> halmaz mérete: 261, Validációs halmaz mérete: 113</a:t>
-            </a:r>
-          </a:p>
-          <a:p>
-            <a:endParaRPr lang="hu-HU" b="1" dirty="0"/>
-          </a:p>
-          <a:p>
-            <a:endParaRPr lang="hu-HU" b="1" dirty="0"/>
-          </a:p>
-          <a:p>
-            <a:endParaRPr lang="hu-HU" b="1" dirty="0"/>
           </a:p>
         </p:txBody>
       </p:sp>
     </p:spTree>
     <p:extLst>
       <p:ext uri="{BB962C8B-B14F-4D97-AF65-F5344CB8AC3E}">
-        <p14:creationId xmlns:p14="http://schemas.microsoft.com/office/powerpoint/2010/main" val="3157232595"/>
+        <p14:creationId xmlns:p14="http://schemas.microsoft.com/office/powerpoint/2010/main" val="2743803783"/>
       </p:ext>
     </p:extLst>
   </p:cSld>
@@ -4612,6 +4616,295 @@
           <p:cNvPr id="4" name="Szövegdoboz 3">
             <a:extLst>
               <a:ext uri="{FF2B5EF4-FFF2-40B4-BE49-F238E27FC236}">
+                <a16:creationId xmlns:a16="http://schemas.microsoft.com/office/drawing/2014/main" id="{339E0D87-7441-2025-54B3-5D51681BCAA1}"/>
+              </a:ext>
+            </a:extLst>
+          </p:cNvPr>
+          <p:cNvSpPr txBox="1"/>
+          <p:nvPr/>
+        </p:nvSpPr>
+        <p:spPr>
+          <a:xfrm>
+            <a:off x="327804" y="224286"/>
+            <a:ext cx="11598432" cy="6463308"/>
+          </a:xfrm>
+          <a:prstGeom prst="rect">
+            <a:avLst/>
+          </a:prstGeom>
+          <a:noFill/>
+        </p:spPr>
+        <p:txBody>
+          <a:bodyPr wrap="none" rtlCol="0">
+            <a:spAutoFit/>
+          </a:bodyPr>
+          <a:lstStyle/>
+          <a:p>
+            <a:r>
+              <a:rPr lang="hu-HU" b="1" dirty="0"/>
+              <a:t>Web </a:t>
+            </a:r>
+            <a:r>
+              <a:rPr lang="hu-HU" b="1" dirty="0" err="1"/>
+              <a:t>scraping</a:t>
+            </a:r>
+            <a:r>
+              <a:rPr lang="hu-HU" b="1" dirty="0"/>
+              <a:t>:  </a:t>
+            </a:r>
+            <a:r>
+              <a:rPr lang="hu-HU" dirty="0"/>
+              <a:t>Poet.hu Érzelmek oldalán (poet.hu/</a:t>
+            </a:r>
+            <a:r>
+              <a:rPr lang="hu-HU" dirty="0" err="1"/>
+              <a:t>Erzelmek</a:t>
+            </a:r>
+            <a:r>
+              <a:rPr lang="hu-HU" dirty="0"/>
+              <a:t>/) a </a:t>
+            </a:r>
+          </a:p>
+          <a:p>
+            <a:br>
+              <a:rPr lang="hu-HU" dirty="0"/>
+            </a:br>
+            <a:r>
+              <a:rPr lang="hu-HU" b="1" dirty="0">
+                <a:solidFill>
+                  <a:schemeClr val="accent6">
+                    <a:lumMod val="75000"/>
+                  </a:schemeClr>
+                </a:solidFill>
+              </a:rPr>
+              <a:t>Pozitív</a:t>
+            </a:r>
+            <a:r>
+              <a:rPr lang="hu-HU" dirty="0"/>
+              <a:t> kategóriájú versek: </a:t>
+            </a:r>
+            <a:r>
+              <a:rPr lang="hu-HU" b="1" dirty="0"/>
+              <a:t>Szeretet, Boldogság, Bizalom, Mosoly</a:t>
+            </a:r>
+          </a:p>
+          <a:p>
+            <a:endParaRPr lang="hu-HU" b="1" dirty="0"/>
+          </a:p>
+          <a:p>
+            <a:r>
+              <a:rPr lang="hu-HU" b="1" dirty="0">
+                <a:solidFill>
+                  <a:srgbClr val="FF0000"/>
+                </a:solidFill>
+              </a:rPr>
+              <a:t>Negatív</a:t>
+            </a:r>
+            <a:r>
+              <a:rPr lang="hu-HU" dirty="0"/>
+              <a:t> versek: </a:t>
+            </a:r>
+            <a:r>
+              <a:rPr lang="hu-HU" b="1" dirty="0"/>
+              <a:t>Félelem, Sírás, Fájdalom, Szenvedés </a:t>
+            </a:r>
+            <a:r>
+              <a:rPr lang="hu-HU" dirty="0"/>
+              <a:t>kategóriában találhatók.</a:t>
+            </a:r>
+          </a:p>
+          <a:p>
+            <a:endParaRPr lang="hu-HU" dirty="0"/>
+          </a:p>
+          <a:p>
+            <a:r>
+              <a:rPr lang="hu-HU" dirty="0"/>
+              <a:t>(Éles szétválasztás, az elégikus, melankolikus hangulatúakat, kategóriába tartozókat nem vettem bele.)</a:t>
+            </a:r>
+          </a:p>
+          <a:p>
+            <a:endParaRPr lang="hu-HU" dirty="0"/>
+          </a:p>
+          <a:p>
+            <a:r>
+              <a:rPr lang="hu-HU" dirty="0"/>
+              <a:t>Modell készítéshez és a  Teszteléshez 3db Excelt készítettem (A, B, C) web </a:t>
+            </a:r>
+            <a:r>
+              <a:rPr lang="hu-HU" dirty="0" err="1"/>
+              <a:t>scraping</a:t>
+            </a:r>
+            <a:r>
+              <a:rPr lang="hu-HU" dirty="0"/>
+              <a:t> módszerrel.</a:t>
+            </a:r>
+            <a:br>
+              <a:rPr lang="hu-HU" dirty="0"/>
+            </a:br>
+            <a:r>
+              <a:rPr lang="hu-HU" dirty="0"/>
+              <a:t>(</a:t>
+            </a:r>
+            <a:r>
+              <a:rPr lang="hu-HU" b="1" dirty="0"/>
+              <a:t>A</a:t>
+            </a:r>
+            <a:r>
+              <a:rPr lang="hu-HU" dirty="0"/>
+              <a:t>:189, </a:t>
+            </a:r>
+            <a:r>
+              <a:rPr lang="hu-HU" b="1" dirty="0"/>
+              <a:t>B</a:t>
+            </a:r>
+            <a:r>
+              <a:rPr lang="hu-HU" dirty="0"/>
+              <a:t>: 219, </a:t>
+            </a:r>
+            <a:r>
+              <a:rPr lang="hu-HU" b="1" dirty="0"/>
+              <a:t>C</a:t>
+            </a:r>
+            <a:r>
+              <a:rPr lang="hu-HU" dirty="0"/>
+              <a:t>: 240 db verset tartalmazott.)</a:t>
+            </a:r>
+          </a:p>
+          <a:p>
+            <a:endParaRPr lang="hu-HU" dirty="0"/>
+          </a:p>
+          <a:p>
+            <a:r>
+              <a:rPr lang="hu-HU" dirty="0"/>
+              <a:t>Az Excel fájlok oszlopai: </a:t>
+            </a:r>
+            <a:r>
+              <a:rPr lang="hu-HU" b="1" dirty="0"/>
+              <a:t>Típus (pozitív/negatív) </a:t>
+            </a:r>
+            <a:r>
+              <a:rPr lang="hu-HU" dirty="0"/>
+              <a:t>, Szerző, Cím, </a:t>
+            </a:r>
+            <a:r>
+              <a:rPr lang="hu-HU" b="1" dirty="0"/>
+              <a:t>Vers</a:t>
+            </a:r>
+            <a:r>
+              <a:rPr lang="hu-HU" dirty="0"/>
+              <a:t>, Link.</a:t>
+            </a:r>
+          </a:p>
+          <a:p>
+            <a:endParaRPr lang="hu-HU" dirty="0"/>
+          </a:p>
+          <a:p>
+            <a:r>
+              <a:rPr lang="hu-HU" b="1" dirty="0"/>
+              <a:t>Adatok vizsgálata: </a:t>
+            </a:r>
+            <a:r>
+              <a:rPr lang="hu-HU" dirty="0"/>
+              <a:t>A verseket átnéztem (átfutottam).  Néhányat OFF jelzővel láttam el. </a:t>
+            </a:r>
+            <a:br>
+              <a:rPr lang="hu-HU" dirty="0"/>
+            </a:br>
+            <a:r>
+              <a:rPr lang="hu-HU" dirty="0" err="1"/>
+              <a:t>Duplikációkra</a:t>
+            </a:r>
+            <a:r>
+              <a:rPr lang="hu-HU" dirty="0"/>
+              <a:t> figyeltem, a tanító, validációs, teszt adatoknál ne legyen azonos vers.</a:t>
+            </a:r>
+          </a:p>
+          <a:p>
+            <a:endParaRPr lang="hu-HU" dirty="0"/>
+          </a:p>
+          <a:p>
+            <a:r>
+              <a:rPr lang="hu-HU" b="1" dirty="0"/>
+              <a:t>Kiegyensúlyozás: </a:t>
+            </a:r>
+            <a:r>
+              <a:rPr lang="hu-HU" dirty="0"/>
+              <a:t>A Modell tanítására szánt Exceleket (pl. A+B)  előbb kiegyensúlyoztam, egyenlő Pozitív és Negatív </a:t>
+            </a:r>
+            <a:br>
+              <a:rPr lang="hu-HU" dirty="0"/>
+            </a:br>
+            <a:r>
+              <a:rPr lang="hu-HU" dirty="0"/>
+              <a:t>hangulatú vers legyen a táblában.</a:t>
+            </a:r>
+            <a:br>
+              <a:rPr lang="hu-HU" dirty="0"/>
+            </a:br>
+            <a:r>
+              <a:rPr lang="hu-HU" dirty="0"/>
+              <a:t>A Tanító és Validációs arány: 70%-30%  </a:t>
+            </a:r>
+          </a:p>
+          <a:p>
+            <a:r>
+              <a:rPr lang="hu-HU" dirty="0"/>
+              <a:t>Pl. A+B (A és B Excelek egyesítésével)  a </a:t>
+            </a:r>
+            <a:r>
+              <a:rPr lang="hu-HU" dirty="0" err="1"/>
+              <a:t>Train</a:t>
+            </a:r>
+            <a:r>
+              <a:rPr lang="hu-HU" dirty="0"/>
+              <a:t> halmaz mérete: 261, Validációs halmaz mérete: 113</a:t>
+            </a:r>
+          </a:p>
+          <a:p>
+            <a:endParaRPr lang="hu-HU" b="1" dirty="0"/>
+          </a:p>
+          <a:p>
+            <a:endParaRPr lang="hu-HU" b="1" dirty="0"/>
+          </a:p>
+          <a:p>
+            <a:endParaRPr lang="hu-HU" b="1" dirty="0"/>
+          </a:p>
+        </p:txBody>
+      </p:sp>
+    </p:spTree>
+    <p:extLst>
+      <p:ext uri="{BB962C8B-B14F-4D97-AF65-F5344CB8AC3E}">
+        <p14:creationId xmlns:p14="http://schemas.microsoft.com/office/powerpoint/2010/main" val="3157232595"/>
+      </p:ext>
+    </p:extLst>
+  </p:cSld>
+  <p:clrMapOvr>
+    <a:masterClrMapping/>
+  </p:clrMapOvr>
+</p:sld>
+</file>
+
+<file path=ppt/slides/slide5.xml><?xml version="1.0" encoding="utf-8"?>
+<p:sld xmlns:a="http://schemas.openxmlformats.org/drawingml/2006/main" xmlns:r="http://schemas.openxmlformats.org/officeDocument/2006/relationships" xmlns:p="http://schemas.openxmlformats.org/presentationml/2006/main">
+  <p:cSld>
+    <p:spTree>
+      <p:nvGrpSpPr>
+        <p:cNvPr id="1" name=""/>
+        <p:cNvGrpSpPr/>
+        <p:nvPr/>
+      </p:nvGrpSpPr>
+      <p:grpSpPr>
+        <a:xfrm>
+          <a:off x="0" y="0"/>
+          <a:ext cx="0" cy="0"/>
+          <a:chOff x="0" y="0"/>
+          <a:chExt cx="0" cy="0"/>
+        </a:xfrm>
+      </p:grpSpPr>
+      <p:sp>
+        <p:nvSpPr>
+          <p:cNvPr id="4" name="Szövegdoboz 3">
+            <a:extLst>
+              <a:ext uri="{FF2B5EF4-FFF2-40B4-BE49-F238E27FC236}">
                 <a16:creationId xmlns:a16="http://schemas.microsoft.com/office/drawing/2014/main" id="{A3CD8D9B-788C-B9C0-E7E5-84EB86FF11D1}"/>
               </a:ext>
             </a:extLst>
@@ -4863,7 +5156,7 @@
 </p:sld>
 </file>
 
-<file path=ppt/slides/slide5.xml><?xml version="1.0" encoding="utf-8"?>
+<file path=ppt/slides/slide6.xml><?xml version="1.0" encoding="utf-8"?>
 <p:sld xmlns:a="http://schemas.openxmlformats.org/drawingml/2006/main" xmlns:r="http://schemas.openxmlformats.org/officeDocument/2006/relationships" xmlns:p="http://schemas.openxmlformats.org/presentationml/2006/main">
   <p:cSld>
     <p:spTree>
@@ -5222,7 +5515,7 @@
 </p:sld>
 </file>
 
-<file path=ppt/slides/slide6.xml><?xml version="1.0" encoding="utf-8"?>
+<file path=ppt/slides/slide7.xml><?xml version="1.0" encoding="utf-8"?>
 <p:sld xmlns:a="http://schemas.openxmlformats.org/drawingml/2006/main" xmlns:r="http://schemas.openxmlformats.org/officeDocument/2006/relationships" xmlns:p="http://schemas.openxmlformats.org/presentationml/2006/main">
   <p:cSld>
     <p:spTree>
@@ -5398,7 +5691,7 @@
 </p:sld>
 </file>
 
-<file path=ppt/slides/slide7.xml><?xml version="1.0" encoding="utf-8"?>
+<file path=ppt/slides/slide8.xml><?xml version="1.0" encoding="utf-8"?>
 <p:sld xmlns:a="http://schemas.openxmlformats.org/drawingml/2006/main" xmlns:r="http://schemas.openxmlformats.org/officeDocument/2006/relationships" xmlns:p="http://schemas.openxmlformats.org/presentationml/2006/main">
   <p:cSld>
     <p:spTree>
@@ -5665,7 +5958,7 @@
 </p:sld>
 </file>
 
-<file path=ppt/slides/slide8.xml><?xml version="1.0" encoding="utf-8"?>
+<file path=ppt/slides/slide9.xml><?xml version="1.0" encoding="utf-8"?>
 <p:sld xmlns:a="http://schemas.openxmlformats.org/drawingml/2006/main" xmlns:r="http://schemas.openxmlformats.org/officeDocument/2006/relationships" xmlns:p="http://schemas.openxmlformats.org/presentationml/2006/main">
   <p:cSld>
     <p:spTree>
@@ -6426,200 +6719,6 @@
 </p:sld>
 </file>
 
-<file path=ppt/slides/slide9.xml><?xml version="1.0" encoding="utf-8"?>
-<p:sld xmlns:a="http://schemas.openxmlformats.org/drawingml/2006/main" xmlns:r="http://schemas.openxmlformats.org/officeDocument/2006/relationships" xmlns:p="http://schemas.openxmlformats.org/presentationml/2006/main">
-  <p:cSld>
-    <p:spTree>
-      <p:nvGrpSpPr>
-        <p:cNvPr id="1" name=""/>
-        <p:cNvGrpSpPr/>
-        <p:nvPr/>
-      </p:nvGrpSpPr>
-      <p:grpSpPr>
-        <a:xfrm>
-          <a:off x="0" y="0"/>
-          <a:ext cx="0" cy="0"/>
-          <a:chOff x="0" y="0"/>
-          <a:chExt cx="0" cy="0"/>
-        </a:xfrm>
-      </p:grpSpPr>
-      <p:sp>
-        <p:nvSpPr>
-          <p:cNvPr id="6" name="Szövegdoboz 5">
-            <a:extLst>
-              <a:ext uri="{FF2B5EF4-FFF2-40B4-BE49-F238E27FC236}">
-                <a16:creationId xmlns:a16="http://schemas.microsoft.com/office/drawing/2014/main" id="{2DE38EF8-C8E0-6092-0844-1D839E7C5FB4}"/>
-              </a:ext>
-            </a:extLst>
-          </p:cNvPr>
-          <p:cNvSpPr txBox="1"/>
-          <p:nvPr/>
-        </p:nvSpPr>
-        <p:spPr>
-          <a:xfrm>
-            <a:off x="168806" y="197346"/>
-            <a:ext cx="11543898" cy="7109639"/>
-          </a:xfrm>
-          <a:prstGeom prst="rect">
-            <a:avLst/>
-          </a:prstGeom>
-          <a:noFill/>
-        </p:spPr>
-        <p:txBody>
-          <a:bodyPr wrap="square" rtlCol="0">
-            <a:spAutoFit/>
-          </a:bodyPr>
-          <a:lstStyle/>
-          <a:p>
-            <a:r>
-              <a:rPr lang="hu-HU" sz="2400" b="1" dirty="0"/>
-              <a:t>A </a:t>
-            </a:r>
-            <a:r>
-              <a:rPr lang="hu-HU" sz="2400" b="1" dirty="0" err="1"/>
-              <a:t>predikciók</a:t>
-            </a:r>
-            <a:r>
-              <a:rPr lang="hu-HU" sz="2400" b="1" dirty="0"/>
-              <a:t> szubjektív vizsgálata</a:t>
-            </a:r>
-          </a:p>
-          <a:p>
-            <a:endParaRPr lang="hu-HU" sz="2400" b="1" dirty="0"/>
-          </a:p>
-          <a:p>
-            <a:r>
-              <a:rPr lang="hu-HU" dirty="0"/>
-              <a:t>Érthető, hogy a BERT modell téveszt, hogy a vers pozitív vagy negatív hangulatú. </a:t>
-            </a:r>
-            <a:br>
-              <a:rPr lang="hu-HU" dirty="0"/>
-            </a:br>
-            <a:r>
-              <a:rPr lang="hu-HU" dirty="0"/>
-              <a:t>Ez már irodalmi verselemzés szintje, annak megállapítása, hogy pl. a költő negatív képek használata ellenére is derűs hangulatú verset írt.</a:t>
-            </a:r>
-            <a:endParaRPr lang="hu-HU" b="1" dirty="0"/>
-          </a:p>
-          <a:p>
-            <a:endParaRPr lang="hu-HU" sz="2400" b="1" dirty="0"/>
-          </a:p>
-          <a:p>
-            <a:endParaRPr lang="hu-HU" sz="2400" b="1" dirty="0"/>
-          </a:p>
-          <a:p>
-            <a:endParaRPr lang="hu-HU" b="1" dirty="0"/>
-          </a:p>
-          <a:p>
-            <a:endParaRPr lang="hu-HU" b="1" dirty="0"/>
-          </a:p>
-          <a:p>
-            <a:endParaRPr lang="hu-HU" b="1" dirty="0"/>
-          </a:p>
-          <a:p>
-            <a:endParaRPr lang="hu-HU" b="1" dirty="0"/>
-          </a:p>
-          <a:p>
-            <a:endParaRPr lang="hu-HU" b="1" dirty="0"/>
-          </a:p>
-          <a:p>
-            <a:endParaRPr lang="hu-HU" b="1" dirty="0"/>
-          </a:p>
-          <a:p>
-            <a:endParaRPr lang="hu-HU" b="1" dirty="0"/>
-          </a:p>
-          <a:p>
-            <a:endParaRPr lang="hu-HU" b="1" dirty="0"/>
-          </a:p>
-          <a:p>
-            <a:endParaRPr lang="hu-HU" b="1" dirty="0"/>
-          </a:p>
-          <a:p>
-            <a:endParaRPr lang="hu-HU" b="1" dirty="0"/>
-          </a:p>
-          <a:p>
-            <a:endParaRPr lang="hu-HU" b="1" dirty="0"/>
-          </a:p>
-          <a:p>
-            <a:endParaRPr lang="hu-HU" b="1" dirty="0"/>
-          </a:p>
-          <a:p>
-            <a:endParaRPr lang="hu-HU" b="1" dirty="0"/>
-          </a:p>
-          <a:p>
-            <a:endParaRPr lang="hu-HU" b="1" dirty="0"/>
-          </a:p>
-          <a:p>
-            <a:endParaRPr lang="hu-HU" b="1" dirty="0"/>
-          </a:p>
-          <a:p>
-            <a:endParaRPr lang="hu-HU" dirty="0"/>
-          </a:p>
-          <a:p>
-            <a:endParaRPr lang="hu-HU" dirty="0"/>
-          </a:p>
-        </p:txBody>
-      </p:sp>
-      <p:pic>
-        <p:nvPicPr>
-          <p:cNvPr id="3074" name="Picture 2">
-            <a:extLst>
-              <a:ext uri="{FF2B5EF4-FFF2-40B4-BE49-F238E27FC236}">
-                <a16:creationId xmlns:a16="http://schemas.microsoft.com/office/drawing/2014/main" id="{D289A3E5-69FC-AB03-3F14-34C8AC57F2D7}"/>
-              </a:ext>
-            </a:extLst>
-          </p:cNvPr>
-          <p:cNvPicPr>
-            <a:picLocks noChangeAspect="1" noChangeArrowheads="1"/>
-          </p:cNvPicPr>
-          <p:nvPr/>
-        </p:nvPicPr>
-        <p:blipFill>
-          <a:blip r:embed="rId2">
-            <a:extLst>
-              <a:ext uri="{28A0092B-C50C-407E-A947-70E740481C1C}">
-                <a14:useLocalDpi xmlns:a14="http://schemas.microsoft.com/office/drawing/2010/main" val="0"/>
-              </a:ext>
-            </a:extLst>
-          </a:blip>
-          <a:srcRect/>
-          <a:stretch>
-            <a:fillRect/>
-          </a:stretch>
-        </p:blipFill>
-        <p:spPr bwMode="auto">
-          <a:xfrm>
-            <a:off x="479296" y="2512450"/>
-            <a:ext cx="11487557" cy="4075164"/>
-          </a:xfrm>
-          <a:prstGeom prst="rect">
-            <a:avLst/>
-          </a:prstGeom>
-          <a:noFill/>
-          <a:extLst>
-            <a:ext uri="{909E8E84-426E-40DD-AFC4-6F175D3DCCD1}">
-              <a14:hiddenFill xmlns:a14="http://schemas.microsoft.com/office/drawing/2010/main">
-                <a:solidFill>
-                  <a:srgbClr val="FFFFFF"/>
-                </a:solidFill>
-              </a14:hiddenFill>
-            </a:ext>
-          </a:extLst>
-        </p:spPr>
-      </p:pic>
-    </p:spTree>
-    <p:extLst>
-      <p:ext uri="{BB962C8B-B14F-4D97-AF65-F5344CB8AC3E}">
-        <p14:creationId xmlns:p14="http://schemas.microsoft.com/office/powerpoint/2010/main" val="3251595464"/>
-      </p:ext>
-    </p:extLst>
-  </p:cSld>
-  <p:clrMapOvr>
-    <a:masterClrMapping/>
-  </p:clrMapOvr>
-</p:sld>
-</file>
-
 <file path=ppt/theme/theme1.xml><?xml version="1.0" encoding="utf-8"?>
 <a:theme xmlns:a="http://schemas.openxmlformats.org/drawingml/2006/main" name="Office-téma">
   <a:themeElements>

--- a/Erzelemelemzes.pptx
+++ b/Erzelemelemzes.pptx
@@ -283,7 +283,7 @@
           <a:p>
             <a:fld id="{653F7DB2-B3B3-4420-9BDA-51761B5F6382}" type="datetimeFigureOut">
               <a:rPr lang="hu-HU" smtClean="0"/>
-              <a:t>2025. 09. 29.</a:t>
+              <a:t>2025. 10. 05.</a:t>
             </a:fld>
             <a:endParaRPr lang="hu-HU"/>
           </a:p>
@@ -481,7 +481,7 @@
           <a:p>
             <a:fld id="{653F7DB2-B3B3-4420-9BDA-51761B5F6382}" type="datetimeFigureOut">
               <a:rPr lang="hu-HU" smtClean="0"/>
-              <a:t>2025. 09. 29.</a:t>
+              <a:t>2025. 10. 05.</a:t>
             </a:fld>
             <a:endParaRPr lang="hu-HU"/>
           </a:p>
@@ -689,7 +689,7 @@
           <a:p>
             <a:fld id="{653F7DB2-B3B3-4420-9BDA-51761B5F6382}" type="datetimeFigureOut">
               <a:rPr lang="hu-HU" smtClean="0"/>
-              <a:t>2025. 09. 29.</a:t>
+              <a:t>2025. 10. 05.</a:t>
             </a:fld>
             <a:endParaRPr lang="hu-HU"/>
           </a:p>
@@ -887,7 +887,7 @@
           <a:p>
             <a:fld id="{653F7DB2-B3B3-4420-9BDA-51761B5F6382}" type="datetimeFigureOut">
               <a:rPr lang="hu-HU" smtClean="0"/>
-              <a:t>2025. 09. 29.</a:t>
+              <a:t>2025. 10. 05.</a:t>
             </a:fld>
             <a:endParaRPr lang="hu-HU"/>
           </a:p>
@@ -1162,7 +1162,7 @@
           <a:p>
             <a:fld id="{653F7DB2-B3B3-4420-9BDA-51761B5F6382}" type="datetimeFigureOut">
               <a:rPr lang="hu-HU" smtClean="0"/>
-              <a:t>2025. 09. 29.</a:t>
+              <a:t>2025. 10. 05.</a:t>
             </a:fld>
             <a:endParaRPr lang="hu-HU"/>
           </a:p>
@@ -1427,7 +1427,7 @@
           <a:p>
             <a:fld id="{653F7DB2-B3B3-4420-9BDA-51761B5F6382}" type="datetimeFigureOut">
               <a:rPr lang="hu-HU" smtClean="0"/>
-              <a:t>2025. 09. 29.</a:t>
+              <a:t>2025. 10. 05.</a:t>
             </a:fld>
             <a:endParaRPr lang="hu-HU"/>
           </a:p>
@@ -1839,7 +1839,7 @@
           <a:p>
             <a:fld id="{653F7DB2-B3B3-4420-9BDA-51761B5F6382}" type="datetimeFigureOut">
               <a:rPr lang="hu-HU" smtClean="0"/>
-              <a:t>2025. 09. 29.</a:t>
+              <a:t>2025. 10. 05.</a:t>
             </a:fld>
             <a:endParaRPr lang="hu-HU"/>
           </a:p>
@@ -1980,7 +1980,7 @@
           <a:p>
             <a:fld id="{653F7DB2-B3B3-4420-9BDA-51761B5F6382}" type="datetimeFigureOut">
               <a:rPr lang="hu-HU" smtClean="0"/>
-              <a:t>2025. 09. 29.</a:t>
+              <a:t>2025. 10. 05.</a:t>
             </a:fld>
             <a:endParaRPr lang="hu-HU"/>
           </a:p>
@@ -2093,7 +2093,7 @@
           <a:p>
             <a:fld id="{653F7DB2-B3B3-4420-9BDA-51761B5F6382}" type="datetimeFigureOut">
               <a:rPr lang="hu-HU" smtClean="0"/>
-              <a:t>2025. 09. 29.</a:t>
+              <a:t>2025. 10. 05.</a:t>
             </a:fld>
             <a:endParaRPr lang="hu-HU"/>
           </a:p>
@@ -2404,7 +2404,7 @@
           <a:p>
             <a:fld id="{653F7DB2-B3B3-4420-9BDA-51761B5F6382}" type="datetimeFigureOut">
               <a:rPr lang="hu-HU" smtClean="0"/>
-              <a:t>2025. 09. 29.</a:t>
+              <a:t>2025. 10. 05.</a:t>
             </a:fld>
             <a:endParaRPr lang="hu-HU"/>
           </a:p>
@@ -2692,7 +2692,7 @@
           <a:p>
             <a:fld id="{653F7DB2-B3B3-4420-9BDA-51761B5F6382}" type="datetimeFigureOut">
               <a:rPr lang="hu-HU" smtClean="0"/>
-              <a:t>2025. 09. 29.</a:t>
+              <a:t>2025. 10. 05.</a:t>
             </a:fld>
             <a:endParaRPr lang="hu-HU"/>
           </a:p>
@@ -2933,7 +2933,7 @@
           <a:p>
             <a:fld id="{653F7DB2-B3B3-4420-9BDA-51761B5F6382}" type="datetimeFigureOut">
               <a:rPr lang="hu-HU" smtClean="0"/>
-              <a:t>2025. 09. 29.</a:t>
+              <a:t>2025. 10. 05.</a:t>
             </a:fld>
             <a:endParaRPr lang="hu-HU"/>
           </a:p>
@@ -5188,7 +5188,7 @@
         <p:spPr>
           <a:xfrm>
             <a:off x="327804" y="224286"/>
-            <a:ext cx="10404964" cy="5632311"/>
+            <a:ext cx="11366381" cy="5632311"/>
           </a:xfrm>
           <a:prstGeom prst="rect">
             <a:avLst/>
@@ -5255,6 +5255,10 @@
               <a:t>Epoch</a:t>
             </a:r>
             <a:r>
+              <a:rPr lang="hu-HU" b="1" dirty="0"/>
+              <a:t>*</a:t>
+            </a:r>
+            <a:r>
               <a:rPr lang="hu-HU" dirty="0"/>
               <a:t> =</a:t>
             </a:r>
@@ -5264,8 +5268,21 @@
             </a:r>
             <a:r>
               <a:rPr lang="hu-HU" dirty="0"/>
-              <a:t> (Kísérleteztem: 5,6,7,8,9,10 beállításokkal)</a:t>
-            </a:r>
+              <a:t> (Kísérleteztem: 5,6,7,8,9,10 beállításokkal, * </a:t>
+            </a:r>
+            <a:r>
+              <a:rPr lang="hu-HU" dirty="0" err="1"/>
+              <a:t>epoch</a:t>
+            </a:r>
+            <a:r>
+              <a:rPr lang="hu-HU" dirty="0"/>
+              <a:t>: egész tanító halmaz teljes lefutása</a:t>
+            </a:r>
+            <a:r>
+              <a:rPr lang="hu-HU"/>
+              <a:t>, feldolgozása )</a:t>
+            </a:r>
+            <a:endParaRPr lang="hu-HU" dirty="0"/>
           </a:p>
           <a:p>
             <a:r>

--- a/Erzelemelemzes.pptx
+++ b/Erzelemelemzes.pptx
@@ -283,7 +283,7 @@
           <a:p>
             <a:fld id="{653F7DB2-B3B3-4420-9BDA-51761B5F6382}" type="datetimeFigureOut">
               <a:rPr lang="hu-HU" smtClean="0"/>
-              <a:t>2025. 10. 05.</a:t>
+              <a:t>2025. 10. 09.</a:t>
             </a:fld>
             <a:endParaRPr lang="hu-HU"/>
           </a:p>
@@ -481,7 +481,7 @@
           <a:p>
             <a:fld id="{653F7DB2-B3B3-4420-9BDA-51761B5F6382}" type="datetimeFigureOut">
               <a:rPr lang="hu-HU" smtClean="0"/>
-              <a:t>2025. 10. 05.</a:t>
+              <a:t>2025. 10. 09.</a:t>
             </a:fld>
             <a:endParaRPr lang="hu-HU"/>
           </a:p>
@@ -689,7 +689,7 @@
           <a:p>
             <a:fld id="{653F7DB2-B3B3-4420-9BDA-51761B5F6382}" type="datetimeFigureOut">
               <a:rPr lang="hu-HU" smtClean="0"/>
-              <a:t>2025. 10. 05.</a:t>
+              <a:t>2025. 10. 09.</a:t>
             </a:fld>
             <a:endParaRPr lang="hu-HU"/>
           </a:p>
@@ -887,7 +887,7 @@
           <a:p>
             <a:fld id="{653F7DB2-B3B3-4420-9BDA-51761B5F6382}" type="datetimeFigureOut">
               <a:rPr lang="hu-HU" smtClean="0"/>
-              <a:t>2025. 10. 05.</a:t>
+              <a:t>2025. 10. 09.</a:t>
             </a:fld>
             <a:endParaRPr lang="hu-HU"/>
           </a:p>
@@ -1162,7 +1162,7 @@
           <a:p>
             <a:fld id="{653F7DB2-B3B3-4420-9BDA-51761B5F6382}" type="datetimeFigureOut">
               <a:rPr lang="hu-HU" smtClean="0"/>
-              <a:t>2025. 10. 05.</a:t>
+              <a:t>2025. 10. 09.</a:t>
             </a:fld>
             <a:endParaRPr lang="hu-HU"/>
           </a:p>
@@ -1427,7 +1427,7 @@
           <a:p>
             <a:fld id="{653F7DB2-B3B3-4420-9BDA-51761B5F6382}" type="datetimeFigureOut">
               <a:rPr lang="hu-HU" smtClean="0"/>
-              <a:t>2025. 10. 05.</a:t>
+              <a:t>2025. 10. 09.</a:t>
             </a:fld>
             <a:endParaRPr lang="hu-HU"/>
           </a:p>
@@ -1839,7 +1839,7 @@
           <a:p>
             <a:fld id="{653F7DB2-B3B3-4420-9BDA-51761B5F6382}" type="datetimeFigureOut">
               <a:rPr lang="hu-HU" smtClean="0"/>
-              <a:t>2025. 10. 05.</a:t>
+              <a:t>2025. 10. 09.</a:t>
             </a:fld>
             <a:endParaRPr lang="hu-HU"/>
           </a:p>
@@ -1980,7 +1980,7 @@
           <a:p>
             <a:fld id="{653F7DB2-B3B3-4420-9BDA-51761B5F6382}" type="datetimeFigureOut">
               <a:rPr lang="hu-HU" smtClean="0"/>
-              <a:t>2025. 10. 05.</a:t>
+              <a:t>2025. 10. 09.</a:t>
             </a:fld>
             <a:endParaRPr lang="hu-HU"/>
           </a:p>
@@ -2093,7 +2093,7 @@
           <a:p>
             <a:fld id="{653F7DB2-B3B3-4420-9BDA-51761B5F6382}" type="datetimeFigureOut">
               <a:rPr lang="hu-HU" smtClean="0"/>
-              <a:t>2025. 10. 05.</a:t>
+              <a:t>2025. 10. 09.</a:t>
             </a:fld>
             <a:endParaRPr lang="hu-HU"/>
           </a:p>
@@ -2404,7 +2404,7 @@
           <a:p>
             <a:fld id="{653F7DB2-B3B3-4420-9BDA-51761B5F6382}" type="datetimeFigureOut">
               <a:rPr lang="hu-HU" smtClean="0"/>
-              <a:t>2025. 10. 05.</a:t>
+              <a:t>2025. 10. 09.</a:t>
             </a:fld>
             <a:endParaRPr lang="hu-HU"/>
           </a:p>
@@ -2692,7 +2692,7 @@
           <a:p>
             <a:fld id="{653F7DB2-B3B3-4420-9BDA-51761B5F6382}" type="datetimeFigureOut">
               <a:rPr lang="hu-HU" smtClean="0"/>
-              <a:t>2025. 10. 05.</a:t>
+              <a:t>2025. 10. 09.</a:t>
             </a:fld>
             <a:endParaRPr lang="hu-HU"/>
           </a:p>
@@ -2933,7 +2933,7 @@
           <a:p>
             <a:fld id="{653F7DB2-B3B3-4420-9BDA-51761B5F6382}" type="datetimeFigureOut">
               <a:rPr lang="hu-HU" smtClean="0"/>
-              <a:t>2025. 10. 05.</a:t>
+              <a:t>2025. 10. 09.</a:t>
             </a:fld>
             <a:endParaRPr lang="hu-HU"/>
           </a:p>
@@ -4121,7 +4121,7 @@
         <p:spPr>
           <a:xfrm>
             <a:off x="268448" y="343949"/>
-            <a:ext cx="9225282" cy="1754326"/>
+            <a:ext cx="9225282" cy="2031325"/>
           </a:xfrm>
           <a:prstGeom prst="rect">
             <a:avLst/>
@@ -4140,6 +4140,17 @@
             </a:r>
           </a:p>
           <a:p>
+            <a:endParaRPr lang="hu-HU" dirty="0"/>
+          </a:p>
+          <a:p>
+            <a:r>
+              <a:rPr lang="hu-HU" dirty="0"/>
+              <a:t>Oktatási, </a:t>
+            </a:r>
+            <a:r>
+              <a:rPr lang="hu-HU"/>
+              <a:t>demonstrációs segédeszköz</a:t>
+            </a:r>
             <a:br>
               <a:rPr lang="hu-HU" dirty="0"/>
             </a:br>

--- a/Erzelemelemzes.pptx
+++ b/Erzelemelemzes.pptx
@@ -3827,7 +3827,7 @@
         <p:spPr>
           <a:xfrm>
             <a:off x="268448" y="343949"/>
-            <a:ext cx="11105669" cy="3970318"/>
+            <a:ext cx="11105669" cy="4801314"/>
           </a:xfrm>
           <a:prstGeom prst="rect">
             <a:avLst/>
@@ -3842,7 +3842,7 @@
           <a:p>
             <a:r>
               <a:rPr lang="hu-HU" sz="3600" b="1" dirty="0"/>
-              <a:t>Megállapítás, összefoglalás, :</a:t>
+              <a:t>Megállapítás, összefoglalás :</a:t>
             </a:r>
           </a:p>
           <a:p>
@@ -3919,6 +3919,21 @@
           </a:p>
           <a:p>
             <a:endParaRPr lang="hu-HU" dirty="0"/>
+          </a:p>
+          <a:p>
+            <a:endParaRPr lang="hu-HU" dirty="0"/>
+          </a:p>
+          <a:p>
+            <a:r>
+              <a:rPr lang="hu-HU" dirty="0"/>
+              <a:t>Projekt felhasználható oktatási, demonstrációs segédeszköznek: </a:t>
+            </a:r>
+          </a:p>
+          <a:p>
+            <a:r>
+              <a:rPr lang="hu-HU" i="1" dirty="0"/>
+              <a:t>Ki tudja jobban eldönteni, hogy egy vers hangulata pozitív vagy negatív – az ember vagy az AI?</a:t>
+            </a:r>
           </a:p>
           <a:p>
             <a:endParaRPr lang="hu-HU" b="1" dirty="0"/>
@@ -4145,11 +4160,7 @@
           <a:p>
             <a:r>
               <a:rPr lang="hu-HU" dirty="0"/>
-              <a:t>Oktatási, </a:t>
-            </a:r>
-            <a:r>
-              <a:rPr lang="hu-HU"/>
-              <a:t>demonstrációs segédeszköz</a:t>
+              <a:t>Oktatási, demonstrációs segédeszköz</a:t>
             </a:r>
             <a:br>
               <a:rPr lang="hu-HU" dirty="0"/>
@@ -4382,15 +4393,15 @@
             </a:r>
             <a:r>
               <a:rPr lang="hu-HU" dirty="0"/>
-              <a:t>: nagy mennyiségű adat feldolgozása esetén hasznos. (</a:t>
-            </a:r>
-            <a:r>
-              <a:rPr lang="hu-HU" dirty="0" err="1"/>
-              <a:t>Többszörfuttattam</a:t>
-            </a:r>
-            <a:r>
-              <a:rPr lang="hu-HU" dirty="0"/>
-              <a:t> le a kódot. Nem fogyasztottam </a:t>
+              <a:t>: nagy mennyiségű adat feldolgozása esetén hasznos. </a:t>
+            </a:r>
+            <a:r>
+              <a:rPr lang="hu-HU"/>
+              <a:t>(Többször futtattam </a:t>
+            </a:r>
+            <a:r>
+              <a:rPr lang="hu-HU" dirty="0"/>
+              <a:t>le a kódot. Nem fogyasztottam </a:t>
             </a:r>
             <a:r>
               <a:rPr lang="hu-HU" dirty="0" err="1"/>
